--- a/Adaptive DSIDE.pptx
+++ b/Adaptive DSIDE.pptx
@@ -12,7 +12,11 @@
     <p:sldId id="304" r:id="rId9"/>
     <p:sldId id="305" r:id="rId10"/>
     <p:sldId id="306" r:id="rId11"/>
-    <p:sldId id="307" r:id="rId12"/>
+    <p:sldId id="308" r:id="rId12"/>
+    <p:sldId id="307" r:id="rId13"/>
+    <p:sldId id="309" r:id="rId14"/>
+    <p:sldId id="310" r:id="rId15"/>
+    <p:sldId id="311" r:id="rId16"/>
   </p:sldIdLst>
   <p:sldSz cx="12192000" cy="6858000"/>
   <p:notesSz cx="6858000" cy="9144000"/>
@@ -3760,6 +3764,903 @@
 </p:sld>
 </file>
 
+<file path=ppt/slides/slide10.xml><?xml version="1.0" encoding="utf-8"?>
+<p:sld xmlns:a="http://schemas.openxmlformats.org/drawingml/2006/main" xmlns:r="http://schemas.openxmlformats.org/officeDocument/2006/relationships" xmlns:p="http://schemas.openxmlformats.org/presentationml/2006/main">
+  <p:cSld>
+    <p:bg>
+      <p:bgPr>
+        <a:solidFill>
+          <a:schemeClr val="bg1"/>
+        </a:solidFill>
+        <a:effectLst/>
+      </p:bgPr>
+    </p:bg>
+    <p:spTree>
+      <p:nvGrpSpPr>
+        <p:cNvPr id="1" name=""/>
+        <p:cNvGrpSpPr/>
+        <p:nvPr/>
+      </p:nvGrpSpPr>
+      <p:grpSpPr>
+        <a:xfrm>
+          <a:off x="0" y="0"/>
+          <a:ext cx="0" cy="0"/>
+          <a:chOff x="0" y="0"/>
+          <a:chExt cx="0" cy="0"/>
+        </a:xfrm>
+      </p:grpSpPr>
+      <p:sp>
+        <p:nvSpPr>
+          <p:cNvPr id="14" name="Rectangle 13">
+            <a:extLst>
+              <a:ext uri="{FF2B5EF4-FFF2-40B4-BE49-F238E27FC236}">
+                <a16:creationId xmlns:a16="http://schemas.microsoft.com/office/drawing/2014/main" id="{5014DE1B-FD50-40B1-A8A5-304666E7C6AF}"/>
+              </a:ext>
+              <a:ext uri="{C183D7F6-B498-43B3-948B-1728B52AA6E4}">
+                <adec:decorative xmlns:adec="http://schemas.microsoft.com/office/drawing/2017/decorative" val="1"/>
+              </a:ext>
+            </a:extLst>
+          </p:cNvPr>
+          <p:cNvSpPr>
+            <a:spLocks noGrp="1" noRot="1" noChangeAspect="1" noMove="1" noResize="1" noEditPoints="1" noAdjustHandles="1" noChangeArrowheads="1" noChangeShapeType="1" noTextEdit="1"/>
+          </p:cNvSpPr>
+          <p:nvPr>
+            <p:extLst>
+              <p:ext uri="{386F3935-93C4-4BCD-93E2-E3B085C9AB24}">
+                <p16:designElem xmlns:p16="http://schemas.microsoft.com/office/powerpoint/2015/main" val="1"/>
+              </p:ext>
+            </p:extLst>
+          </p:nvPr>
+        </p:nvSpPr>
+        <p:spPr>
+          <a:xfrm>
+            <a:off x="0" y="0"/>
+            <a:ext cx="12192000" cy="6858000"/>
+          </a:xfrm>
+          <a:prstGeom prst="rect">
+            <a:avLst/>
+          </a:prstGeom>
+          <a:solidFill>
+            <a:srgbClr val="262626"/>
+          </a:solidFill>
+          <a:ln>
+            <a:noFill/>
+          </a:ln>
+        </p:spPr>
+        <p:style>
+          <a:lnRef idx="2">
+            <a:schemeClr val="accent1">
+              <a:shade val="50000"/>
+            </a:schemeClr>
+          </a:lnRef>
+          <a:fillRef idx="1">
+            <a:schemeClr val="accent1"/>
+          </a:fillRef>
+          <a:effectRef idx="0">
+            <a:schemeClr val="accent1"/>
+          </a:effectRef>
+          <a:fontRef idx="minor">
+            <a:schemeClr val="lt1"/>
+          </a:fontRef>
+        </p:style>
+        <p:txBody>
+          <a:bodyPr rtlCol="0" anchor="ctr"/>
+          <a:lstStyle/>
+          <a:p>
+            <a:pPr algn="ctr"/>
+            <a:endParaRPr lang="en-US"/>
+          </a:p>
+        </p:txBody>
+      </p:sp>
+      <p:sp>
+        <p:nvSpPr>
+          <p:cNvPr id="16" name="Rectangle 15">
+            <a:extLst>
+              <a:ext uri="{FF2B5EF4-FFF2-40B4-BE49-F238E27FC236}">
+                <a16:creationId xmlns:a16="http://schemas.microsoft.com/office/drawing/2014/main" id="{91B41FE9-4F8F-4675-8668-D3330B371AF8}"/>
+              </a:ext>
+              <a:ext uri="{C183D7F6-B498-43B3-948B-1728B52AA6E4}">
+                <adec:decorative xmlns:adec="http://schemas.microsoft.com/office/drawing/2017/decorative" val="1"/>
+              </a:ext>
+            </a:extLst>
+          </p:cNvPr>
+          <p:cNvSpPr>
+            <a:spLocks noGrp="1" noRot="1" noChangeAspect="1" noMove="1" noResize="1" noEditPoints="1" noAdjustHandles="1" noChangeArrowheads="1" noChangeShapeType="1" noTextEdit="1"/>
+          </p:cNvSpPr>
+          <p:nvPr>
+            <p:extLst>
+              <p:ext uri="{386F3935-93C4-4BCD-93E2-E3B085C9AB24}">
+                <p16:designElem xmlns:p16="http://schemas.microsoft.com/office/powerpoint/2015/main" val="1"/>
+              </p:ext>
+            </p:extLst>
+          </p:nvPr>
+        </p:nvSpPr>
+        <p:spPr>
+          <a:xfrm>
+            <a:off x="477012" y="480060"/>
+            <a:ext cx="11237976" cy="5897880"/>
+          </a:xfrm>
+          <a:prstGeom prst="rect">
+            <a:avLst/>
+          </a:prstGeom>
+          <a:solidFill>
+            <a:srgbClr val="FFFFFF"/>
+          </a:solidFill>
+          <a:ln>
+            <a:noFill/>
+          </a:ln>
+        </p:spPr>
+        <p:style>
+          <a:lnRef idx="2">
+            <a:schemeClr val="accent1">
+              <a:shade val="50000"/>
+            </a:schemeClr>
+          </a:lnRef>
+          <a:fillRef idx="1">
+            <a:schemeClr val="accent1"/>
+          </a:fillRef>
+          <a:effectRef idx="0">
+            <a:schemeClr val="accent1"/>
+          </a:effectRef>
+          <a:fontRef idx="minor">
+            <a:schemeClr val="lt1"/>
+          </a:fontRef>
+        </p:style>
+        <p:txBody>
+          <a:bodyPr rtlCol="0" anchor="ctr"/>
+          <a:lstStyle/>
+          <a:p>
+            <a:pPr algn="ctr"/>
+            <a:endParaRPr lang="en-US"/>
+          </a:p>
+        </p:txBody>
+      </p:sp>
+      <p:pic>
+        <p:nvPicPr>
+          <p:cNvPr id="7" name="Picture 6" descr="Chart&#10;&#10;Description automatically generated">
+            <a:extLst>
+              <a:ext uri="{FF2B5EF4-FFF2-40B4-BE49-F238E27FC236}">
+                <a16:creationId xmlns:a16="http://schemas.microsoft.com/office/drawing/2014/main" id="{4C4AC385-FD45-BE4E-2701-3FA32D0BCF4A}"/>
+              </a:ext>
+            </a:extLst>
+          </p:cNvPr>
+          <p:cNvPicPr>
+            <a:picLocks noChangeAspect="1"/>
+          </p:cNvPicPr>
+          <p:nvPr/>
+        </p:nvPicPr>
+        <p:blipFill>
+          <a:blip r:embed="rId2"/>
+          <a:stretch>
+            <a:fillRect/>
+          </a:stretch>
+        </p:blipFill>
+        <p:spPr>
+          <a:xfrm>
+            <a:off x="798745" y="889389"/>
+            <a:ext cx="5136388" cy="5097864"/>
+          </a:xfrm>
+          <a:prstGeom prst="rect">
+            <a:avLst/>
+          </a:prstGeom>
+        </p:spPr>
+      </p:pic>
+      <p:cxnSp>
+        <p:nvCxnSpPr>
+          <p:cNvPr id="18" name="Straight Connector 17">
+            <a:extLst>
+              <a:ext uri="{FF2B5EF4-FFF2-40B4-BE49-F238E27FC236}">
+                <a16:creationId xmlns:a16="http://schemas.microsoft.com/office/drawing/2014/main" id="{E230929C-760C-4746-B0AE-0D09A78A8873}"/>
+              </a:ext>
+              <a:ext uri="{C183D7F6-B498-43B3-948B-1728B52AA6E4}">
+                <adec:decorative xmlns:adec="http://schemas.microsoft.com/office/drawing/2017/decorative" val="1"/>
+              </a:ext>
+            </a:extLst>
+          </p:cNvPr>
+          <p:cNvCxnSpPr>
+            <a:cxnSpLocks noGrp="1" noRot="1" noChangeAspect="1" noMove="1" noResize="1" noEditPoints="1" noAdjustHandles="1" noChangeArrowheads="1" noChangeShapeType="1"/>
+          </p:cNvCxnSpPr>
+          <p:nvPr>
+            <p:extLst>
+              <p:ext uri="{386F3935-93C4-4BCD-93E2-E3B085C9AB24}">
+                <p16:designElem xmlns:p16="http://schemas.microsoft.com/office/powerpoint/2015/main" val="1"/>
+              </p:ext>
+            </p:extLst>
+          </p:nvPr>
+        </p:nvCxnSpPr>
+        <p:spPr>
+          <a:xfrm>
+            <a:off x="6096000" y="1038225"/>
+            <a:ext cx="0" cy="4762500"/>
+          </a:xfrm>
+          <a:prstGeom prst="line">
+            <a:avLst/>
+          </a:prstGeom>
+          <a:ln>
+            <a:solidFill>
+              <a:schemeClr val="tx1">
+                <a:lumMod val="85000"/>
+                <a:lumOff val="15000"/>
+              </a:schemeClr>
+            </a:solidFill>
+          </a:ln>
+        </p:spPr>
+        <p:style>
+          <a:lnRef idx="1">
+            <a:schemeClr val="accent1"/>
+          </a:lnRef>
+          <a:fillRef idx="0">
+            <a:schemeClr val="accent1"/>
+          </a:fillRef>
+          <a:effectRef idx="0">
+            <a:schemeClr val="accent1"/>
+          </a:effectRef>
+          <a:fontRef idx="minor">
+            <a:schemeClr val="tx1"/>
+          </a:fontRef>
+        </p:style>
+      </p:cxnSp>
+      <p:pic>
+        <p:nvPicPr>
+          <p:cNvPr id="9" name="Picture 8" descr="Graphical user interface&#10;&#10;Description automatically generated with low confidence">
+            <a:extLst>
+              <a:ext uri="{FF2B5EF4-FFF2-40B4-BE49-F238E27FC236}">
+                <a16:creationId xmlns:a16="http://schemas.microsoft.com/office/drawing/2014/main" id="{FAB02C7C-B10E-8C38-6C2F-84A932DD5C51}"/>
+              </a:ext>
+            </a:extLst>
+          </p:cNvPr>
+          <p:cNvPicPr>
+            <a:picLocks noChangeAspect="1"/>
+          </p:cNvPicPr>
+          <p:nvPr/>
+        </p:nvPicPr>
+        <p:blipFill>
+          <a:blip r:embed="rId3"/>
+          <a:stretch>
+            <a:fillRect/>
+          </a:stretch>
+        </p:blipFill>
+        <p:spPr>
+          <a:xfrm>
+            <a:off x="6256866" y="889389"/>
+            <a:ext cx="5136388" cy="5097864"/>
+          </a:xfrm>
+          <a:prstGeom prst="rect">
+            <a:avLst/>
+          </a:prstGeom>
+        </p:spPr>
+      </p:pic>
+    </p:spTree>
+    <p:extLst>
+      <p:ext uri="{BB962C8B-B14F-4D97-AF65-F5344CB8AC3E}">
+        <p14:creationId xmlns:p14="http://schemas.microsoft.com/office/powerpoint/2010/main" val="420301473"/>
+      </p:ext>
+    </p:extLst>
+  </p:cSld>
+  <p:clrMapOvr>
+    <a:masterClrMapping/>
+  </p:clrMapOvr>
+</p:sld>
+</file>
+
+<file path=ppt/slides/slide11.xml><?xml version="1.0" encoding="utf-8"?>
+<p:sld xmlns:a="http://schemas.openxmlformats.org/drawingml/2006/main" xmlns:r="http://schemas.openxmlformats.org/officeDocument/2006/relationships" xmlns:p="http://schemas.openxmlformats.org/presentationml/2006/main">
+  <p:cSld>
+    <p:bg>
+      <p:bgPr>
+        <a:solidFill>
+          <a:schemeClr val="bg1"/>
+        </a:solidFill>
+        <a:effectLst/>
+      </p:bgPr>
+    </p:bg>
+    <p:spTree>
+      <p:nvGrpSpPr>
+        <p:cNvPr id="1" name=""/>
+        <p:cNvGrpSpPr/>
+        <p:nvPr/>
+      </p:nvGrpSpPr>
+      <p:grpSpPr>
+        <a:xfrm>
+          <a:off x="0" y="0"/>
+          <a:ext cx="0" cy="0"/>
+          <a:chOff x="0" y="0"/>
+          <a:chExt cx="0" cy="0"/>
+        </a:xfrm>
+      </p:grpSpPr>
+      <p:sp>
+        <p:nvSpPr>
+          <p:cNvPr id="10" name="Rectangle 9">
+            <a:extLst>
+              <a:ext uri="{FF2B5EF4-FFF2-40B4-BE49-F238E27FC236}">
+                <a16:creationId xmlns:a16="http://schemas.microsoft.com/office/drawing/2014/main" id="{5014DE1B-FD50-40B1-A8A5-304666E7C6AF}"/>
+              </a:ext>
+              <a:ext uri="{C183D7F6-B498-43B3-948B-1728B52AA6E4}">
+                <adec:decorative xmlns:adec="http://schemas.microsoft.com/office/drawing/2017/decorative" val="1"/>
+              </a:ext>
+            </a:extLst>
+          </p:cNvPr>
+          <p:cNvSpPr>
+            <a:spLocks noGrp="1" noRot="1" noChangeAspect="1" noMove="1" noResize="1" noEditPoints="1" noAdjustHandles="1" noChangeArrowheads="1" noChangeShapeType="1" noTextEdit="1"/>
+          </p:cNvSpPr>
+          <p:nvPr>
+            <p:extLst>
+              <p:ext uri="{386F3935-93C4-4BCD-93E2-E3B085C9AB24}">
+                <p16:designElem xmlns:p16="http://schemas.microsoft.com/office/powerpoint/2015/main" val="1"/>
+              </p:ext>
+            </p:extLst>
+          </p:nvPr>
+        </p:nvSpPr>
+        <p:spPr>
+          <a:xfrm>
+            <a:off x="0" y="0"/>
+            <a:ext cx="12192000" cy="6858000"/>
+          </a:xfrm>
+          <a:prstGeom prst="rect">
+            <a:avLst/>
+          </a:prstGeom>
+          <a:solidFill>
+            <a:srgbClr val="262626"/>
+          </a:solidFill>
+          <a:ln>
+            <a:noFill/>
+          </a:ln>
+        </p:spPr>
+        <p:style>
+          <a:lnRef idx="2">
+            <a:schemeClr val="accent1">
+              <a:shade val="50000"/>
+            </a:schemeClr>
+          </a:lnRef>
+          <a:fillRef idx="1">
+            <a:schemeClr val="accent1"/>
+          </a:fillRef>
+          <a:effectRef idx="0">
+            <a:schemeClr val="accent1"/>
+          </a:effectRef>
+          <a:fontRef idx="minor">
+            <a:schemeClr val="lt1"/>
+          </a:fontRef>
+        </p:style>
+        <p:txBody>
+          <a:bodyPr rtlCol="0" anchor="ctr"/>
+          <a:lstStyle/>
+          <a:p>
+            <a:pPr algn="ctr"/>
+            <a:endParaRPr lang="en-US"/>
+          </a:p>
+        </p:txBody>
+      </p:sp>
+      <p:sp>
+        <p:nvSpPr>
+          <p:cNvPr id="12" name="Rectangle 11">
+            <a:extLst>
+              <a:ext uri="{FF2B5EF4-FFF2-40B4-BE49-F238E27FC236}">
+                <a16:creationId xmlns:a16="http://schemas.microsoft.com/office/drawing/2014/main" id="{91B41FE9-4F8F-4675-8668-D3330B371AF8}"/>
+              </a:ext>
+              <a:ext uri="{C183D7F6-B498-43B3-948B-1728B52AA6E4}">
+                <adec:decorative xmlns:adec="http://schemas.microsoft.com/office/drawing/2017/decorative" val="1"/>
+              </a:ext>
+            </a:extLst>
+          </p:cNvPr>
+          <p:cNvSpPr>
+            <a:spLocks noGrp="1" noRot="1" noChangeAspect="1" noMove="1" noResize="1" noEditPoints="1" noAdjustHandles="1" noChangeArrowheads="1" noChangeShapeType="1" noTextEdit="1"/>
+          </p:cNvSpPr>
+          <p:nvPr>
+            <p:extLst>
+              <p:ext uri="{386F3935-93C4-4BCD-93E2-E3B085C9AB24}">
+                <p16:designElem xmlns:p16="http://schemas.microsoft.com/office/powerpoint/2015/main" val="1"/>
+              </p:ext>
+            </p:extLst>
+          </p:nvPr>
+        </p:nvSpPr>
+        <p:spPr>
+          <a:xfrm>
+            <a:off x="477012" y="480060"/>
+            <a:ext cx="11237976" cy="5897880"/>
+          </a:xfrm>
+          <a:prstGeom prst="rect">
+            <a:avLst/>
+          </a:prstGeom>
+          <a:solidFill>
+            <a:srgbClr val="FFFFFF"/>
+          </a:solidFill>
+          <a:ln>
+            <a:noFill/>
+          </a:ln>
+        </p:spPr>
+        <p:style>
+          <a:lnRef idx="2">
+            <a:schemeClr val="accent1">
+              <a:shade val="50000"/>
+            </a:schemeClr>
+          </a:lnRef>
+          <a:fillRef idx="1">
+            <a:schemeClr val="accent1"/>
+          </a:fillRef>
+          <a:effectRef idx="0">
+            <a:schemeClr val="accent1"/>
+          </a:effectRef>
+          <a:fontRef idx="minor">
+            <a:schemeClr val="lt1"/>
+          </a:fontRef>
+        </p:style>
+        <p:txBody>
+          <a:bodyPr rtlCol="0" anchor="ctr"/>
+          <a:lstStyle/>
+          <a:p>
+            <a:pPr algn="ctr"/>
+            <a:endParaRPr lang="en-US"/>
+          </a:p>
+        </p:txBody>
+      </p:sp>
+      <p:pic>
+        <p:nvPicPr>
+          <p:cNvPr id="5" name="Picture 4" descr="Chart, histogram&#10;&#10;Description automatically generated">
+            <a:extLst>
+              <a:ext uri="{FF2B5EF4-FFF2-40B4-BE49-F238E27FC236}">
+                <a16:creationId xmlns:a16="http://schemas.microsoft.com/office/drawing/2014/main" id="{FB273693-5B91-11FC-23EA-DBBD3ABFD6F2}"/>
+              </a:ext>
+            </a:extLst>
+          </p:cNvPr>
+          <p:cNvPicPr>
+            <a:picLocks noChangeAspect="1"/>
+          </p:cNvPicPr>
+          <p:nvPr/>
+        </p:nvPicPr>
+        <p:blipFill>
+          <a:blip r:embed="rId2"/>
+          <a:stretch>
+            <a:fillRect/>
+          </a:stretch>
+        </p:blipFill>
+        <p:spPr>
+          <a:xfrm>
+            <a:off x="798745" y="876548"/>
+            <a:ext cx="5136388" cy="5123546"/>
+          </a:xfrm>
+          <a:prstGeom prst="rect">
+            <a:avLst/>
+          </a:prstGeom>
+        </p:spPr>
+      </p:pic>
+      <p:cxnSp>
+        <p:nvCxnSpPr>
+          <p:cNvPr id="14" name="Straight Connector 13">
+            <a:extLst>
+              <a:ext uri="{FF2B5EF4-FFF2-40B4-BE49-F238E27FC236}">
+                <a16:creationId xmlns:a16="http://schemas.microsoft.com/office/drawing/2014/main" id="{E230929C-760C-4746-B0AE-0D09A78A8873}"/>
+              </a:ext>
+              <a:ext uri="{C183D7F6-B498-43B3-948B-1728B52AA6E4}">
+                <adec:decorative xmlns:adec="http://schemas.microsoft.com/office/drawing/2017/decorative" val="1"/>
+              </a:ext>
+            </a:extLst>
+          </p:cNvPr>
+          <p:cNvCxnSpPr>
+            <a:cxnSpLocks noGrp="1" noRot="1" noChangeAspect="1" noMove="1" noResize="1" noEditPoints="1" noAdjustHandles="1" noChangeArrowheads="1" noChangeShapeType="1"/>
+          </p:cNvCxnSpPr>
+          <p:nvPr>
+            <p:extLst>
+              <p:ext uri="{386F3935-93C4-4BCD-93E2-E3B085C9AB24}">
+                <p16:designElem xmlns:p16="http://schemas.microsoft.com/office/powerpoint/2015/main" val="1"/>
+              </p:ext>
+            </p:extLst>
+          </p:nvPr>
+        </p:nvCxnSpPr>
+        <p:spPr>
+          <a:xfrm>
+            <a:off x="6096000" y="1038225"/>
+            <a:ext cx="0" cy="4762500"/>
+          </a:xfrm>
+          <a:prstGeom prst="line">
+            <a:avLst/>
+          </a:prstGeom>
+          <a:ln>
+            <a:solidFill>
+              <a:schemeClr val="tx1">
+                <a:lumMod val="85000"/>
+                <a:lumOff val="15000"/>
+              </a:schemeClr>
+            </a:solidFill>
+          </a:ln>
+        </p:spPr>
+        <p:style>
+          <a:lnRef idx="1">
+            <a:schemeClr val="accent1"/>
+          </a:lnRef>
+          <a:fillRef idx="0">
+            <a:schemeClr val="accent1"/>
+          </a:fillRef>
+          <a:effectRef idx="0">
+            <a:schemeClr val="accent1"/>
+          </a:effectRef>
+          <a:fontRef idx="minor">
+            <a:schemeClr val="tx1"/>
+          </a:fontRef>
+        </p:style>
+      </p:cxnSp>
+      <p:pic>
+        <p:nvPicPr>
+          <p:cNvPr id="3" name="Picture 2" descr="Chart&#10;&#10;Description automatically generated">
+            <a:extLst>
+              <a:ext uri="{FF2B5EF4-FFF2-40B4-BE49-F238E27FC236}">
+                <a16:creationId xmlns:a16="http://schemas.microsoft.com/office/drawing/2014/main" id="{D5A5AA90-12E5-D14D-15A1-FF8C34FBB219}"/>
+              </a:ext>
+            </a:extLst>
+          </p:cNvPr>
+          <p:cNvPicPr>
+            <a:picLocks noChangeAspect="1"/>
+          </p:cNvPicPr>
+          <p:nvPr/>
+        </p:nvPicPr>
+        <p:blipFill>
+          <a:blip r:embed="rId3"/>
+          <a:stretch>
+            <a:fillRect/>
+          </a:stretch>
+        </p:blipFill>
+        <p:spPr>
+          <a:xfrm>
+            <a:off x="6256866" y="915071"/>
+            <a:ext cx="5136388" cy="5046500"/>
+          </a:xfrm>
+          <a:prstGeom prst="rect">
+            <a:avLst/>
+          </a:prstGeom>
+        </p:spPr>
+      </p:pic>
+    </p:spTree>
+    <p:extLst>
+      <p:ext uri="{BB962C8B-B14F-4D97-AF65-F5344CB8AC3E}">
+        <p14:creationId xmlns:p14="http://schemas.microsoft.com/office/powerpoint/2010/main" val="1077610566"/>
+      </p:ext>
+    </p:extLst>
+  </p:cSld>
+  <p:clrMapOvr>
+    <a:masterClrMapping/>
+  </p:clrMapOvr>
+</p:sld>
+</file>
+
+<file path=ppt/slides/slide12.xml><?xml version="1.0" encoding="utf-8"?>
+<p:sld xmlns:a="http://schemas.openxmlformats.org/drawingml/2006/main" xmlns:r="http://schemas.openxmlformats.org/officeDocument/2006/relationships" xmlns:p="http://schemas.openxmlformats.org/presentationml/2006/main">
+  <p:cSld>
+    <p:spTree>
+      <p:nvGrpSpPr>
+        <p:cNvPr id="1" name=""/>
+        <p:cNvGrpSpPr/>
+        <p:nvPr/>
+      </p:nvGrpSpPr>
+      <p:grpSpPr>
+        <a:xfrm>
+          <a:off x="0" y="0"/>
+          <a:ext cx="0" cy="0"/>
+          <a:chOff x="0" y="0"/>
+          <a:chExt cx="0" cy="0"/>
+        </a:xfrm>
+      </p:grpSpPr>
+      <p:sp>
+        <p:nvSpPr>
+          <p:cNvPr id="2" name="Title 1">
+            <a:extLst>
+              <a:ext uri="{FF2B5EF4-FFF2-40B4-BE49-F238E27FC236}">
+                <a16:creationId xmlns:a16="http://schemas.microsoft.com/office/drawing/2014/main" id="{02F2B29D-18D8-FA9E-F93A-106C0BD58B3C}"/>
+              </a:ext>
+            </a:extLst>
+          </p:cNvPr>
+          <p:cNvSpPr>
+            <a:spLocks noGrp="1"/>
+          </p:cNvSpPr>
+          <p:nvPr>
+            <p:ph type="title"/>
+          </p:nvPr>
+        </p:nvSpPr>
+        <p:spPr/>
+        <p:txBody>
+          <a:bodyPr anchor="ctr"/>
+          <a:lstStyle/>
+          <a:p>
+            <a:r>
+              <a:rPr lang="th-TH" dirty="0"/>
+              <a:t>สรุปผลการทดลอง</a:t>
+            </a:r>
+            <a:r>
+              <a:rPr lang="en-US" dirty="0"/>
+              <a:t>(30 dimension)</a:t>
+            </a:r>
+          </a:p>
+        </p:txBody>
+      </p:sp>
+      <p:sp>
+        <p:nvSpPr>
+          <p:cNvPr id="3" name="TextBox 2">
+            <a:extLst>
+              <a:ext uri="{FF2B5EF4-FFF2-40B4-BE49-F238E27FC236}">
+                <a16:creationId xmlns:a16="http://schemas.microsoft.com/office/drawing/2014/main" id="{E5A13955-FDC4-AA60-A446-4AA9EF0196C2}"/>
+              </a:ext>
+            </a:extLst>
+          </p:cNvPr>
+          <p:cNvSpPr txBox="1"/>
+          <p:nvPr/>
+        </p:nvSpPr>
+        <p:spPr>
+          <a:xfrm>
+            <a:off x="1097280" y="2245360"/>
+            <a:ext cx="10657840" cy="3170099"/>
+          </a:xfrm>
+          <a:prstGeom prst="rect">
+            <a:avLst/>
+          </a:prstGeom>
+          <a:noFill/>
+        </p:spPr>
+        <p:txBody>
+          <a:bodyPr wrap="square" rtlCol="0">
+            <a:spAutoFit/>
+          </a:bodyPr>
+          <a:lstStyle/>
+          <a:p>
+            <a:pPr marL="285750" indent="-285750">
+              <a:buFont typeface="Arial" panose="020B0604020202020204" pitchFamily="34" charset="0"/>
+              <a:buChar char="•"/>
+            </a:pPr>
+            <a:r>
+              <a:rPr lang="th-TH" sz="2500" dirty="0"/>
+              <a:t>จากการทดลองพบว่า </a:t>
+            </a:r>
+            <a:r>
+              <a:rPr lang="en-US" sz="2500" dirty="0"/>
+              <a:t>Adaptive DSIDE </a:t>
+            </a:r>
+            <a:r>
+              <a:rPr lang="th-TH" sz="2500" dirty="0"/>
+              <a:t>แบบ</a:t>
+            </a:r>
+            <a:r>
+              <a:rPr lang="en-US" sz="2500" dirty="0"/>
+              <a:t> </a:t>
+            </a:r>
+            <a:r>
+              <a:rPr lang="en-US" sz="2500" dirty="0" err="1">
+                <a:latin typeface="+mj-lt"/>
+              </a:rPr>
+              <a:t>DSIDEselectbestMed</a:t>
+            </a:r>
+            <a:r>
+              <a:rPr lang="en-US" sz="2500" dirty="0">
+                <a:latin typeface="+mj-lt"/>
+              </a:rPr>
+              <a:t> </a:t>
+            </a:r>
+            <a:r>
+              <a:rPr lang="th-TH" sz="2500" dirty="0">
+                <a:latin typeface="+mj-lt"/>
+              </a:rPr>
+              <a:t>และ</a:t>
+            </a:r>
+            <a:r>
+              <a:rPr lang="en-US" sz="2500" dirty="0">
+                <a:latin typeface="+mj-lt"/>
+              </a:rPr>
+              <a:t> </a:t>
+            </a:r>
+            <a:r>
+              <a:rPr lang="en-US" sz="2500" dirty="0" err="1">
+                <a:latin typeface="+mj-lt"/>
+              </a:rPr>
+              <a:t>DSIDEselectbestMed</a:t>
+            </a:r>
+            <a:r>
+              <a:rPr lang="th-TH" sz="2500" dirty="0">
+                <a:latin typeface="+mj-lt"/>
+              </a:rPr>
+              <a:t> </a:t>
+            </a:r>
+            <a:r>
+              <a:rPr lang="en-US" sz="2500" dirty="0">
+                <a:latin typeface="+mj-lt"/>
+              </a:rPr>
+              <a:t> </a:t>
+            </a:r>
+            <a:r>
+              <a:rPr lang="th-TH" sz="2500" dirty="0">
+                <a:latin typeface="+mj-lt"/>
+              </a:rPr>
+              <a:t>ที่มี </a:t>
+            </a:r>
+            <a:r>
+              <a:rPr lang="en-US" sz="2500" dirty="0">
+                <a:latin typeface="+mj-lt"/>
+              </a:rPr>
+              <a:t>Mutant candidate </a:t>
+            </a:r>
+            <a:r>
+              <a:rPr lang="th-TH" sz="2500" dirty="0">
+                <a:latin typeface="+mj-lt"/>
+              </a:rPr>
+              <a:t>ทั้งหมด </a:t>
+            </a:r>
+            <a:r>
+              <a:rPr lang="en-US" sz="2500" dirty="0">
+                <a:latin typeface="+mj-lt"/>
+              </a:rPr>
+              <a:t>7</a:t>
+            </a:r>
+            <a:r>
+              <a:rPr lang="th-TH" sz="2500" dirty="0">
+                <a:latin typeface="+mj-lt"/>
+              </a:rPr>
+              <a:t> ตัวมีประสิทธิภาพในการค้นหาคำตอบดีกว่า </a:t>
+            </a:r>
+            <a:r>
+              <a:rPr lang="en-US" sz="2500" dirty="0">
+                <a:latin typeface="+mj-lt"/>
+              </a:rPr>
+              <a:t>Adaptive DSIDE </a:t>
+            </a:r>
+            <a:r>
+              <a:rPr lang="th-TH" sz="2500" dirty="0">
+                <a:latin typeface="+mj-lt"/>
+              </a:rPr>
+              <a:t>ตัวอื่นๆเมื่อเทียบกับ </a:t>
+            </a:r>
+            <a:r>
+              <a:rPr lang="en-US" sz="2500" dirty="0">
+                <a:latin typeface="+mj-lt"/>
+              </a:rPr>
+              <a:t>Standard DSIDE</a:t>
+            </a:r>
+          </a:p>
+          <a:p>
+            <a:pPr marL="285750" indent="-285750">
+              <a:buFont typeface="Arial" panose="020B0604020202020204" pitchFamily="34" charset="0"/>
+              <a:buChar char="•"/>
+            </a:pPr>
+            <a:r>
+              <a:rPr lang="th-TH" sz="2500" dirty="0">
+                <a:latin typeface="+mj-lt"/>
+              </a:rPr>
+              <a:t>แต่เมื่อเทียบค่า </a:t>
+            </a:r>
+            <a:r>
+              <a:rPr lang="en-US" sz="2500" dirty="0">
+                <a:latin typeface="+mj-lt"/>
+              </a:rPr>
+              <a:t>fitness value </a:t>
+            </a:r>
+            <a:r>
+              <a:rPr lang="th-TH" sz="2500" dirty="0">
+                <a:latin typeface="+mj-lt"/>
+              </a:rPr>
+              <a:t>ใน </a:t>
+            </a:r>
+            <a:r>
+              <a:rPr lang="en-US" sz="2500" dirty="0">
+                <a:latin typeface="+mj-lt"/>
+              </a:rPr>
+              <a:t>function scaffer2 </a:t>
+            </a:r>
+            <a:r>
+              <a:rPr lang="th-TH" sz="2500" dirty="0">
+                <a:latin typeface="+mj-lt"/>
+              </a:rPr>
+              <a:t>และ </a:t>
+            </a:r>
+            <a:r>
+              <a:rPr lang="en-US" sz="2500" dirty="0" err="1">
+                <a:latin typeface="+mj-lt"/>
+              </a:rPr>
+              <a:t>HappyCat</a:t>
+            </a:r>
+            <a:r>
+              <a:rPr lang="en-US" sz="2500" dirty="0">
+                <a:latin typeface="+mj-lt"/>
+              </a:rPr>
+              <a:t> </a:t>
+            </a:r>
+            <a:r>
+              <a:rPr lang="th-TH" sz="2500" dirty="0">
+                <a:latin typeface="+mj-lt"/>
+              </a:rPr>
+              <a:t>แล้วพบว่า</a:t>
+            </a:r>
+            <a:r>
+              <a:rPr lang="en-US" sz="2500" dirty="0">
+                <a:latin typeface="+mj-lt"/>
+              </a:rPr>
+              <a:t> </a:t>
+            </a:r>
+            <a:r>
+              <a:rPr lang="en-US" sz="2500" dirty="0" err="1"/>
+              <a:t>DSIDEselectbestMedMean</a:t>
+            </a:r>
+            <a:r>
+              <a:rPr lang="en-US" sz="2500" dirty="0"/>
+              <a:t> </a:t>
+            </a:r>
+            <a:r>
+              <a:rPr lang="th-TH" sz="2500" dirty="0"/>
+              <a:t>ให้ค่า </a:t>
+            </a:r>
+            <a:r>
+              <a:rPr lang="en-US" sz="2500" dirty="0"/>
+              <a:t>fitness value </a:t>
+            </a:r>
+            <a:r>
+              <a:rPr lang="th-TH" sz="2500" dirty="0"/>
+              <a:t>ที่มีประสิทธิภาพดีกว่าเนื้องจากวิธีการแบบ </a:t>
+            </a:r>
+            <a:r>
+              <a:rPr lang="en-US" sz="2500" dirty="0" err="1"/>
+              <a:t>DSIDEselectbestMedMean</a:t>
+            </a:r>
+            <a:r>
+              <a:rPr lang="en-US" sz="2500" dirty="0"/>
+              <a:t> </a:t>
+            </a:r>
+            <a:r>
+              <a:rPr lang="th-TH" sz="2500" dirty="0"/>
+              <a:t>จะมี </a:t>
+            </a:r>
+            <a:r>
+              <a:rPr lang="en-US" sz="2500" dirty="0"/>
+              <a:t>candidate vector </a:t>
+            </a:r>
+            <a:r>
+              <a:rPr lang="th-TH" sz="2500" dirty="0"/>
+              <a:t>ที่ได้มากกว่าสองวิธีการข้างต้นทำให้มีโอกาสในการพัฒนาคำตอบได้กว่า</a:t>
+            </a:r>
+          </a:p>
+          <a:p>
+            <a:pPr marL="285750" indent="-285750">
+              <a:buFont typeface="Arial" panose="020B0604020202020204" pitchFamily="34" charset="0"/>
+              <a:buChar char="•"/>
+            </a:pPr>
+            <a:r>
+              <a:rPr lang="th-TH" sz="2500" dirty="0"/>
+              <a:t>จึงอาจนำ วิธี </a:t>
+            </a:r>
+            <a:r>
+              <a:rPr lang="en-US" sz="2500" dirty="0" err="1"/>
+              <a:t>DSIDEselectbestMedMean</a:t>
+            </a:r>
+            <a:r>
+              <a:rPr lang="th-TH" sz="2500" dirty="0"/>
+              <a:t> มาเป็นตัว</a:t>
+            </a:r>
+            <a:r>
+              <a:rPr lang="en-US" sz="2500" dirty="0"/>
+              <a:t> propose algorithm </a:t>
+            </a:r>
+            <a:r>
+              <a:rPr lang="th-TH" sz="2500" dirty="0"/>
+              <a:t>เพื่อใช้ในการทำวิจัยต่อไป</a:t>
+            </a:r>
+            <a:endParaRPr lang="en-US" sz="2500" dirty="0"/>
+          </a:p>
+          <a:p>
+            <a:pPr marL="285750" indent="-285750">
+              <a:buFont typeface="Arial" panose="020B0604020202020204" pitchFamily="34" charset="0"/>
+              <a:buChar char="•"/>
+            </a:pPr>
+            <a:endParaRPr lang="en-US" sz="2500" dirty="0">
+              <a:latin typeface="+mj-lt"/>
+            </a:endParaRPr>
+          </a:p>
+        </p:txBody>
+      </p:sp>
+    </p:spTree>
+    <p:extLst>
+      <p:ext uri="{BB962C8B-B14F-4D97-AF65-F5344CB8AC3E}">
+        <p14:creationId xmlns:p14="http://schemas.microsoft.com/office/powerpoint/2010/main" val="3903417917"/>
+      </p:ext>
+    </p:extLst>
+  </p:cSld>
+  <p:clrMapOvr>
+    <a:masterClrMapping/>
+  </p:clrMapOvr>
+</p:sld>
+</file>
+
 <file path=ppt/slides/slide2.xml><?xml version="1.0" encoding="utf-8"?>
 <p:sld xmlns:a="http://schemas.openxmlformats.org/drawingml/2006/main" xmlns:r="http://schemas.openxmlformats.org/officeDocument/2006/relationships" xmlns:p="http://schemas.openxmlformats.org/presentationml/2006/main">
   <p:cSld>
@@ -3996,8 +4897,8 @@
           </a:p>
         </p:txBody>
       </p:sp>
-      <mc:AlternateContent xmlns:mc="http://schemas.openxmlformats.org/markup-compatibility/2006">
-        <mc:Choice xmlns:a14="http://schemas.microsoft.com/office/drawing/2010/main" Requires="a14">
+      <mc:AlternateContent xmlns:mc="http://schemas.openxmlformats.org/markup-compatibility/2006" xmlns:a14="http://schemas.microsoft.com/office/drawing/2010/main">
+        <mc:Choice Requires="a14">
           <p:sp>
             <p:nvSpPr>
               <p:cNvPr id="5" name="กล่องข้อความ 3">
@@ -4586,7 +5487,7 @@
             </p:txBody>
           </p:sp>
         </mc:Choice>
-        <mc:Fallback>
+        <mc:Fallback xmlns="">
           <p:sp>
             <p:nvSpPr>
               <p:cNvPr id="5" name="กล่องข้อความ 3">
@@ -4940,8 +5841,8 @@
           </p:sp>
         </mc:Fallback>
       </mc:AlternateContent>
-      <mc:AlternateContent xmlns:mc="http://schemas.openxmlformats.org/markup-compatibility/2006">
-        <mc:Choice xmlns:a14="http://schemas.microsoft.com/office/drawing/2010/main" Requires="a14">
+      <mc:AlternateContent xmlns:mc="http://schemas.openxmlformats.org/markup-compatibility/2006" xmlns:a14="http://schemas.microsoft.com/office/drawing/2010/main">
+        <mc:Choice Requires="a14">
           <p:sp>
             <p:nvSpPr>
               <p:cNvPr id="6" name="กล่องข้อความ 7">
@@ -6908,7 +7809,7 @@
             </p:txBody>
           </p:sp>
         </mc:Choice>
-        <mc:Fallback>
+        <mc:Fallback xmlns="">
           <p:sp>
             <p:nvSpPr>
               <p:cNvPr id="6" name="กล่องข้อความ 7">
@@ -7480,8 +8381,8 @@
           </a:fontRef>
         </p:style>
       </p:cxnSp>
-      <mc:AlternateContent xmlns:mc="http://schemas.openxmlformats.org/markup-compatibility/2006">
-        <mc:Choice xmlns:a14="http://schemas.microsoft.com/office/drawing/2010/main" Requires="a14">
+      <mc:AlternateContent xmlns:mc="http://schemas.openxmlformats.org/markup-compatibility/2006" xmlns:a14="http://schemas.microsoft.com/office/drawing/2010/main">
+        <mc:Choice Requires="a14">
           <p:sp>
             <p:nvSpPr>
               <p:cNvPr id="8" name="กล่องข้อความ 11">
@@ -8046,7 +8947,7 @@
             </p:txBody>
           </p:sp>
         </mc:Choice>
-        <mc:Fallback>
+        <mc:Fallback xmlns="">
           <p:sp>
             <p:nvSpPr>
               <p:cNvPr id="8" name="กล่องข้อความ 11">
@@ -8520,8 +9421,8 @@
           </p:sp>
         </mc:Fallback>
       </mc:AlternateContent>
-      <mc:AlternateContent xmlns:mc="http://schemas.openxmlformats.org/markup-compatibility/2006">
-        <mc:Choice xmlns:a14="http://schemas.microsoft.com/office/drawing/2010/main" Requires="a14">
+      <mc:AlternateContent xmlns:mc="http://schemas.openxmlformats.org/markup-compatibility/2006" xmlns:a14="http://schemas.microsoft.com/office/drawing/2010/main">
+        <mc:Choice Requires="a14">
           <p:sp>
             <p:nvSpPr>
               <p:cNvPr id="12" name="Rectangle 11">
@@ -9088,7 +9989,7 @@
             </p:txBody>
           </p:sp>
         </mc:Choice>
-        <mc:Fallback>
+        <mc:Fallback xmlns="">
           <p:sp>
             <p:nvSpPr>
               <p:cNvPr id="12" name="Rectangle 11">
@@ -9886,11 +10787,11 @@
   <p:clrMapOvr>
     <a:masterClrMapping/>
   </p:clrMapOvr>
-  <mc:AlternateContent xmlns:mc="http://schemas.openxmlformats.org/markup-compatibility/2006">
-    <mc:Choice xmlns:p14="http://schemas.microsoft.com/office/powerpoint/2010/main" Requires="p14">
+  <mc:AlternateContent xmlns:mc="http://schemas.openxmlformats.org/markup-compatibility/2006" xmlns:p14="http://schemas.microsoft.com/office/powerpoint/2010/main">
+    <mc:Choice Requires="p14">
       <p:transition p14:dur="10"/>
     </mc:Choice>
-    <mc:Fallback>
+    <mc:Fallback xmlns="">
       <p:transition/>
     </mc:Fallback>
   </mc:AlternateContent>
@@ -10163,8 +11064,8 @@
           </a:p>
         </p:txBody>
       </p:sp>
-      <mc:AlternateContent xmlns:mc="http://schemas.openxmlformats.org/markup-compatibility/2006">
-        <mc:Choice xmlns:a14="http://schemas.microsoft.com/office/drawing/2010/main" Requires="a14">
+      <mc:AlternateContent xmlns:mc="http://schemas.openxmlformats.org/markup-compatibility/2006" xmlns:a14="http://schemas.microsoft.com/office/drawing/2010/main">
+        <mc:Choice Requires="a14">
           <p:sp>
             <p:nvSpPr>
               <p:cNvPr id="5" name="กล่องข้อความ 3">
@@ -10753,7 +11654,7 @@
             </p:txBody>
           </p:sp>
         </mc:Choice>
-        <mc:Fallback>
+        <mc:Fallback xmlns="">
           <p:sp>
             <p:nvSpPr>
               <p:cNvPr id="5" name="กล่องข้อความ 3">
@@ -11107,8 +12008,8 @@
           </p:sp>
         </mc:Fallback>
       </mc:AlternateContent>
-      <mc:AlternateContent xmlns:mc="http://schemas.openxmlformats.org/markup-compatibility/2006">
-        <mc:Choice xmlns:a14="http://schemas.microsoft.com/office/drawing/2010/main" Requires="a14">
+      <mc:AlternateContent xmlns:mc="http://schemas.openxmlformats.org/markup-compatibility/2006" xmlns:a14="http://schemas.microsoft.com/office/drawing/2010/main">
+        <mc:Choice Requires="a14">
           <p:sp>
             <p:nvSpPr>
               <p:cNvPr id="6" name="กล่องข้อความ 7">
@@ -13075,7 +13976,7 @@
             </p:txBody>
           </p:sp>
         </mc:Choice>
-        <mc:Fallback>
+        <mc:Fallback xmlns="">
           <p:sp>
             <p:nvSpPr>
               <p:cNvPr id="6" name="กล่องข้อความ 7">
@@ -13647,8 +14548,8 @@
           </a:fontRef>
         </p:style>
       </p:cxnSp>
-      <mc:AlternateContent xmlns:mc="http://schemas.openxmlformats.org/markup-compatibility/2006">
-        <mc:Choice xmlns:a14="http://schemas.microsoft.com/office/drawing/2010/main" Requires="a14">
+      <mc:AlternateContent xmlns:mc="http://schemas.openxmlformats.org/markup-compatibility/2006" xmlns:a14="http://schemas.microsoft.com/office/drawing/2010/main">
+        <mc:Choice Requires="a14">
           <p:sp>
             <p:nvSpPr>
               <p:cNvPr id="8" name="กล่องข้อความ 11">
@@ -14213,7 +15114,7 @@
             </p:txBody>
           </p:sp>
         </mc:Choice>
-        <mc:Fallback>
+        <mc:Fallback xmlns="">
           <p:sp>
             <p:nvSpPr>
               <p:cNvPr id="8" name="กล่องข้อความ 11">
@@ -14687,8 +15588,8 @@
           </p:sp>
         </mc:Fallback>
       </mc:AlternateContent>
-      <mc:AlternateContent xmlns:mc="http://schemas.openxmlformats.org/markup-compatibility/2006">
-        <mc:Choice xmlns:a14="http://schemas.microsoft.com/office/drawing/2010/main" Requires="a14">
+      <mc:AlternateContent xmlns:mc="http://schemas.openxmlformats.org/markup-compatibility/2006" xmlns:a14="http://schemas.microsoft.com/office/drawing/2010/main">
+        <mc:Choice Requires="a14">
           <p:sp>
             <p:nvSpPr>
               <p:cNvPr id="12" name="Rectangle 11">
@@ -15239,7 +16140,7 @@
             </p:txBody>
           </p:sp>
         </mc:Choice>
-        <mc:Fallback>
+        <mc:Fallback xmlns="">
           <p:sp>
             <p:nvSpPr>
               <p:cNvPr id="12" name="Rectangle 11">
@@ -16037,11 +16938,11 @@
   <p:clrMapOvr>
     <a:masterClrMapping/>
   </p:clrMapOvr>
-  <mc:AlternateContent xmlns:mc="http://schemas.openxmlformats.org/markup-compatibility/2006">
-    <mc:Choice xmlns:p14="http://schemas.microsoft.com/office/powerpoint/2010/main" Requires="p14">
+  <mc:AlternateContent xmlns:mc="http://schemas.openxmlformats.org/markup-compatibility/2006" xmlns:p14="http://schemas.microsoft.com/office/powerpoint/2010/main">
+    <mc:Choice Requires="p14">
       <p:transition p14:dur="10"/>
     </mc:Choice>
-    <mc:Fallback>
+    <mc:Fallback xmlns="">
       <p:transition/>
     </mc:Fallback>
   </mc:AlternateContent>
@@ -16314,8 +17215,8 @@
           </a:p>
         </p:txBody>
       </p:sp>
-      <mc:AlternateContent xmlns:mc="http://schemas.openxmlformats.org/markup-compatibility/2006">
-        <mc:Choice xmlns:a14="http://schemas.microsoft.com/office/drawing/2010/main" Requires="a14">
+      <mc:AlternateContent xmlns:mc="http://schemas.openxmlformats.org/markup-compatibility/2006" xmlns:a14="http://schemas.microsoft.com/office/drawing/2010/main">
+        <mc:Choice Requires="a14">
           <p:sp>
             <p:nvSpPr>
               <p:cNvPr id="3" name="กล่องข้อความ 3">
@@ -16904,7 +17805,7 @@
             </p:txBody>
           </p:sp>
         </mc:Choice>
-        <mc:Fallback>
+        <mc:Fallback xmlns="">
           <p:sp>
             <p:nvSpPr>
               <p:cNvPr id="3" name="กล่องข้อความ 3">
@@ -17258,8 +18159,8 @@
           </p:sp>
         </mc:Fallback>
       </mc:AlternateContent>
-      <mc:AlternateContent xmlns:mc="http://schemas.openxmlformats.org/markup-compatibility/2006">
-        <mc:Choice xmlns:a14="http://schemas.microsoft.com/office/drawing/2010/main" Requires="a14">
+      <mc:AlternateContent xmlns:mc="http://schemas.openxmlformats.org/markup-compatibility/2006" xmlns:a14="http://schemas.microsoft.com/office/drawing/2010/main">
+        <mc:Choice Requires="a14">
           <p:sp>
             <p:nvSpPr>
               <p:cNvPr id="4" name="กล่องข้อความ 7">
@@ -19310,7 +20211,7 @@
             </p:txBody>
           </p:sp>
         </mc:Choice>
-        <mc:Fallback>
+        <mc:Fallback xmlns="">
           <p:sp>
             <p:nvSpPr>
               <p:cNvPr id="4" name="กล่องข้อความ 7">
@@ -19884,8 +20785,8 @@
           </p:sp>
         </mc:Fallback>
       </mc:AlternateContent>
-      <mc:AlternateContent xmlns:mc="http://schemas.openxmlformats.org/markup-compatibility/2006">
-        <mc:Choice xmlns:a14="http://schemas.microsoft.com/office/drawing/2010/main" Requires="a14">
+      <mc:AlternateContent xmlns:mc="http://schemas.openxmlformats.org/markup-compatibility/2006" xmlns:a14="http://schemas.microsoft.com/office/drawing/2010/main">
+        <mc:Choice Requires="a14">
           <p:sp>
             <p:nvSpPr>
               <p:cNvPr id="5" name="กล่องข้อความ 11">
@@ -20450,7 +21351,7 @@
             </p:txBody>
           </p:sp>
         </mc:Choice>
-        <mc:Fallback>
+        <mc:Fallback xmlns="">
           <p:sp>
             <p:nvSpPr>
               <p:cNvPr id="5" name="กล่องข้อความ 11">
@@ -21031,8 +21932,8 @@
           </a:p>
         </p:txBody>
       </p:sp>
-      <mc:AlternateContent xmlns:mc="http://schemas.openxmlformats.org/markup-compatibility/2006">
-        <mc:Choice xmlns:a14="http://schemas.microsoft.com/office/drawing/2010/main" Requires="a14">
+      <mc:AlternateContent xmlns:mc="http://schemas.openxmlformats.org/markup-compatibility/2006" xmlns:a14="http://schemas.microsoft.com/office/drawing/2010/main">
+        <mc:Choice Requires="a14">
           <p:sp>
             <p:nvSpPr>
               <p:cNvPr id="3" name="กล่องข้อความ 3">
@@ -21621,7 +22522,7 @@
             </p:txBody>
           </p:sp>
         </mc:Choice>
-        <mc:Fallback>
+        <mc:Fallback xmlns="">
           <p:sp>
             <p:nvSpPr>
               <p:cNvPr id="3" name="กล่องข้อความ 3">
@@ -21975,8 +22876,8 @@
           </p:sp>
         </mc:Fallback>
       </mc:AlternateContent>
-      <mc:AlternateContent xmlns:mc="http://schemas.openxmlformats.org/markup-compatibility/2006">
-        <mc:Choice xmlns:a14="http://schemas.microsoft.com/office/drawing/2010/main" Requires="a14">
+      <mc:AlternateContent xmlns:mc="http://schemas.openxmlformats.org/markup-compatibility/2006" xmlns:a14="http://schemas.microsoft.com/office/drawing/2010/main">
+        <mc:Choice Requires="a14">
           <p:sp>
             <p:nvSpPr>
               <p:cNvPr id="4" name="กล่องข้อความ 7">
@@ -24022,7 +24923,7 @@
             </p:txBody>
           </p:sp>
         </mc:Choice>
-        <mc:Fallback>
+        <mc:Fallback xmlns="">
           <p:sp>
             <p:nvSpPr>
               <p:cNvPr id="4" name="กล่องข้อความ 7">
@@ -24596,8 +25497,8 @@
           </p:sp>
         </mc:Fallback>
       </mc:AlternateContent>
-      <mc:AlternateContent xmlns:mc="http://schemas.openxmlformats.org/markup-compatibility/2006">
-        <mc:Choice xmlns:a14="http://schemas.microsoft.com/office/drawing/2010/main" Requires="a14">
+      <mc:AlternateContent xmlns:mc="http://schemas.openxmlformats.org/markup-compatibility/2006" xmlns:a14="http://schemas.microsoft.com/office/drawing/2010/main">
+        <mc:Choice Requires="a14">
           <p:sp>
             <p:nvSpPr>
               <p:cNvPr id="5" name="กล่องข้อความ 11">
@@ -25162,7 +26063,7 @@
             </p:txBody>
           </p:sp>
         </mc:Choice>
-        <mc:Fallback>
+        <mc:Fallback xmlns="">
           <p:sp>
             <p:nvSpPr>
               <p:cNvPr id="5" name="กล่องข้อความ 11">
@@ -25743,8 +26644,8 @@
           </a:p>
         </p:txBody>
       </p:sp>
-      <mc:AlternateContent xmlns:mc="http://schemas.openxmlformats.org/markup-compatibility/2006">
-        <mc:Choice xmlns:a14="http://schemas.microsoft.com/office/drawing/2010/main" Requires="a14">
+      <mc:AlternateContent xmlns:mc="http://schemas.openxmlformats.org/markup-compatibility/2006" xmlns:a14="http://schemas.microsoft.com/office/drawing/2010/main">
+        <mc:Choice Requires="a14">
           <p:sp>
             <p:nvSpPr>
               <p:cNvPr id="3" name="กล่องข้อความ 3">
@@ -26333,7 +27234,7 @@
             </p:txBody>
           </p:sp>
         </mc:Choice>
-        <mc:Fallback>
+        <mc:Fallback xmlns="">
           <p:sp>
             <p:nvSpPr>
               <p:cNvPr id="3" name="กล่องข้อความ 3">
@@ -26687,8 +27588,8 @@
           </p:sp>
         </mc:Fallback>
       </mc:AlternateContent>
-      <mc:AlternateContent xmlns:mc="http://schemas.openxmlformats.org/markup-compatibility/2006">
-        <mc:Choice xmlns:a14="http://schemas.microsoft.com/office/drawing/2010/main" Requires="a14">
+      <mc:AlternateContent xmlns:mc="http://schemas.openxmlformats.org/markup-compatibility/2006" xmlns:a14="http://schemas.microsoft.com/office/drawing/2010/main">
+        <mc:Choice Requires="a14">
           <p:sp>
             <p:nvSpPr>
               <p:cNvPr id="4" name="กล่องข้อความ 7">
@@ -28809,7 +29710,7 @@
             </p:txBody>
           </p:sp>
         </mc:Choice>
-        <mc:Fallback>
+        <mc:Fallback xmlns="">
           <p:sp>
             <p:nvSpPr>
               <p:cNvPr id="4" name="กล่องข้อความ 7">
@@ -29423,8 +30324,8 @@
           </p:sp>
         </mc:Fallback>
       </mc:AlternateContent>
-      <mc:AlternateContent xmlns:mc="http://schemas.openxmlformats.org/markup-compatibility/2006">
-        <mc:Choice xmlns:a14="http://schemas.microsoft.com/office/drawing/2010/main" Requires="a14">
+      <mc:AlternateContent xmlns:mc="http://schemas.openxmlformats.org/markup-compatibility/2006" xmlns:a14="http://schemas.microsoft.com/office/drawing/2010/main">
+        <mc:Choice Requires="a14">
           <p:sp>
             <p:nvSpPr>
               <p:cNvPr id="5" name="กล่องข้อความ 11">
@@ -29989,7 +30890,7 @@
             </p:txBody>
           </p:sp>
         </mc:Choice>
-        <mc:Fallback>
+        <mc:Fallback xmlns="">
           <p:sp>
             <p:nvSpPr>
               <p:cNvPr id="5" name="กล่องข้อความ 11">
@@ -30534,6 +31435,3498 @@
           <a:chExt cx="0" cy="0"/>
         </a:xfrm>
       </p:grpSpPr>
+      <mc:AlternateContent xmlns:mc="http://schemas.openxmlformats.org/markup-compatibility/2006">
+        <mc:Choice xmlns:a14="http://schemas.microsoft.com/office/drawing/2010/main" Requires="a14">
+          <p:sp>
+            <p:nvSpPr>
+              <p:cNvPr id="2" name="สี่เหลี่ยมผืนผ้า: มุมมน 9">
+                <a:extLst>
+                  <a:ext uri="{FF2B5EF4-FFF2-40B4-BE49-F238E27FC236}">
+                    <a16:creationId xmlns:a16="http://schemas.microsoft.com/office/drawing/2014/main" id="{039B709C-294D-ADA8-3C02-0F86E9A18123}"/>
+                  </a:ext>
+                </a:extLst>
+              </p:cNvPr>
+              <p:cNvSpPr/>
+              <p:nvPr/>
+            </p:nvSpPr>
+            <p:spPr>
+              <a:xfrm>
+                <a:off x="374890" y="3574102"/>
+                <a:ext cx="4341827" cy="935660"/>
+              </a:xfrm>
+              <a:prstGeom prst="roundRect">
+                <a:avLst>
+                  <a:gd name="adj" fmla="val 50000"/>
+                </a:avLst>
+              </a:prstGeom>
+            </p:spPr>
+            <p:style>
+              <a:lnRef idx="1">
+                <a:schemeClr val="accent5"/>
+              </a:lnRef>
+              <a:fillRef idx="2">
+                <a:schemeClr val="accent5"/>
+              </a:fillRef>
+              <a:effectRef idx="1">
+                <a:schemeClr val="accent5"/>
+              </a:effectRef>
+              <a:fontRef idx="minor">
+                <a:schemeClr val="dk1"/>
+              </a:fontRef>
+            </p:style>
+            <p:txBody>
+              <a:bodyPr rtlCol="0" anchor="ctr"/>
+              <a:lstStyle/>
+              <a:p>
+                <a:pPr algn="ctr"/>
+                <a14:m>
+                  <m:oMathPara xmlns:m="http://schemas.openxmlformats.org/officeDocument/2006/math">
+                    <m:oMathParaPr>
+                      <m:jc m:val="centerGroup"/>
+                    </m:oMathParaPr>
+                    <m:oMath xmlns:m="http://schemas.openxmlformats.org/officeDocument/2006/math">
+                      <m:sSup>
+                        <m:sSupPr>
+                          <m:ctrlPr>
+                            <a:rPr lang="en-US" sz="1463" i="1">
+                              <a:solidFill>
+                                <a:schemeClr val="tx1">
+                                  <a:lumMod val="95000"/>
+                                  <a:lumOff val="5000"/>
+                                </a:schemeClr>
+                              </a:solidFill>
+                              <a:latin typeface="Cambria Math" panose="02040503050406030204" pitchFamily="18" charset="0"/>
+                            </a:rPr>
+                          </m:ctrlPr>
+                        </m:sSupPr>
+                        <m:e>
+                          <m:d>
+                            <m:dPr>
+                              <m:begChr m:val="|"/>
+                              <m:endChr m:val="|"/>
+                              <m:ctrlPr>
+                                <a:rPr lang="en-US" sz="1463" i="1">
+                                  <a:solidFill>
+                                    <a:schemeClr val="tx1">
+                                      <a:lumMod val="95000"/>
+                                      <a:lumOff val="5000"/>
+                                    </a:schemeClr>
+                                  </a:solidFill>
+                                  <a:latin typeface="Cambria Math" panose="02040503050406030204" pitchFamily="18" charset="0"/>
+                                </a:rPr>
+                              </m:ctrlPr>
+                            </m:dPr>
+                            <m:e>
+                              <m:nary>
+                                <m:naryPr>
+                                  <m:chr m:val="∑"/>
+                                  <m:limLoc m:val="subSup"/>
+                                  <m:ctrlPr>
+                                    <a:rPr lang="en-US" sz="1463" i="1">
+                                      <a:solidFill>
+                                        <a:schemeClr val="tx1">
+                                          <a:lumMod val="95000"/>
+                                          <a:lumOff val="5000"/>
+                                        </a:schemeClr>
+                                      </a:solidFill>
+                                      <a:latin typeface="Cambria Math" panose="02040503050406030204" pitchFamily="18" charset="0"/>
+                                    </a:rPr>
+                                  </m:ctrlPr>
+                                </m:naryPr>
+                                <m:sub>
+                                  <m:r>
+                                    <m:rPr>
+                                      <m:brk m:alnAt="25"/>
+                                    </m:rPr>
+                                    <a:rPr lang="en-US" sz="1463" i="1">
+                                      <a:solidFill>
+                                        <a:schemeClr val="tx1">
+                                          <a:lumMod val="95000"/>
+                                          <a:lumOff val="5000"/>
+                                        </a:schemeClr>
+                                      </a:solidFill>
+                                      <a:latin typeface="Cambria Math" panose="02040503050406030204" pitchFamily="18" charset="0"/>
+                                    </a:rPr>
+                                    <m:t>𝑖</m:t>
+                                  </m:r>
+                                  <m:r>
+                                    <a:rPr lang="en-US" sz="1463" i="1">
+                                      <a:solidFill>
+                                        <a:schemeClr val="tx1">
+                                          <a:lumMod val="95000"/>
+                                          <a:lumOff val="5000"/>
+                                        </a:schemeClr>
+                                      </a:solidFill>
+                                      <a:latin typeface="Cambria Math" panose="02040503050406030204" pitchFamily="18" charset="0"/>
+                                    </a:rPr>
+                                    <m:t>=</m:t>
+                                  </m:r>
+                                  <m:r>
+                                    <m:rPr>
+                                      <m:brk m:alnAt="25"/>
+                                    </m:rPr>
+                                    <a:rPr lang="en-US" sz="1463" i="1">
+                                      <a:solidFill>
+                                        <a:schemeClr val="tx1">
+                                          <a:lumMod val="95000"/>
+                                          <a:lumOff val="5000"/>
+                                        </a:schemeClr>
+                                      </a:solidFill>
+                                      <a:latin typeface="Cambria Math" panose="02040503050406030204" pitchFamily="18" charset="0"/>
+                                    </a:rPr>
+                                    <m:t>1</m:t>
+                                  </m:r>
+                                </m:sub>
+                                <m:sup>
+                                  <m:r>
+                                    <a:rPr lang="en-US" sz="1463" i="1">
+                                      <a:solidFill>
+                                        <a:schemeClr val="tx1">
+                                          <a:lumMod val="95000"/>
+                                          <a:lumOff val="5000"/>
+                                        </a:schemeClr>
+                                      </a:solidFill>
+                                      <a:latin typeface="Cambria Math" panose="02040503050406030204" pitchFamily="18" charset="0"/>
+                                    </a:rPr>
+                                    <m:t>𝐷</m:t>
+                                  </m:r>
+                                </m:sup>
+                                <m:e>
+                                  <m:sSubSup>
+                                    <m:sSubSupPr>
+                                      <m:ctrlPr>
+                                        <a:rPr lang="en-US" sz="1463" i="1">
+                                          <a:solidFill>
+                                            <a:schemeClr val="tx1">
+                                              <a:lumMod val="95000"/>
+                                              <a:lumOff val="5000"/>
+                                            </a:schemeClr>
+                                          </a:solidFill>
+                                          <a:latin typeface="Cambria Math" panose="02040503050406030204" pitchFamily="18" charset="0"/>
+                                        </a:rPr>
+                                      </m:ctrlPr>
+                                    </m:sSubSupPr>
+                                    <m:e>
+                                      <m:r>
+                                        <a:rPr lang="en-US" sz="1463" i="1">
+                                          <a:solidFill>
+                                            <a:schemeClr val="tx1">
+                                              <a:lumMod val="95000"/>
+                                              <a:lumOff val="5000"/>
+                                            </a:schemeClr>
+                                          </a:solidFill>
+                                          <a:latin typeface="Cambria Math" panose="02040503050406030204" pitchFamily="18" charset="0"/>
+                                        </a:rPr>
+                                        <m:t>𝑥</m:t>
+                                      </m:r>
+                                    </m:e>
+                                    <m:sub>
+                                      <m:r>
+                                        <a:rPr lang="en-US" sz="1463" i="1">
+                                          <a:solidFill>
+                                            <a:schemeClr val="tx1">
+                                              <a:lumMod val="95000"/>
+                                              <a:lumOff val="5000"/>
+                                            </a:schemeClr>
+                                          </a:solidFill>
+                                          <a:latin typeface="Cambria Math" panose="02040503050406030204" pitchFamily="18" charset="0"/>
+                                        </a:rPr>
+                                        <m:t>𝑖</m:t>
+                                      </m:r>
+                                    </m:sub>
+                                    <m:sup>
+                                      <m:r>
+                                        <a:rPr lang="en-US" sz="1463" i="1">
+                                          <a:solidFill>
+                                            <a:schemeClr val="tx1">
+                                              <a:lumMod val="95000"/>
+                                              <a:lumOff val="5000"/>
+                                            </a:schemeClr>
+                                          </a:solidFill>
+                                          <a:latin typeface="Cambria Math" panose="02040503050406030204" pitchFamily="18" charset="0"/>
+                                        </a:rPr>
+                                        <m:t>2</m:t>
+                                      </m:r>
+                                    </m:sup>
+                                  </m:sSubSup>
+                                  <m:r>
+                                    <a:rPr lang="en-US" sz="1463" i="1">
+                                      <a:solidFill>
+                                        <a:schemeClr val="tx1">
+                                          <a:lumMod val="95000"/>
+                                          <a:lumOff val="5000"/>
+                                        </a:schemeClr>
+                                      </a:solidFill>
+                                      <a:latin typeface="Cambria Math" panose="02040503050406030204" pitchFamily="18" charset="0"/>
+                                    </a:rPr>
+                                    <m:t>−</m:t>
+                                  </m:r>
+                                  <m:r>
+                                    <a:rPr lang="en-US" sz="1463" i="1">
+                                      <a:solidFill>
+                                        <a:schemeClr val="tx1">
+                                          <a:lumMod val="95000"/>
+                                          <a:lumOff val="5000"/>
+                                        </a:schemeClr>
+                                      </a:solidFill>
+                                      <a:latin typeface="Cambria Math" panose="02040503050406030204" pitchFamily="18" charset="0"/>
+                                    </a:rPr>
+                                    <m:t>𝐷</m:t>
+                                  </m:r>
+                                </m:e>
+                              </m:nary>
+                            </m:e>
+                          </m:d>
+                        </m:e>
+                        <m:sup>
+                          <m:r>
+                            <a:rPr lang="en-US" sz="1463" i="1">
+                              <a:solidFill>
+                                <a:schemeClr val="tx1">
+                                  <a:lumMod val="95000"/>
+                                  <a:lumOff val="5000"/>
+                                </a:schemeClr>
+                              </a:solidFill>
+                              <a:latin typeface="Cambria Math" panose="02040503050406030204" pitchFamily="18" charset="0"/>
+                            </a:rPr>
+                            <m:t>1</m:t>
+                          </m:r>
+                          <m:r>
+                            <a:rPr lang="en-US" sz="1463" i="1">
+                              <a:solidFill>
+                                <a:schemeClr val="tx1">
+                                  <a:lumMod val="95000"/>
+                                  <a:lumOff val="5000"/>
+                                </a:schemeClr>
+                              </a:solidFill>
+                              <a:latin typeface="Cambria Math" panose="02040503050406030204" pitchFamily="18" charset="0"/>
+                            </a:rPr>
+                            <m:t>/</m:t>
+                          </m:r>
+                          <m:r>
+                            <a:rPr lang="en-US" sz="1463" i="1">
+                              <a:solidFill>
+                                <a:schemeClr val="tx1">
+                                  <a:lumMod val="95000"/>
+                                  <a:lumOff val="5000"/>
+                                </a:schemeClr>
+                              </a:solidFill>
+                              <a:latin typeface="Cambria Math" panose="02040503050406030204" pitchFamily="18" charset="0"/>
+                            </a:rPr>
+                            <m:t>4</m:t>
+                          </m:r>
+                        </m:sup>
+                      </m:sSup>
+                      <m:r>
+                        <a:rPr lang="en-US" sz="1463" i="1">
+                          <a:solidFill>
+                            <a:schemeClr val="tx1">
+                              <a:lumMod val="95000"/>
+                              <a:lumOff val="5000"/>
+                            </a:schemeClr>
+                          </a:solidFill>
+                          <a:latin typeface="Cambria Math" panose="02040503050406030204" pitchFamily="18" charset="0"/>
+                        </a:rPr>
+                        <m:t>+</m:t>
+                      </m:r>
+                      <m:f>
+                        <m:fPr>
+                          <m:ctrlPr>
+                            <a:rPr lang="en-US" sz="1463" i="1">
+                              <a:solidFill>
+                                <a:schemeClr val="tx1">
+                                  <a:lumMod val="95000"/>
+                                  <a:lumOff val="5000"/>
+                                </a:schemeClr>
+                              </a:solidFill>
+                              <a:latin typeface="Cambria Math" panose="02040503050406030204" pitchFamily="18" charset="0"/>
+                            </a:rPr>
+                          </m:ctrlPr>
+                        </m:fPr>
+                        <m:num>
+                          <m:r>
+                            <a:rPr lang="en-US" sz="1463" i="1">
+                              <a:solidFill>
+                                <a:schemeClr val="tx1">
+                                  <a:lumMod val="95000"/>
+                                  <a:lumOff val="5000"/>
+                                </a:schemeClr>
+                              </a:solidFill>
+                              <a:latin typeface="Cambria Math" panose="02040503050406030204" pitchFamily="18" charset="0"/>
+                            </a:rPr>
+                            <m:t>0</m:t>
+                          </m:r>
+                          <m:r>
+                            <a:rPr lang="en-US" sz="1463" i="1">
+                              <a:solidFill>
+                                <a:schemeClr val="tx1">
+                                  <a:lumMod val="95000"/>
+                                  <a:lumOff val="5000"/>
+                                </a:schemeClr>
+                              </a:solidFill>
+                              <a:latin typeface="Cambria Math" panose="02040503050406030204" pitchFamily="18" charset="0"/>
+                            </a:rPr>
+                            <m:t>.</m:t>
+                          </m:r>
+                          <m:r>
+                            <a:rPr lang="en-US" sz="1463" i="1">
+                              <a:solidFill>
+                                <a:schemeClr val="tx1">
+                                  <a:lumMod val="95000"/>
+                                  <a:lumOff val="5000"/>
+                                </a:schemeClr>
+                              </a:solidFill>
+                              <a:latin typeface="Cambria Math" panose="02040503050406030204" pitchFamily="18" charset="0"/>
+                            </a:rPr>
+                            <m:t>5</m:t>
+                          </m:r>
+                          <m:nary>
+                            <m:naryPr>
+                              <m:chr m:val="∑"/>
+                              <m:limLoc m:val="subSup"/>
+                              <m:ctrlPr>
+                                <a:rPr lang="en-US" sz="1463" i="1">
+                                  <a:solidFill>
+                                    <a:schemeClr val="tx1">
+                                      <a:lumMod val="95000"/>
+                                      <a:lumOff val="5000"/>
+                                    </a:schemeClr>
+                                  </a:solidFill>
+                                  <a:latin typeface="Cambria Math" panose="02040503050406030204" pitchFamily="18" charset="0"/>
+                                </a:rPr>
+                              </m:ctrlPr>
+                            </m:naryPr>
+                            <m:sub>
+                              <m:r>
+                                <m:rPr>
+                                  <m:brk m:alnAt="25"/>
+                                </m:rPr>
+                                <a:rPr lang="en-US" sz="1463" i="1">
+                                  <a:solidFill>
+                                    <a:schemeClr val="tx1">
+                                      <a:lumMod val="95000"/>
+                                      <a:lumOff val="5000"/>
+                                    </a:schemeClr>
+                                  </a:solidFill>
+                                  <a:latin typeface="Cambria Math" panose="02040503050406030204" pitchFamily="18" charset="0"/>
+                                </a:rPr>
+                                <m:t>𝑖</m:t>
+                              </m:r>
+                              <m:r>
+                                <a:rPr lang="en-US" sz="1463" i="1">
+                                  <a:solidFill>
+                                    <a:schemeClr val="tx1">
+                                      <a:lumMod val="95000"/>
+                                      <a:lumOff val="5000"/>
+                                    </a:schemeClr>
+                                  </a:solidFill>
+                                  <a:latin typeface="Cambria Math" panose="02040503050406030204" pitchFamily="18" charset="0"/>
+                                </a:rPr>
+                                <m:t>=</m:t>
+                              </m:r>
+                              <m:r>
+                                <m:rPr>
+                                  <m:brk m:alnAt="25"/>
+                                </m:rPr>
+                                <a:rPr lang="en-US" sz="1463" i="1">
+                                  <a:solidFill>
+                                    <a:schemeClr val="tx1">
+                                      <a:lumMod val="95000"/>
+                                      <a:lumOff val="5000"/>
+                                    </a:schemeClr>
+                                  </a:solidFill>
+                                  <a:latin typeface="Cambria Math" panose="02040503050406030204" pitchFamily="18" charset="0"/>
+                                </a:rPr>
+                                <m:t>1</m:t>
+                              </m:r>
+                            </m:sub>
+                            <m:sup>
+                              <m:r>
+                                <a:rPr lang="en-US" sz="1463" i="1">
+                                  <a:solidFill>
+                                    <a:schemeClr val="tx1">
+                                      <a:lumMod val="95000"/>
+                                      <a:lumOff val="5000"/>
+                                    </a:schemeClr>
+                                  </a:solidFill>
+                                  <a:latin typeface="Cambria Math" panose="02040503050406030204" pitchFamily="18" charset="0"/>
+                                </a:rPr>
+                                <m:t>𝐷</m:t>
+                              </m:r>
+                            </m:sup>
+                            <m:e>
+                              <m:sSubSup>
+                                <m:sSubSupPr>
+                                  <m:ctrlPr>
+                                    <a:rPr lang="en-US" sz="1463" i="1">
+                                      <a:solidFill>
+                                        <a:schemeClr val="tx1">
+                                          <a:lumMod val="95000"/>
+                                          <a:lumOff val="5000"/>
+                                        </a:schemeClr>
+                                      </a:solidFill>
+                                      <a:latin typeface="Cambria Math" panose="02040503050406030204" pitchFamily="18" charset="0"/>
+                                    </a:rPr>
+                                  </m:ctrlPr>
+                                </m:sSubSupPr>
+                                <m:e>
+                                  <m:r>
+                                    <a:rPr lang="en-US" sz="1463" i="1">
+                                      <a:solidFill>
+                                        <a:schemeClr val="tx1">
+                                          <a:lumMod val="95000"/>
+                                          <a:lumOff val="5000"/>
+                                        </a:schemeClr>
+                                      </a:solidFill>
+                                      <a:latin typeface="Cambria Math" panose="02040503050406030204" pitchFamily="18" charset="0"/>
+                                    </a:rPr>
+                                    <m:t>𝑥</m:t>
+                                  </m:r>
+                                </m:e>
+                                <m:sub>
+                                  <m:r>
+                                    <a:rPr lang="en-US" sz="1463" i="1">
+                                      <a:solidFill>
+                                        <a:schemeClr val="tx1">
+                                          <a:lumMod val="95000"/>
+                                          <a:lumOff val="5000"/>
+                                        </a:schemeClr>
+                                      </a:solidFill>
+                                      <a:latin typeface="Cambria Math" panose="02040503050406030204" pitchFamily="18" charset="0"/>
+                                    </a:rPr>
+                                    <m:t>𝑖</m:t>
+                                  </m:r>
+                                </m:sub>
+                                <m:sup>
+                                  <m:r>
+                                    <a:rPr lang="en-US" sz="1463" i="1">
+                                      <a:solidFill>
+                                        <a:schemeClr val="tx1">
+                                          <a:lumMod val="95000"/>
+                                          <a:lumOff val="5000"/>
+                                        </a:schemeClr>
+                                      </a:solidFill>
+                                      <a:latin typeface="Cambria Math" panose="02040503050406030204" pitchFamily="18" charset="0"/>
+                                    </a:rPr>
+                                    <m:t>2</m:t>
+                                  </m:r>
+                                </m:sup>
+                              </m:sSubSup>
+                            </m:e>
+                          </m:nary>
+                          <m:r>
+                            <a:rPr lang="en-US" sz="1463" i="1">
+                              <a:solidFill>
+                                <a:schemeClr val="tx1">
+                                  <a:lumMod val="95000"/>
+                                  <a:lumOff val="5000"/>
+                                </a:schemeClr>
+                              </a:solidFill>
+                              <a:latin typeface="Cambria Math" panose="02040503050406030204" pitchFamily="18" charset="0"/>
+                            </a:rPr>
+                            <m:t>+</m:t>
+                          </m:r>
+                          <m:nary>
+                            <m:naryPr>
+                              <m:chr m:val="∑"/>
+                              <m:limLoc m:val="subSup"/>
+                              <m:ctrlPr>
+                                <a:rPr lang="en-US" sz="1463" i="1">
+                                  <a:solidFill>
+                                    <a:schemeClr val="tx1">
+                                      <a:lumMod val="95000"/>
+                                      <a:lumOff val="5000"/>
+                                    </a:schemeClr>
+                                  </a:solidFill>
+                                  <a:latin typeface="Cambria Math" panose="02040503050406030204" pitchFamily="18" charset="0"/>
+                                </a:rPr>
+                              </m:ctrlPr>
+                            </m:naryPr>
+                            <m:sub>
+                              <m:r>
+                                <m:rPr>
+                                  <m:brk m:alnAt="25"/>
+                                </m:rPr>
+                                <a:rPr lang="en-US" sz="1463" i="1">
+                                  <a:solidFill>
+                                    <a:schemeClr val="tx1">
+                                      <a:lumMod val="95000"/>
+                                      <a:lumOff val="5000"/>
+                                    </a:schemeClr>
+                                  </a:solidFill>
+                                  <a:latin typeface="Cambria Math" panose="02040503050406030204" pitchFamily="18" charset="0"/>
+                                </a:rPr>
+                                <m:t>𝑖</m:t>
+                              </m:r>
+                              <m:r>
+                                <a:rPr lang="en-US" sz="1463" i="1">
+                                  <a:solidFill>
+                                    <a:schemeClr val="tx1">
+                                      <a:lumMod val="95000"/>
+                                      <a:lumOff val="5000"/>
+                                    </a:schemeClr>
+                                  </a:solidFill>
+                                  <a:latin typeface="Cambria Math" panose="02040503050406030204" pitchFamily="18" charset="0"/>
+                                </a:rPr>
+                                <m:t>=</m:t>
+                              </m:r>
+                              <m:r>
+                                <m:rPr>
+                                  <m:brk m:alnAt="25"/>
+                                </m:rPr>
+                                <a:rPr lang="en-US" sz="1463" i="1">
+                                  <a:solidFill>
+                                    <a:schemeClr val="tx1">
+                                      <a:lumMod val="95000"/>
+                                      <a:lumOff val="5000"/>
+                                    </a:schemeClr>
+                                  </a:solidFill>
+                                  <a:latin typeface="Cambria Math" panose="02040503050406030204" pitchFamily="18" charset="0"/>
+                                </a:rPr>
+                                <m:t>1</m:t>
+                              </m:r>
+                            </m:sub>
+                            <m:sup>
+                              <m:r>
+                                <a:rPr lang="en-US" sz="1463" i="1">
+                                  <a:solidFill>
+                                    <a:schemeClr val="tx1">
+                                      <a:lumMod val="95000"/>
+                                      <a:lumOff val="5000"/>
+                                    </a:schemeClr>
+                                  </a:solidFill>
+                                  <a:latin typeface="Cambria Math" panose="02040503050406030204" pitchFamily="18" charset="0"/>
+                                </a:rPr>
+                                <m:t>𝐷</m:t>
+                              </m:r>
+                            </m:sup>
+                            <m:e>
+                              <m:sSub>
+                                <m:sSubPr>
+                                  <m:ctrlPr>
+                                    <a:rPr lang="en-US" sz="1463" i="1">
+                                      <a:solidFill>
+                                        <a:schemeClr val="tx1">
+                                          <a:lumMod val="95000"/>
+                                          <a:lumOff val="5000"/>
+                                        </a:schemeClr>
+                                      </a:solidFill>
+                                      <a:latin typeface="Cambria Math" panose="02040503050406030204" pitchFamily="18" charset="0"/>
+                                    </a:rPr>
+                                  </m:ctrlPr>
+                                </m:sSubPr>
+                                <m:e>
+                                  <m:r>
+                                    <a:rPr lang="en-US" sz="1463" i="1">
+                                      <a:solidFill>
+                                        <a:schemeClr val="tx1">
+                                          <a:lumMod val="95000"/>
+                                          <a:lumOff val="5000"/>
+                                        </a:schemeClr>
+                                      </a:solidFill>
+                                      <a:latin typeface="Cambria Math" panose="02040503050406030204" pitchFamily="18" charset="0"/>
+                                    </a:rPr>
+                                    <m:t>𝑥</m:t>
+                                  </m:r>
+                                </m:e>
+                                <m:sub>
+                                  <m:r>
+                                    <a:rPr lang="en-US" sz="1463" i="1">
+                                      <a:solidFill>
+                                        <a:schemeClr val="tx1">
+                                          <a:lumMod val="95000"/>
+                                          <a:lumOff val="5000"/>
+                                        </a:schemeClr>
+                                      </a:solidFill>
+                                      <a:latin typeface="Cambria Math" panose="02040503050406030204" pitchFamily="18" charset="0"/>
+                                    </a:rPr>
+                                    <m:t>𝑖</m:t>
+                                  </m:r>
+                                </m:sub>
+                              </m:sSub>
+                            </m:e>
+                          </m:nary>
+                        </m:num>
+                        <m:den>
+                          <m:r>
+                            <m:rPr>
+                              <m:sty m:val="p"/>
+                            </m:rPr>
+                            <a:rPr lang="en-US" sz="1463">
+                              <a:solidFill>
+                                <a:schemeClr val="tx1">
+                                  <a:lumMod val="95000"/>
+                                  <a:lumOff val="5000"/>
+                                </a:schemeClr>
+                              </a:solidFill>
+                              <a:latin typeface="Cambria Math" panose="02040503050406030204" pitchFamily="18" charset="0"/>
+                            </a:rPr>
+                            <m:t>D</m:t>
+                          </m:r>
+                        </m:den>
+                      </m:f>
+                      <m:r>
+                        <a:rPr lang="en-US" sz="1463">
+                          <a:solidFill>
+                            <a:schemeClr val="tx1">
+                              <a:lumMod val="95000"/>
+                              <a:lumOff val="5000"/>
+                            </a:schemeClr>
+                          </a:solidFill>
+                          <a:latin typeface="Cambria Math" panose="02040503050406030204" pitchFamily="18" charset="0"/>
+                        </a:rPr>
+                        <m:t>+</m:t>
+                      </m:r>
+                      <m:r>
+                        <a:rPr lang="en-US" sz="1463">
+                          <a:solidFill>
+                            <a:schemeClr val="tx1">
+                              <a:lumMod val="95000"/>
+                              <a:lumOff val="5000"/>
+                            </a:schemeClr>
+                          </a:solidFill>
+                          <a:latin typeface="Cambria Math" panose="02040503050406030204" pitchFamily="18" charset="0"/>
+                        </a:rPr>
+                        <m:t>0</m:t>
+                      </m:r>
+                      <m:r>
+                        <a:rPr lang="en-US" sz="1463">
+                          <a:solidFill>
+                            <a:schemeClr val="tx1">
+                              <a:lumMod val="95000"/>
+                              <a:lumOff val="5000"/>
+                            </a:schemeClr>
+                          </a:solidFill>
+                          <a:latin typeface="Cambria Math" panose="02040503050406030204" pitchFamily="18" charset="0"/>
+                        </a:rPr>
+                        <m:t>.</m:t>
+                      </m:r>
+                      <m:r>
+                        <a:rPr lang="en-US" sz="1463">
+                          <a:solidFill>
+                            <a:schemeClr val="tx1">
+                              <a:lumMod val="95000"/>
+                              <a:lumOff val="5000"/>
+                            </a:schemeClr>
+                          </a:solidFill>
+                          <a:latin typeface="Cambria Math" panose="02040503050406030204" pitchFamily="18" charset="0"/>
+                        </a:rPr>
+                        <m:t>5</m:t>
+                      </m:r>
+                    </m:oMath>
+                  </m:oMathPara>
+                </a14:m>
+                <a:endParaRPr lang="en-US" sz="1463" dirty="0"/>
+              </a:p>
+            </p:txBody>
+          </p:sp>
+        </mc:Choice>
+        <mc:Fallback>
+          <p:sp>
+            <p:nvSpPr>
+              <p:cNvPr id="2" name="สี่เหลี่ยมผืนผ้า: มุมมน 9">
+                <a:extLst>
+                  <a:ext uri="{FF2B5EF4-FFF2-40B4-BE49-F238E27FC236}">
+                    <a16:creationId xmlns:a16="http://schemas.microsoft.com/office/drawing/2014/main" id="{039B709C-294D-ADA8-3C02-0F86E9A18123}"/>
+                  </a:ext>
+                </a:extLst>
+              </p:cNvPr>
+              <p:cNvSpPr>
+                <a:spLocks noRot="1" noChangeAspect="1" noMove="1" noResize="1" noEditPoints="1" noAdjustHandles="1" noChangeArrowheads="1" noChangeShapeType="1" noTextEdit="1"/>
+              </p:cNvSpPr>
+              <p:nvPr/>
+            </p:nvSpPr>
+            <p:spPr>
+              <a:xfrm>
+                <a:off x="374890" y="3574102"/>
+                <a:ext cx="4341827" cy="935660"/>
+              </a:xfrm>
+              <a:prstGeom prst="roundRect">
+                <a:avLst>
+                  <a:gd name="adj" fmla="val 50000"/>
+                </a:avLst>
+              </a:prstGeom>
+              <a:blipFill>
+                <a:blip r:embed="rId2"/>
+                <a:stretch>
+                  <a:fillRect/>
+                </a:stretch>
+              </a:blipFill>
+            </p:spPr>
+            <p:txBody>
+              <a:bodyPr/>
+              <a:lstStyle/>
+              <a:p>
+                <a:r>
+                  <a:rPr lang="en-US">
+                    <a:noFill/>
+                  </a:rPr>
+                  <a:t> </a:t>
+                </a:r>
+              </a:p>
+            </p:txBody>
+          </p:sp>
+        </mc:Fallback>
+      </mc:AlternateContent>
+      <mc:AlternateContent xmlns:mc="http://schemas.openxmlformats.org/markup-compatibility/2006">
+        <mc:Choice xmlns:a14="http://schemas.microsoft.com/office/drawing/2010/main" Requires="a14">
+          <p:sp>
+            <p:nvSpPr>
+              <p:cNvPr id="3" name="สี่เหลี่ยมผืนผ้า: มุมมน 10">
+                <a:extLst>
+                  <a:ext uri="{FF2B5EF4-FFF2-40B4-BE49-F238E27FC236}">
+                    <a16:creationId xmlns:a16="http://schemas.microsoft.com/office/drawing/2014/main" id="{CBAD3F7F-2D09-C387-A765-F507F960C0E1}"/>
+                  </a:ext>
+                </a:extLst>
+              </p:cNvPr>
+              <p:cNvSpPr/>
+              <p:nvPr/>
+            </p:nvSpPr>
+            <p:spPr>
+              <a:xfrm>
+                <a:off x="296506" y="1429537"/>
+                <a:ext cx="5419395" cy="935660"/>
+              </a:xfrm>
+              <a:prstGeom prst="roundRect">
+                <a:avLst>
+                  <a:gd name="adj" fmla="val 50000"/>
+                </a:avLst>
+              </a:prstGeom>
+              <a:ln/>
+            </p:spPr>
+            <p:style>
+              <a:lnRef idx="1">
+                <a:schemeClr val="accent5"/>
+              </a:lnRef>
+              <a:fillRef idx="2">
+                <a:schemeClr val="accent5"/>
+              </a:fillRef>
+              <a:effectRef idx="1">
+                <a:schemeClr val="accent5"/>
+              </a:effectRef>
+              <a:fontRef idx="minor">
+                <a:schemeClr val="dk1"/>
+              </a:fontRef>
+            </p:style>
+            <p:txBody>
+              <a:bodyPr rtlCol="0" anchor="ctr"/>
+              <a:lstStyle/>
+              <a:p>
+                <a:pPr algn="ctr"/>
+                <a14:m>
+                  <m:oMathPara xmlns:m="http://schemas.openxmlformats.org/officeDocument/2006/math">
+                    <m:oMathParaPr>
+                      <m:jc m:val="centerGroup"/>
+                    </m:oMathParaPr>
+                    <m:oMath xmlns:m="http://schemas.openxmlformats.org/officeDocument/2006/math">
+                      <m:sSup>
+                        <m:sSupPr>
+                          <m:ctrlPr>
+                            <a:rPr lang="en-US" sz="1463" i="1">
+                              <a:solidFill>
+                                <a:schemeClr val="tx1">
+                                  <a:lumMod val="95000"/>
+                                  <a:lumOff val="5000"/>
+                                </a:schemeClr>
+                              </a:solidFill>
+                              <a:latin typeface="Cambria Math" panose="02040503050406030204" pitchFamily="18" charset="0"/>
+                            </a:rPr>
+                          </m:ctrlPr>
+                        </m:sSupPr>
+                        <m:e>
+                          <m:d>
+                            <m:dPr>
+                              <m:begChr m:val="|"/>
+                              <m:endChr m:val="|"/>
+                              <m:ctrlPr>
+                                <a:rPr lang="en-US" sz="1463" i="1">
+                                  <a:solidFill>
+                                    <a:schemeClr val="tx1">
+                                      <a:lumMod val="95000"/>
+                                      <a:lumOff val="5000"/>
+                                    </a:schemeClr>
+                                  </a:solidFill>
+                                  <a:latin typeface="Cambria Math" panose="02040503050406030204" pitchFamily="18" charset="0"/>
+                                </a:rPr>
+                              </m:ctrlPr>
+                            </m:dPr>
+                            <m:e>
+                              <m:sSup>
+                                <m:sSupPr>
+                                  <m:ctrlPr>
+                                    <a:rPr lang="en-US" sz="1463" i="1">
+                                      <a:solidFill>
+                                        <a:schemeClr val="tx1">
+                                          <a:lumMod val="95000"/>
+                                          <a:lumOff val="5000"/>
+                                        </a:schemeClr>
+                                      </a:solidFill>
+                                      <a:latin typeface="Cambria Math" panose="02040503050406030204" pitchFamily="18" charset="0"/>
+                                    </a:rPr>
+                                  </m:ctrlPr>
+                                </m:sSupPr>
+                                <m:e>
+                                  <m:d>
+                                    <m:dPr>
+                                      <m:ctrlPr>
+                                        <a:rPr lang="en-US" sz="1463" i="1">
+                                          <a:solidFill>
+                                            <a:schemeClr val="tx1">
+                                              <a:lumMod val="95000"/>
+                                              <a:lumOff val="5000"/>
+                                            </a:schemeClr>
+                                          </a:solidFill>
+                                          <a:latin typeface="Cambria Math" panose="02040503050406030204" pitchFamily="18" charset="0"/>
+                                        </a:rPr>
+                                      </m:ctrlPr>
+                                    </m:dPr>
+                                    <m:e>
+                                      <m:nary>
+                                        <m:naryPr>
+                                          <m:chr m:val="∑"/>
+                                          <m:limLoc m:val="subSup"/>
+                                          <m:ctrlPr>
+                                            <a:rPr lang="en-US" sz="1463" i="1">
+                                              <a:solidFill>
+                                                <a:schemeClr val="tx1">
+                                                  <a:lumMod val="95000"/>
+                                                  <a:lumOff val="5000"/>
+                                                </a:schemeClr>
+                                              </a:solidFill>
+                                              <a:latin typeface="Cambria Math" panose="02040503050406030204" pitchFamily="18" charset="0"/>
+                                            </a:rPr>
+                                          </m:ctrlPr>
+                                        </m:naryPr>
+                                        <m:sub>
+                                          <m:r>
+                                            <m:rPr>
+                                              <m:brk m:alnAt="25"/>
+                                            </m:rPr>
+                                            <a:rPr lang="en-US" sz="1463" i="1">
+                                              <a:solidFill>
+                                                <a:schemeClr val="tx1">
+                                                  <a:lumMod val="95000"/>
+                                                  <a:lumOff val="5000"/>
+                                                </a:schemeClr>
+                                              </a:solidFill>
+                                              <a:latin typeface="Cambria Math" panose="02040503050406030204" pitchFamily="18" charset="0"/>
+                                            </a:rPr>
+                                            <m:t>𝑖</m:t>
+                                          </m:r>
+                                          <m:r>
+                                            <a:rPr lang="en-US" sz="1463" i="1">
+                                              <a:solidFill>
+                                                <a:schemeClr val="tx1">
+                                                  <a:lumMod val="95000"/>
+                                                  <a:lumOff val="5000"/>
+                                                </a:schemeClr>
+                                              </a:solidFill>
+                                              <a:latin typeface="Cambria Math" panose="02040503050406030204" pitchFamily="18" charset="0"/>
+                                            </a:rPr>
+                                            <m:t>=</m:t>
+                                          </m:r>
+                                          <m:r>
+                                            <a:rPr lang="en-US" sz="1463" i="1">
+                                              <a:solidFill>
+                                                <a:schemeClr val="tx1">
+                                                  <a:lumMod val="95000"/>
+                                                  <a:lumOff val="5000"/>
+                                                </a:schemeClr>
+                                              </a:solidFill>
+                                              <a:latin typeface="Cambria Math" panose="02040503050406030204" pitchFamily="18" charset="0"/>
+                                            </a:rPr>
+                                            <m:t>1</m:t>
+                                          </m:r>
+                                        </m:sub>
+                                        <m:sup>
+                                          <m:r>
+                                            <a:rPr lang="en-US" sz="1463" i="1">
+                                              <a:solidFill>
+                                                <a:schemeClr val="tx1">
+                                                  <a:lumMod val="95000"/>
+                                                  <a:lumOff val="5000"/>
+                                                </a:schemeClr>
+                                              </a:solidFill>
+                                              <a:latin typeface="Cambria Math" panose="02040503050406030204" pitchFamily="18" charset="0"/>
+                                            </a:rPr>
+                                            <m:t>𝐷</m:t>
+                                          </m:r>
+                                        </m:sup>
+                                        <m:e>
+                                          <m:sSubSup>
+                                            <m:sSubSupPr>
+                                              <m:ctrlPr>
+                                                <a:rPr lang="en-US" sz="1463" i="1">
+                                                  <a:solidFill>
+                                                    <a:schemeClr val="tx1">
+                                                      <a:lumMod val="95000"/>
+                                                      <a:lumOff val="5000"/>
+                                                    </a:schemeClr>
+                                                  </a:solidFill>
+                                                  <a:latin typeface="Cambria Math" panose="02040503050406030204" pitchFamily="18" charset="0"/>
+                                                </a:rPr>
+                                              </m:ctrlPr>
+                                            </m:sSubSupPr>
+                                            <m:e>
+                                              <m:r>
+                                                <a:rPr lang="en-US" sz="1463" i="1">
+                                                  <a:solidFill>
+                                                    <a:schemeClr val="tx1">
+                                                      <a:lumMod val="95000"/>
+                                                      <a:lumOff val="5000"/>
+                                                    </a:schemeClr>
+                                                  </a:solidFill>
+                                                  <a:latin typeface="Cambria Math" panose="02040503050406030204" pitchFamily="18" charset="0"/>
+                                                </a:rPr>
+                                                <m:t>𝑥</m:t>
+                                              </m:r>
+                                            </m:e>
+                                            <m:sub>
+                                              <m:r>
+                                                <a:rPr lang="en-US" sz="1463" i="1">
+                                                  <a:solidFill>
+                                                    <a:schemeClr val="tx1">
+                                                      <a:lumMod val="95000"/>
+                                                      <a:lumOff val="5000"/>
+                                                    </a:schemeClr>
+                                                  </a:solidFill>
+                                                  <a:latin typeface="Cambria Math" panose="02040503050406030204" pitchFamily="18" charset="0"/>
+                                                </a:rPr>
+                                                <m:t>𝑖</m:t>
+                                              </m:r>
+                                            </m:sub>
+                                            <m:sup>
+                                              <m:r>
+                                                <a:rPr lang="en-US" sz="1463" i="1">
+                                                  <a:solidFill>
+                                                    <a:schemeClr val="tx1">
+                                                      <a:lumMod val="95000"/>
+                                                      <a:lumOff val="5000"/>
+                                                    </a:schemeClr>
+                                                  </a:solidFill>
+                                                  <a:latin typeface="Cambria Math" panose="02040503050406030204" pitchFamily="18" charset="0"/>
+                                                </a:rPr>
+                                                <m:t>2</m:t>
+                                              </m:r>
+                                            </m:sup>
+                                          </m:sSubSup>
+                                        </m:e>
+                                      </m:nary>
+                                    </m:e>
+                                  </m:d>
+                                </m:e>
+                                <m:sup>
+                                  <m:r>
+                                    <a:rPr lang="en-US" sz="1463" i="1">
+                                      <a:solidFill>
+                                        <a:schemeClr val="tx1">
+                                          <a:lumMod val="95000"/>
+                                          <a:lumOff val="5000"/>
+                                        </a:schemeClr>
+                                      </a:solidFill>
+                                      <a:latin typeface="Cambria Math" panose="02040503050406030204" pitchFamily="18" charset="0"/>
+                                    </a:rPr>
+                                    <m:t>2</m:t>
+                                  </m:r>
+                                </m:sup>
+                              </m:sSup>
+                              <m:r>
+                                <a:rPr lang="en-US" sz="1463" i="1">
+                                  <a:solidFill>
+                                    <a:schemeClr val="tx1">
+                                      <a:lumMod val="95000"/>
+                                      <a:lumOff val="5000"/>
+                                    </a:schemeClr>
+                                  </a:solidFill>
+                                  <a:latin typeface="Cambria Math" panose="02040503050406030204" pitchFamily="18" charset="0"/>
+                                </a:rPr>
+                                <m:t>−</m:t>
+                              </m:r>
+                              <m:sSup>
+                                <m:sSupPr>
+                                  <m:ctrlPr>
+                                    <a:rPr lang="en-US" sz="1463" i="1">
+                                      <a:solidFill>
+                                        <a:schemeClr val="tx1">
+                                          <a:lumMod val="95000"/>
+                                          <a:lumOff val="5000"/>
+                                        </a:schemeClr>
+                                      </a:solidFill>
+                                      <a:latin typeface="Cambria Math" panose="02040503050406030204" pitchFamily="18" charset="0"/>
+                                    </a:rPr>
+                                  </m:ctrlPr>
+                                </m:sSupPr>
+                                <m:e>
+                                  <m:d>
+                                    <m:dPr>
+                                      <m:ctrlPr>
+                                        <a:rPr lang="en-US" sz="1463" i="1">
+                                          <a:solidFill>
+                                            <a:schemeClr val="tx1">
+                                              <a:lumMod val="95000"/>
+                                              <a:lumOff val="5000"/>
+                                            </a:schemeClr>
+                                          </a:solidFill>
+                                          <a:latin typeface="Cambria Math" panose="02040503050406030204" pitchFamily="18" charset="0"/>
+                                        </a:rPr>
+                                      </m:ctrlPr>
+                                    </m:dPr>
+                                    <m:e>
+                                      <m:nary>
+                                        <m:naryPr>
+                                          <m:chr m:val="∑"/>
+                                          <m:limLoc m:val="subSup"/>
+                                          <m:ctrlPr>
+                                            <a:rPr lang="en-US" sz="1463" i="1">
+                                              <a:solidFill>
+                                                <a:schemeClr val="tx1">
+                                                  <a:lumMod val="95000"/>
+                                                  <a:lumOff val="5000"/>
+                                                </a:schemeClr>
+                                              </a:solidFill>
+                                              <a:latin typeface="Cambria Math" panose="02040503050406030204" pitchFamily="18" charset="0"/>
+                                            </a:rPr>
+                                          </m:ctrlPr>
+                                        </m:naryPr>
+                                        <m:sub>
+                                          <m:r>
+                                            <m:rPr>
+                                              <m:brk m:alnAt="25"/>
+                                            </m:rPr>
+                                            <a:rPr lang="en-US" sz="1463" i="1">
+                                              <a:solidFill>
+                                                <a:schemeClr val="tx1">
+                                                  <a:lumMod val="95000"/>
+                                                  <a:lumOff val="5000"/>
+                                                </a:schemeClr>
+                                              </a:solidFill>
+                                              <a:latin typeface="Cambria Math" panose="02040503050406030204" pitchFamily="18" charset="0"/>
+                                            </a:rPr>
+                                            <m:t>𝑖</m:t>
+                                          </m:r>
+                                          <m:r>
+                                            <a:rPr lang="en-US" sz="1463" i="1">
+                                              <a:solidFill>
+                                                <a:schemeClr val="tx1">
+                                                  <a:lumMod val="95000"/>
+                                                  <a:lumOff val="5000"/>
+                                                </a:schemeClr>
+                                              </a:solidFill>
+                                              <a:latin typeface="Cambria Math" panose="02040503050406030204" pitchFamily="18" charset="0"/>
+                                            </a:rPr>
+                                            <m:t>=</m:t>
+                                          </m:r>
+                                          <m:r>
+                                            <m:rPr>
+                                              <m:brk m:alnAt="25"/>
+                                            </m:rPr>
+                                            <a:rPr lang="en-US" sz="1463" i="1">
+                                              <a:solidFill>
+                                                <a:schemeClr val="tx1">
+                                                  <a:lumMod val="95000"/>
+                                                  <a:lumOff val="5000"/>
+                                                </a:schemeClr>
+                                              </a:solidFill>
+                                              <a:latin typeface="Cambria Math" panose="02040503050406030204" pitchFamily="18" charset="0"/>
+                                            </a:rPr>
+                                            <m:t>1</m:t>
+                                          </m:r>
+                                        </m:sub>
+                                        <m:sup>
+                                          <m:r>
+                                            <a:rPr lang="en-US" sz="1463" i="1">
+                                              <a:solidFill>
+                                                <a:schemeClr val="tx1">
+                                                  <a:lumMod val="95000"/>
+                                                  <a:lumOff val="5000"/>
+                                                </a:schemeClr>
+                                              </a:solidFill>
+                                              <a:latin typeface="Cambria Math" panose="02040503050406030204" pitchFamily="18" charset="0"/>
+                                            </a:rPr>
+                                            <m:t>𝐷</m:t>
+                                          </m:r>
+                                        </m:sup>
+                                        <m:e>
+                                          <m:sSub>
+                                            <m:sSubPr>
+                                              <m:ctrlPr>
+                                                <a:rPr lang="en-US" sz="1463" i="1">
+                                                  <a:solidFill>
+                                                    <a:schemeClr val="tx1">
+                                                      <a:lumMod val="95000"/>
+                                                      <a:lumOff val="5000"/>
+                                                    </a:schemeClr>
+                                                  </a:solidFill>
+                                                  <a:latin typeface="Cambria Math" panose="02040503050406030204" pitchFamily="18" charset="0"/>
+                                                </a:rPr>
+                                              </m:ctrlPr>
+                                            </m:sSubPr>
+                                            <m:e>
+                                              <m:r>
+                                                <a:rPr lang="en-US" sz="1463" i="1">
+                                                  <a:solidFill>
+                                                    <a:schemeClr val="tx1">
+                                                      <a:lumMod val="95000"/>
+                                                      <a:lumOff val="5000"/>
+                                                    </a:schemeClr>
+                                                  </a:solidFill>
+                                                  <a:latin typeface="Cambria Math" panose="02040503050406030204" pitchFamily="18" charset="0"/>
+                                                </a:rPr>
+                                                <m:t>𝑥</m:t>
+                                              </m:r>
+                                            </m:e>
+                                            <m:sub>
+                                              <m:r>
+                                                <a:rPr lang="en-US" sz="1463" i="1">
+                                                  <a:solidFill>
+                                                    <a:schemeClr val="tx1">
+                                                      <a:lumMod val="95000"/>
+                                                      <a:lumOff val="5000"/>
+                                                    </a:schemeClr>
+                                                  </a:solidFill>
+                                                  <a:latin typeface="Cambria Math" panose="02040503050406030204" pitchFamily="18" charset="0"/>
+                                                </a:rPr>
+                                                <m:t>𝑖</m:t>
+                                              </m:r>
+                                            </m:sub>
+                                          </m:sSub>
+                                        </m:e>
+                                      </m:nary>
+                                    </m:e>
+                                  </m:d>
+                                </m:e>
+                                <m:sup>
+                                  <m:r>
+                                    <a:rPr lang="en-US" sz="1463" i="1">
+                                      <a:solidFill>
+                                        <a:schemeClr val="tx1">
+                                          <a:lumMod val="95000"/>
+                                          <a:lumOff val="5000"/>
+                                        </a:schemeClr>
+                                      </a:solidFill>
+                                      <a:latin typeface="Cambria Math" panose="02040503050406030204" pitchFamily="18" charset="0"/>
+                                    </a:rPr>
+                                    <m:t>2</m:t>
+                                  </m:r>
+                                </m:sup>
+                              </m:sSup>
+                            </m:e>
+                          </m:d>
+                        </m:e>
+                        <m:sup>
+                          <m:r>
+                            <a:rPr lang="en-US" sz="1463" i="1">
+                              <a:solidFill>
+                                <a:schemeClr val="tx1">
+                                  <a:lumMod val="95000"/>
+                                  <a:lumOff val="5000"/>
+                                </a:schemeClr>
+                              </a:solidFill>
+                              <a:latin typeface="Cambria Math" panose="02040503050406030204" pitchFamily="18" charset="0"/>
+                            </a:rPr>
+                            <m:t>1</m:t>
+                          </m:r>
+                          <m:r>
+                            <a:rPr lang="en-US" sz="1463" i="1">
+                              <a:solidFill>
+                                <a:schemeClr val="tx1">
+                                  <a:lumMod val="95000"/>
+                                  <a:lumOff val="5000"/>
+                                </a:schemeClr>
+                              </a:solidFill>
+                              <a:latin typeface="Cambria Math" panose="02040503050406030204" pitchFamily="18" charset="0"/>
+                            </a:rPr>
+                            <m:t>/</m:t>
+                          </m:r>
+                          <m:r>
+                            <a:rPr lang="en-US" sz="1463" i="1">
+                              <a:solidFill>
+                                <a:schemeClr val="tx1">
+                                  <a:lumMod val="95000"/>
+                                  <a:lumOff val="5000"/>
+                                </a:schemeClr>
+                              </a:solidFill>
+                              <a:latin typeface="Cambria Math" panose="02040503050406030204" pitchFamily="18" charset="0"/>
+                            </a:rPr>
+                            <m:t>2</m:t>
+                          </m:r>
+                        </m:sup>
+                      </m:sSup>
+                      <m:r>
+                        <a:rPr lang="en-US" sz="1463" i="1">
+                          <a:solidFill>
+                            <a:schemeClr val="tx1">
+                              <a:lumMod val="95000"/>
+                              <a:lumOff val="5000"/>
+                            </a:schemeClr>
+                          </a:solidFill>
+                          <a:latin typeface="Cambria Math" panose="02040503050406030204" pitchFamily="18" charset="0"/>
+                        </a:rPr>
+                        <m:t>+</m:t>
+                      </m:r>
+                      <m:f>
+                        <m:fPr>
+                          <m:ctrlPr>
+                            <a:rPr lang="en-US" sz="1463" i="1">
+                              <a:solidFill>
+                                <a:schemeClr val="tx1">
+                                  <a:lumMod val="95000"/>
+                                  <a:lumOff val="5000"/>
+                                </a:schemeClr>
+                              </a:solidFill>
+                              <a:latin typeface="Cambria Math" panose="02040503050406030204" pitchFamily="18" charset="0"/>
+                            </a:rPr>
+                          </m:ctrlPr>
+                        </m:fPr>
+                        <m:num>
+                          <m:r>
+                            <a:rPr lang="en-US" sz="1463" i="1">
+                              <a:solidFill>
+                                <a:schemeClr val="tx1">
+                                  <a:lumMod val="95000"/>
+                                  <a:lumOff val="5000"/>
+                                </a:schemeClr>
+                              </a:solidFill>
+                              <a:latin typeface="Cambria Math" panose="02040503050406030204" pitchFamily="18" charset="0"/>
+                            </a:rPr>
+                            <m:t>0</m:t>
+                          </m:r>
+                          <m:r>
+                            <a:rPr lang="en-US" sz="1463" i="1">
+                              <a:solidFill>
+                                <a:schemeClr val="tx1">
+                                  <a:lumMod val="95000"/>
+                                  <a:lumOff val="5000"/>
+                                </a:schemeClr>
+                              </a:solidFill>
+                              <a:latin typeface="Cambria Math" panose="02040503050406030204" pitchFamily="18" charset="0"/>
+                            </a:rPr>
+                            <m:t>.</m:t>
+                          </m:r>
+                          <m:r>
+                            <a:rPr lang="en-US" sz="1463" i="1">
+                              <a:solidFill>
+                                <a:schemeClr val="tx1">
+                                  <a:lumMod val="95000"/>
+                                  <a:lumOff val="5000"/>
+                                </a:schemeClr>
+                              </a:solidFill>
+                              <a:latin typeface="Cambria Math" panose="02040503050406030204" pitchFamily="18" charset="0"/>
+                            </a:rPr>
+                            <m:t>5</m:t>
+                          </m:r>
+                          <m:nary>
+                            <m:naryPr>
+                              <m:chr m:val="∑"/>
+                              <m:limLoc m:val="subSup"/>
+                              <m:ctrlPr>
+                                <a:rPr lang="en-US" sz="1463" i="1">
+                                  <a:solidFill>
+                                    <a:schemeClr val="tx1">
+                                      <a:lumMod val="95000"/>
+                                      <a:lumOff val="5000"/>
+                                    </a:schemeClr>
+                                  </a:solidFill>
+                                  <a:latin typeface="Cambria Math" panose="02040503050406030204" pitchFamily="18" charset="0"/>
+                                </a:rPr>
+                              </m:ctrlPr>
+                            </m:naryPr>
+                            <m:sub>
+                              <m:r>
+                                <m:rPr>
+                                  <m:brk m:alnAt="25"/>
+                                </m:rPr>
+                                <a:rPr lang="en-US" sz="1463" i="1">
+                                  <a:solidFill>
+                                    <a:schemeClr val="tx1">
+                                      <a:lumMod val="95000"/>
+                                      <a:lumOff val="5000"/>
+                                    </a:schemeClr>
+                                  </a:solidFill>
+                                  <a:latin typeface="Cambria Math" panose="02040503050406030204" pitchFamily="18" charset="0"/>
+                                </a:rPr>
+                                <m:t>𝑖</m:t>
+                              </m:r>
+                              <m:r>
+                                <a:rPr lang="en-US" sz="1463" i="1">
+                                  <a:solidFill>
+                                    <a:schemeClr val="tx1">
+                                      <a:lumMod val="95000"/>
+                                      <a:lumOff val="5000"/>
+                                    </a:schemeClr>
+                                  </a:solidFill>
+                                  <a:latin typeface="Cambria Math" panose="02040503050406030204" pitchFamily="18" charset="0"/>
+                                </a:rPr>
+                                <m:t>=</m:t>
+                              </m:r>
+                              <m:r>
+                                <a:rPr lang="en-US" sz="1463" i="1">
+                                  <a:solidFill>
+                                    <a:schemeClr val="tx1">
+                                      <a:lumMod val="95000"/>
+                                      <a:lumOff val="5000"/>
+                                    </a:schemeClr>
+                                  </a:solidFill>
+                                  <a:latin typeface="Cambria Math" panose="02040503050406030204" pitchFamily="18" charset="0"/>
+                                </a:rPr>
+                                <m:t>1</m:t>
+                              </m:r>
+                            </m:sub>
+                            <m:sup>
+                              <m:r>
+                                <a:rPr lang="en-US" sz="1463" i="1">
+                                  <a:solidFill>
+                                    <a:schemeClr val="tx1">
+                                      <a:lumMod val="95000"/>
+                                      <a:lumOff val="5000"/>
+                                    </a:schemeClr>
+                                  </a:solidFill>
+                                  <a:latin typeface="Cambria Math" panose="02040503050406030204" pitchFamily="18" charset="0"/>
+                                </a:rPr>
+                                <m:t>𝐷</m:t>
+                              </m:r>
+                            </m:sup>
+                            <m:e>
+                              <m:sSubSup>
+                                <m:sSubSupPr>
+                                  <m:ctrlPr>
+                                    <a:rPr lang="en-US" sz="1463" i="1">
+                                      <a:solidFill>
+                                        <a:schemeClr val="tx1">
+                                          <a:lumMod val="95000"/>
+                                          <a:lumOff val="5000"/>
+                                        </a:schemeClr>
+                                      </a:solidFill>
+                                      <a:latin typeface="Cambria Math" panose="02040503050406030204" pitchFamily="18" charset="0"/>
+                                    </a:rPr>
+                                  </m:ctrlPr>
+                                </m:sSubSupPr>
+                                <m:e>
+                                  <m:r>
+                                    <a:rPr lang="en-US" sz="1463" i="1">
+                                      <a:solidFill>
+                                        <a:schemeClr val="tx1">
+                                          <a:lumMod val="95000"/>
+                                          <a:lumOff val="5000"/>
+                                        </a:schemeClr>
+                                      </a:solidFill>
+                                      <a:latin typeface="Cambria Math" panose="02040503050406030204" pitchFamily="18" charset="0"/>
+                                    </a:rPr>
+                                    <m:t>𝑥</m:t>
+                                  </m:r>
+                                </m:e>
+                                <m:sub>
+                                  <m:r>
+                                    <a:rPr lang="en-US" sz="1463" i="1">
+                                      <a:solidFill>
+                                        <a:schemeClr val="tx1">
+                                          <a:lumMod val="95000"/>
+                                          <a:lumOff val="5000"/>
+                                        </a:schemeClr>
+                                      </a:solidFill>
+                                      <a:latin typeface="Cambria Math" panose="02040503050406030204" pitchFamily="18" charset="0"/>
+                                    </a:rPr>
+                                    <m:t>𝑖</m:t>
+                                  </m:r>
+                                </m:sub>
+                                <m:sup>
+                                  <m:r>
+                                    <a:rPr lang="en-US" sz="1463" i="1">
+                                      <a:solidFill>
+                                        <a:schemeClr val="tx1">
+                                          <a:lumMod val="95000"/>
+                                          <a:lumOff val="5000"/>
+                                        </a:schemeClr>
+                                      </a:solidFill>
+                                      <a:latin typeface="Cambria Math" panose="02040503050406030204" pitchFamily="18" charset="0"/>
+                                    </a:rPr>
+                                    <m:t>2</m:t>
+                                  </m:r>
+                                </m:sup>
+                              </m:sSubSup>
+                            </m:e>
+                          </m:nary>
+                          <m:r>
+                            <a:rPr lang="en-US" sz="1463" i="1">
+                              <a:solidFill>
+                                <a:schemeClr val="tx1">
+                                  <a:lumMod val="95000"/>
+                                  <a:lumOff val="5000"/>
+                                </a:schemeClr>
+                              </a:solidFill>
+                              <a:latin typeface="Cambria Math" panose="02040503050406030204" pitchFamily="18" charset="0"/>
+                            </a:rPr>
+                            <m:t>+</m:t>
+                          </m:r>
+                          <m:nary>
+                            <m:naryPr>
+                              <m:chr m:val="∑"/>
+                              <m:limLoc m:val="subSup"/>
+                              <m:ctrlPr>
+                                <a:rPr lang="en-US" sz="1463" i="1">
+                                  <a:solidFill>
+                                    <a:schemeClr val="tx1">
+                                      <a:lumMod val="95000"/>
+                                      <a:lumOff val="5000"/>
+                                    </a:schemeClr>
+                                  </a:solidFill>
+                                  <a:latin typeface="Cambria Math" panose="02040503050406030204" pitchFamily="18" charset="0"/>
+                                </a:rPr>
+                              </m:ctrlPr>
+                            </m:naryPr>
+                            <m:sub>
+                              <m:r>
+                                <m:rPr>
+                                  <m:brk m:alnAt="25"/>
+                                </m:rPr>
+                                <a:rPr lang="en-US" sz="1463" i="1">
+                                  <a:solidFill>
+                                    <a:schemeClr val="tx1">
+                                      <a:lumMod val="95000"/>
+                                      <a:lumOff val="5000"/>
+                                    </a:schemeClr>
+                                  </a:solidFill>
+                                  <a:latin typeface="Cambria Math" panose="02040503050406030204" pitchFamily="18" charset="0"/>
+                                </a:rPr>
+                                <m:t>𝑖</m:t>
+                              </m:r>
+                              <m:r>
+                                <a:rPr lang="en-US" sz="1463" i="1">
+                                  <a:solidFill>
+                                    <a:schemeClr val="tx1">
+                                      <a:lumMod val="95000"/>
+                                      <a:lumOff val="5000"/>
+                                    </a:schemeClr>
+                                  </a:solidFill>
+                                  <a:latin typeface="Cambria Math" panose="02040503050406030204" pitchFamily="18" charset="0"/>
+                                </a:rPr>
+                                <m:t>=</m:t>
+                              </m:r>
+                              <m:r>
+                                <m:rPr>
+                                  <m:brk m:alnAt="25"/>
+                                </m:rPr>
+                                <a:rPr lang="en-US" sz="1463" i="1">
+                                  <a:solidFill>
+                                    <a:schemeClr val="tx1">
+                                      <a:lumMod val="95000"/>
+                                      <a:lumOff val="5000"/>
+                                    </a:schemeClr>
+                                  </a:solidFill>
+                                  <a:latin typeface="Cambria Math" panose="02040503050406030204" pitchFamily="18" charset="0"/>
+                                </a:rPr>
+                                <m:t>1</m:t>
+                              </m:r>
+                            </m:sub>
+                            <m:sup>
+                              <m:r>
+                                <a:rPr lang="en-US" sz="1463" i="1">
+                                  <a:solidFill>
+                                    <a:schemeClr val="tx1">
+                                      <a:lumMod val="95000"/>
+                                      <a:lumOff val="5000"/>
+                                    </a:schemeClr>
+                                  </a:solidFill>
+                                  <a:latin typeface="Cambria Math" panose="02040503050406030204" pitchFamily="18" charset="0"/>
+                                </a:rPr>
+                                <m:t>𝐷</m:t>
+                              </m:r>
+                            </m:sup>
+                            <m:e>
+                              <m:sSub>
+                                <m:sSubPr>
+                                  <m:ctrlPr>
+                                    <a:rPr lang="en-US" sz="1463" i="1">
+                                      <a:solidFill>
+                                        <a:schemeClr val="tx1">
+                                          <a:lumMod val="95000"/>
+                                          <a:lumOff val="5000"/>
+                                        </a:schemeClr>
+                                      </a:solidFill>
+                                      <a:latin typeface="Cambria Math" panose="02040503050406030204" pitchFamily="18" charset="0"/>
+                                    </a:rPr>
+                                  </m:ctrlPr>
+                                </m:sSubPr>
+                                <m:e>
+                                  <m:r>
+                                    <a:rPr lang="en-US" sz="1463" i="1">
+                                      <a:solidFill>
+                                        <a:schemeClr val="tx1">
+                                          <a:lumMod val="95000"/>
+                                          <a:lumOff val="5000"/>
+                                        </a:schemeClr>
+                                      </a:solidFill>
+                                      <a:latin typeface="Cambria Math" panose="02040503050406030204" pitchFamily="18" charset="0"/>
+                                    </a:rPr>
+                                    <m:t>𝑥</m:t>
+                                  </m:r>
+                                </m:e>
+                                <m:sub>
+                                  <m:r>
+                                    <a:rPr lang="en-US" sz="1463" i="1">
+                                      <a:solidFill>
+                                        <a:schemeClr val="tx1">
+                                          <a:lumMod val="95000"/>
+                                          <a:lumOff val="5000"/>
+                                        </a:schemeClr>
+                                      </a:solidFill>
+                                      <a:latin typeface="Cambria Math" panose="02040503050406030204" pitchFamily="18" charset="0"/>
+                                    </a:rPr>
+                                    <m:t>𝑖</m:t>
+                                  </m:r>
+                                </m:sub>
+                              </m:sSub>
+                            </m:e>
+                          </m:nary>
+                        </m:num>
+                        <m:den>
+                          <m:r>
+                            <m:rPr>
+                              <m:sty m:val="p"/>
+                            </m:rPr>
+                            <a:rPr lang="en-US" sz="1463">
+                              <a:solidFill>
+                                <a:schemeClr val="tx1">
+                                  <a:lumMod val="95000"/>
+                                  <a:lumOff val="5000"/>
+                                </a:schemeClr>
+                              </a:solidFill>
+                              <a:latin typeface="Cambria Math" panose="02040503050406030204" pitchFamily="18" charset="0"/>
+                            </a:rPr>
+                            <m:t>D</m:t>
+                          </m:r>
+                        </m:den>
+                      </m:f>
+                      <m:r>
+                        <a:rPr lang="en-US" sz="1463">
+                          <a:solidFill>
+                            <a:schemeClr val="tx1">
+                              <a:lumMod val="95000"/>
+                              <a:lumOff val="5000"/>
+                            </a:schemeClr>
+                          </a:solidFill>
+                          <a:latin typeface="Cambria Math" panose="02040503050406030204" pitchFamily="18" charset="0"/>
+                        </a:rPr>
+                        <m:t>+</m:t>
+                      </m:r>
+                      <m:r>
+                        <a:rPr lang="en-US" sz="1463">
+                          <a:solidFill>
+                            <a:schemeClr val="tx1">
+                              <a:lumMod val="95000"/>
+                              <a:lumOff val="5000"/>
+                            </a:schemeClr>
+                          </a:solidFill>
+                          <a:latin typeface="Cambria Math" panose="02040503050406030204" pitchFamily="18" charset="0"/>
+                        </a:rPr>
+                        <m:t>0</m:t>
+                      </m:r>
+                      <m:r>
+                        <a:rPr lang="en-US" sz="1463">
+                          <a:solidFill>
+                            <a:schemeClr val="tx1">
+                              <a:lumMod val="95000"/>
+                              <a:lumOff val="5000"/>
+                            </a:schemeClr>
+                          </a:solidFill>
+                          <a:latin typeface="Cambria Math" panose="02040503050406030204" pitchFamily="18" charset="0"/>
+                        </a:rPr>
+                        <m:t>.</m:t>
+                      </m:r>
+                      <m:r>
+                        <a:rPr lang="en-US" sz="1463">
+                          <a:solidFill>
+                            <a:schemeClr val="tx1">
+                              <a:lumMod val="95000"/>
+                              <a:lumOff val="5000"/>
+                            </a:schemeClr>
+                          </a:solidFill>
+                          <a:latin typeface="Cambria Math" panose="02040503050406030204" pitchFamily="18" charset="0"/>
+                        </a:rPr>
+                        <m:t>5</m:t>
+                      </m:r>
+                    </m:oMath>
+                  </m:oMathPara>
+                </a14:m>
+                <a:endParaRPr lang="en-US" sz="1463" dirty="0"/>
+              </a:p>
+            </p:txBody>
+          </p:sp>
+        </mc:Choice>
+        <mc:Fallback>
+          <p:sp>
+            <p:nvSpPr>
+              <p:cNvPr id="3" name="สี่เหลี่ยมผืนผ้า: มุมมน 10">
+                <a:extLst>
+                  <a:ext uri="{FF2B5EF4-FFF2-40B4-BE49-F238E27FC236}">
+                    <a16:creationId xmlns:a16="http://schemas.microsoft.com/office/drawing/2014/main" id="{CBAD3F7F-2D09-C387-A765-F507F960C0E1}"/>
+                  </a:ext>
+                </a:extLst>
+              </p:cNvPr>
+              <p:cNvSpPr>
+                <a:spLocks noRot="1" noChangeAspect="1" noMove="1" noResize="1" noEditPoints="1" noAdjustHandles="1" noChangeArrowheads="1" noChangeShapeType="1" noTextEdit="1"/>
+              </p:cNvSpPr>
+              <p:nvPr/>
+            </p:nvSpPr>
+            <p:spPr>
+              <a:xfrm>
+                <a:off x="296506" y="1429537"/>
+                <a:ext cx="5419395" cy="935660"/>
+              </a:xfrm>
+              <a:prstGeom prst="roundRect">
+                <a:avLst>
+                  <a:gd name="adj" fmla="val 50000"/>
+                </a:avLst>
+              </a:prstGeom>
+              <a:blipFill>
+                <a:blip r:embed="rId3"/>
+                <a:stretch>
+                  <a:fillRect/>
+                </a:stretch>
+              </a:blipFill>
+              <a:ln/>
+            </p:spPr>
+            <p:txBody>
+              <a:bodyPr/>
+              <a:lstStyle/>
+              <a:p>
+                <a:r>
+                  <a:rPr lang="en-US">
+                    <a:noFill/>
+                  </a:rPr>
+                  <a:t> </a:t>
+                </a:r>
+              </a:p>
+            </p:txBody>
+          </p:sp>
+        </mc:Fallback>
+      </mc:AlternateContent>
+      <p:sp>
+        <p:nvSpPr>
+          <p:cNvPr id="4" name="สี่เหลี่ยมผืนผ้า: มุมมน 11">
+            <a:extLst>
+              <a:ext uri="{FF2B5EF4-FFF2-40B4-BE49-F238E27FC236}">
+                <a16:creationId xmlns:a16="http://schemas.microsoft.com/office/drawing/2014/main" id="{D930FAE0-55EE-E2F8-A592-5E408C2B0771}"/>
+              </a:ext>
+            </a:extLst>
+          </p:cNvPr>
+          <p:cNvSpPr/>
+          <p:nvPr/>
+        </p:nvSpPr>
+        <p:spPr>
+          <a:xfrm>
+            <a:off x="374890" y="2866423"/>
+            <a:ext cx="2092529" cy="408963"/>
+          </a:xfrm>
+          <a:prstGeom prst="roundRect">
+            <a:avLst>
+              <a:gd name="adj" fmla="val 50000"/>
+            </a:avLst>
+          </a:prstGeom>
+        </p:spPr>
+        <p:style>
+          <a:lnRef idx="1">
+            <a:schemeClr val="accent5"/>
+          </a:lnRef>
+          <a:fillRef idx="2">
+            <a:schemeClr val="accent5"/>
+          </a:fillRef>
+          <a:effectRef idx="1">
+            <a:schemeClr val="accent5"/>
+          </a:effectRef>
+          <a:fontRef idx="minor">
+            <a:schemeClr val="dk1"/>
+          </a:fontRef>
+        </p:style>
+        <p:txBody>
+          <a:bodyPr rtlCol="0" anchor="ctr"/>
+          <a:lstStyle/>
+          <a:p>
+            <a:pPr algn="ctr"/>
+            <a:r>
+              <a:rPr lang="en-US" sz="1788" dirty="0" err="1">
+                <a:solidFill>
+                  <a:schemeClr val="tx1">
+                    <a:lumMod val="95000"/>
+                    <a:lumOff val="5000"/>
+                  </a:schemeClr>
+                </a:solidFill>
+                <a:latin typeface="DB Ozone X" panose="02000506090000020004" pitchFamily="2" charset="-34"/>
+                <a:cs typeface="DB Ozone X" panose="02000506090000020004" pitchFamily="2" charset="-34"/>
+              </a:rPr>
+              <a:t>Happycat</a:t>
+            </a:r>
+            <a:endParaRPr lang="en-US" sz="1788" dirty="0">
+              <a:solidFill>
+                <a:schemeClr val="tx1">
+                  <a:lumMod val="95000"/>
+                  <a:lumOff val="5000"/>
+                </a:schemeClr>
+              </a:solidFill>
+              <a:latin typeface="DB Ozone X" panose="02000506090000020004" pitchFamily="2" charset="-34"/>
+              <a:cs typeface="DB Ozone X" panose="02000506090000020004" pitchFamily="2" charset="-34"/>
+            </a:endParaRPr>
+          </a:p>
+        </p:txBody>
+      </p:sp>
+      <p:sp>
+        <p:nvSpPr>
+          <p:cNvPr id="5" name="สี่เหลี่ยมผืนผ้า: มุมมน 12">
+            <a:extLst>
+              <a:ext uri="{FF2B5EF4-FFF2-40B4-BE49-F238E27FC236}">
+                <a16:creationId xmlns:a16="http://schemas.microsoft.com/office/drawing/2014/main" id="{7C60B53A-AE56-5482-4401-907ACA111760}"/>
+              </a:ext>
+            </a:extLst>
+          </p:cNvPr>
+          <p:cNvSpPr/>
+          <p:nvPr/>
+        </p:nvSpPr>
+        <p:spPr>
+          <a:xfrm>
+            <a:off x="321906" y="770692"/>
+            <a:ext cx="2092529" cy="408963"/>
+          </a:xfrm>
+          <a:prstGeom prst="roundRect">
+            <a:avLst>
+              <a:gd name="adj" fmla="val 50000"/>
+            </a:avLst>
+          </a:prstGeom>
+          <a:ln/>
+        </p:spPr>
+        <p:style>
+          <a:lnRef idx="1">
+            <a:schemeClr val="accent5"/>
+          </a:lnRef>
+          <a:fillRef idx="2">
+            <a:schemeClr val="accent5"/>
+          </a:fillRef>
+          <a:effectRef idx="1">
+            <a:schemeClr val="accent5"/>
+          </a:effectRef>
+          <a:fontRef idx="minor">
+            <a:schemeClr val="dk1"/>
+          </a:fontRef>
+        </p:style>
+        <p:txBody>
+          <a:bodyPr rtlCol="0" anchor="ctr"/>
+          <a:lstStyle/>
+          <a:p>
+            <a:pPr algn="ctr"/>
+            <a:r>
+              <a:rPr lang="en-US" sz="1788" dirty="0" err="1">
+                <a:solidFill>
+                  <a:schemeClr val="tx1">
+                    <a:lumMod val="95000"/>
+                    <a:lumOff val="5000"/>
+                  </a:schemeClr>
+                </a:solidFill>
+                <a:latin typeface="DB Ozone X" panose="02000506090000020004" pitchFamily="2" charset="-34"/>
+                <a:cs typeface="DB Ozone X" panose="02000506090000020004" pitchFamily="2" charset="-34"/>
+              </a:rPr>
+              <a:t>HGBat</a:t>
+            </a:r>
+            <a:endParaRPr lang="en-US" sz="1788" dirty="0">
+              <a:solidFill>
+                <a:schemeClr val="tx1">
+                  <a:lumMod val="95000"/>
+                  <a:lumOff val="5000"/>
+                </a:schemeClr>
+              </a:solidFill>
+              <a:latin typeface="DB Ozone X" panose="02000506090000020004" pitchFamily="2" charset="-34"/>
+              <a:cs typeface="DB Ozone X" panose="02000506090000020004" pitchFamily="2" charset="-34"/>
+            </a:endParaRPr>
+          </a:p>
+        </p:txBody>
+      </p:sp>
+      <mc:AlternateContent xmlns:mc="http://schemas.openxmlformats.org/markup-compatibility/2006">
+        <mc:Choice xmlns:a14="http://schemas.microsoft.com/office/drawing/2010/main" Requires="a14">
+          <p:sp>
+            <p:nvSpPr>
+              <p:cNvPr id="6" name="สี่เหลี่ยมผืนผ้า: มุมมน 13">
+                <a:extLst>
+                  <a:ext uri="{FF2B5EF4-FFF2-40B4-BE49-F238E27FC236}">
+                    <a16:creationId xmlns:a16="http://schemas.microsoft.com/office/drawing/2014/main" id="{E795996F-3824-686B-7D84-C00EDADC5F8B}"/>
+                  </a:ext>
+                </a:extLst>
+              </p:cNvPr>
+              <p:cNvSpPr/>
+              <p:nvPr/>
+            </p:nvSpPr>
+            <p:spPr>
+              <a:xfrm>
+                <a:off x="6602963" y="1429537"/>
+                <a:ext cx="4341827" cy="935660"/>
+              </a:xfrm>
+              <a:prstGeom prst="roundRect">
+                <a:avLst>
+                  <a:gd name="adj" fmla="val 50000"/>
+                </a:avLst>
+              </a:prstGeom>
+            </p:spPr>
+            <p:style>
+              <a:lnRef idx="1">
+                <a:schemeClr val="accent5"/>
+              </a:lnRef>
+              <a:fillRef idx="2">
+                <a:schemeClr val="accent5"/>
+              </a:fillRef>
+              <a:effectRef idx="1">
+                <a:schemeClr val="accent5"/>
+              </a:effectRef>
+              <a:fontRef idx="minor">
+                <a:schemeClr val="dk1"/>
+              </a:fontRef>
+            </p:style>
+            <p:txBody>
+              <a:bodyPr rtlCol="0" anchor="ctr"/>
+              <a:lstStyle/>
+              <a:p>
+                <a:pPr algn="ctr"/>
+                <a14:m>
+                  <m:oMathPara xmlns:m="http://schemas.openxmlformats.org/officeDocument/2006/math">
+                    <m:oMathParaPr>
+                      <m:jc m:val="centerGroup"/>
+                    </m:oMathParaPr>
+                    <m:oMath xmlns:m="http://schemas.openxmlformats.org/officeDocument/2006/math">
+                      <m:nary>
+                        <m:naryPr>
+                          <m:chr m:val="∑"/>
+                          <m:limLoc m:val="subSup"/>
+                          <m:ctrlPr>
+                            <a:rPr lang="en-US" sz="1463" i="1">
+                              <a:solidFill>
+                                <a:schemeClr val="tx1">
+                                  <a:lumMod val="95000"/>
+                                  <a:lumOff val="5000"/>
+                                </a:schemeClr>
+                              </a:solidFill>
+                              <a:latin typeface="Cambria Math" panose="02040503050406030204" pitchFamily="18" charset="0"/>
+                            </a:rPr>
+                          </m:ctrlPr>
+                        </m:naryPr>
+                        <m:sub>
+                          <m:r>
+                            <m:rPr>
+                              <m:brk m:alnAt="25"/>
+                            </m:rPr>
+                            <a:rPr lang="en-US" sz="1463" i="1">
+                              <a:solidFill>
+                                <a:schemeClr val="tx1">
+                                  <a:lumMod val="95000"/>
+                                  <a:lumOff val="5000"/>
+                                </a:schemeClr>
+                              </a:solidFill>
+                              <a:latin typeface="Cambria Math" panose="02040503050406030204" pitchFamily="18" charset="0"/>
+                            </a:rPr>
+                            <m:t>𝑖</m:t>
+                          </m:r>
+                          <m:r>
+                            <a:rPr lang="en-US" sz="1463" i="1">
+                              <a:solidFill>
+                                <a:schemeClr val="tx1">
+                                  <a:lumMod val="95000"/>
+                                  <a:lumOff val="5000"/>
+                                </a:schemeClr>
+                              </a:solidFill>
+                              <a:latin typeface="Cambria Math" panose="02040503050406030204" pitchFamily="18" charset="0"/>
+                            </a:rPr>
+                            <m:t>=</m:t>
+                          </m:r>
+                          <m:r>
+                            <m:rPr>
+                              <m:brk m:alnAt="25"/>
+                            </m:rPr>
+                            <a:rPr lang="en-US" sz="1463" i="1">
+                              <a:solidFill>
+                                <a:schemeClr val="tx1">
+                                  <a:lumMod val="95000"/>
+                                  <a:lumOff val="5000"/>
+                                </a:schemeClr>
+                              </a:solidFill>
+                              <a:latin typeface="Cambria Math" panose="02040503050406030204" pitchFamily="18" charset="0"/>
+                            </a:rPr>
+                            <m:t>1</m:t>
+                          </m:r>
+                        </m:sub>
+                        <m:sup>
+                          <m:r>
+                            <a:rPr lang="en-US" sz="1463" i="1">
+                              <a:solidFill>
+                                <a:schemeClr val="tx1">
+                                  <a:lumMod val="95000"/>
+                                  <a:lumOff val="5000"/>
+                                </a:schemeClr>
+                              </a:solidFill>
+                              <a:latin typeface="Cambria Math" panose="02040503050406030204" pitchFamily="18" charset="0"/>
+                            </a:rPr>
+                            <m:t>𝐷</m:t>
+                          </m:r>
+                        </m:sup>
+                        <m:e>
+                          <m:sSup>
+                            <m:sSupPr>
+                              <m:ctrlPr>
+                                <a:rPr lang="en-US" sz="1463" i="1">
+                                  <a:solidFill>
+                                    <a:schemeClr val="tx1">
+                                      <a:lumMod val="95000"/>
+                                      <a:lumOff val="5000"/>
+                                    </a:schemeClr>
+                                  </a:solidFill>
+                                  <a:latin typeface="Cambria Math" panose="02040503050406030204" pitchFamily="18" charset="0"/>
+                                </a:rPr>
+                              </m:ctrlPr>
+                            </m:sSupPr>
+                            <m:e>
+                              <m:d>
+                                <m:dPr>
+                                  <m:ctrlPr>
+                                    <a:rPr lang="en-US" sz="1463" i="1">
+                                      <a:solidFill>
+                                        <a:schemeClr val="tx1">
+                                          <a:lumMod val="95000"/>
+                                          <a:lumOff val="5000"/>
+                                        </a:schemeClr>
+                                      </a:solidFill>
+                                      <a:latin typeface="Cambria Math" panose="02040503050406030204" pitchFamily="18" charset="0"/>
+                                    </a:rPr>
+                                  </m:ctrlPr>
+                                </m:dPr>
+                                <m:e>
+                                  <m:sSubSup>
+                                    <m:sSubSupPr>
+                                      <m:ctrlPr>
+                                        <a:rPr lang="en-US" sz="1463" i="1">
+                                          <a:solidFill>
+                                            <a:schemeClr val="tx1">
+                                              <a:lumMod val="95000"/>
+                                              <a:lumOff val="5000"/>
+                                            </a:schemeClr>
+                                          </a:solidFill>
+                                          <a:latin typeface="Cambria Math" panose="02040503050406030204" pitchFamily="18" charset="0"/>
+                                        </a:rPr>
+                                      </m:ctrlPr>
+                                    </m:sSubSupPr>
+                                    <m:e>
+                                      <m:r>
+                                        <a:rPr lang="en-US" sz="1463" i="1">
+                                          <a:solidFill>
+                                            <a:schemeClr val="tx1">
+                                              <a:lumMod val="95000"/>
+                                              <a:lumOff val="5000"/>
+                                            </a:schemeClr>
+                                          </a:solidFill>
+                                          <a:latin typeface="Cambria Math" panose="02040503050406030204" pitchFamily="18" charset="0"/>
+                                        </a:rPr>
+                                        <m:t>𝑥</m:t>
+                                      </m:r>
+                                    </m:e>
+                                    <m:sub>
+                                      <m:r>
+                                        <a:rPr lang="en-US" sz="1463" i="1">
+                                          <a:solidFill>
+                                            <a:schemeClr val="tx1">
+                                              <a:lumMod val="95000"/>
+                                              <a:lumOff val="5000"/>
+                                            </a:schemeClr>
+                                          </a:solidFill>
+                                          <a:latin typeface="Cambria Math" panose="02040503050406030204" pitchFamily="18" charset="0"/>
+                                        </a:rPr>
+                                        <m:t>𝑖</m:t>
+                                      </m:r>
+                                    </m:sub>
+                                    <m:sup>
+                                      <m:r>
+                                        <a:rPr lang="en-US" sz="1463" i="1">
+                                          <a:solidFill>
+                                            <a:schemeClr val="tx1">
+                                              <a:lumMod val="95000"/>
+                                              <a:lumOff val="5000"/>
+                                            </a:schemeClr>
+                                          </a:solidFill>
+                                          <a:latin typeface="Cambria Math" panose="02040503050406030204" pitchFamily="18" charset="0"/>
+                                        </a:rPr>
+                                        <m:t>2</m:t>
+                                      </m:r>
+                                    </m:sup>
+                                  </m:sSubSup>
+                                  <m:r>
+                                    <a:rPr lang="en-US" sz="1463" i="1">
+                                      <a:solidFill>
+                                        <a:schemeClr val="tx1">
+                                          <a:lumMod val="95000"/>
+                                          <a:lumOff val="5000"/>
+                                        </a:schemeClr>
+                                      </a:solidFill>
+                                      <a:latin typeface="Cambria Math" panose="02040503050406030204" pitchFamily="18" charset="0"/>
+                                    </a:rPr>
+                                    <m:t>+</m:t>
+                                  </m:r>
+                                  <m:sSubSup>
+                                    <m:sSubSupPr>
+                                      <m:ctrlPr>
+                                        <a:rPr lang="en-US" sz="1463" i="1">
+                                          <a:solidFill>
+                                            <a:schemeClr val="tx1">
+                                              <a:lumMod val="95000"/>
+                                              <a:lumOff val="5000"/>
+                                            </a:schemeClr>
+                                          </a:solidFill>
+                                          <a:latin typeface="Cambria Math" panose="02040503050406030204" pitchFamily="18" charset="0"/>
+                                        </a:rPr>
+                                      </m:ctrlPr>
+                                    </m:sSubSupPr>
+                                    <m:e>
+                                      <m:r>
+                                        <a:rPr lang="en-US" sz="1463" i="1">
+                                          <a:solidFill>
+                                            <a:schemeClr val="tx1">
+                                              <a:lumMod val="95000"/>
+                                              <a:lumOff val="5000"/>
+                                            </a:schemeClr>
+                                          </a:solidFill>
+                                          <a:latin typeface="Cambria Math" panose="02040503050406030204" pitchFamily="18" charset="0"/>
+                                        </a:rPr>
+                                        <m:t>𝑥</m:t>
+                                      </m:r>
+                                    </m:e>
+                                    <m:sub>
+                                      <m:r>
+                                        <a:rPr lang="en-US" sz="1463" i="1">
+                                          <a:solidFill>
+                                            <a:schemeClr val="tx1">
+                                              <a:lumMod val="95000"/>
+                                              <a:lumOff val="5000"/>
+                                            </a:schemeClr>
+                                          </a:solidFill>
+                                          <a:latin typeface="Cambria Math" panose="02040503050406030204" pitchFamily="18" charset="0"/>
+                                        </a:rPr>
+                                        <m:t>𝑖</m:t>
+                                      </m:r>
+                                      <m:r>
+                                        <a:rPr lang="en-US" sz="1463" i="1">
+                                          <a:solidFill>
+                                            <a:schemeClr val="tx1">
+                                              <a:lumMod val="95000"/>
+                                              <a:lumOff val="5000"/>
+                                            </a:schemeClr>
+                                          </a:solidFill>
+                                          <a:latin typeface="Cambria Math" panose="02040503050406030204" pitchFamily="18" charset="0"/>
+                                        </a:rPr>
+                                        <m:t>+</m:t>
+                                      </m:r>
+                                      <m:r>
+                                        <a:rPr lang="en-US" sz="1463" i="1">
+                                          <a:solidFill>
+                                            <a:schemeClr val="tx1">
+                                              <a:lumMod val="95000"/>
+                                              <a:lumOff val="5000"/>
+                                            </a:schemeClr>
+                                          </a:solidFill>
+                                          <a:latin typeface="Cambria Math" panose="02040503050406030204" pitchFamily="18" charset="0"/>
+                                        </a:rPr>
+                                        <m:t>1</m:t>
+                                      </m:r>
+                                    </m:sub>
+                                    <m:sup>
+                                      <m:r>
+                                        <a:rPr lang="en-US" sz="1463" i="1">
+                                          <a:solidFill>
+                                            <a:schemeClr val="tx1">
+                                              <a:lumMod val="95000"/>
+                                              <a:lumOff val="5000"/>
+                                            </a:schemeClr>
+                                          </a:solidFill>
+                                          <a:latin typeface="Cambria Math" panose="02040503050406030204" pitchFamily="18" charset="0"/>
+                                        </a:rPr>
+                                        <m:t>2</m:t>
+                                      </m:r>
+                                    </m:sup>
+                                  </m:sSubSup>
+                                </m:e>
+                              </m:d>
+                            </m:e>
+                            <m:sup>
+                              <m:r>
+                                <a:rPr lang="en-US" sz="1463" i="1">
+                                  <a:solidFill>
+                                    <a:schemeClr val="tx1">
+                                      <a:lumMod val="95000"/>
+                                      <a:lumOff val="5000"/>
+                                    </a:schemeClr>
+                                  </a:solidFill>
+                                  <a:latin typeface="Cambria Math" panose="02040503050406030204" pitchFamily="18" charset="0"/>
+                                </a:rPr>
+                                <m:t>0</m:t>
+                              </m:r>
+                              <m:r>
+                                <a:rPr lang="en-US" sz="1463" i="1">
+                                  <a:solidFill>
+                                    <a:schemeClr val="tx1">
+                                      <a:lumMod val="95000"/>
+                                      <a:lumOff val="5000"/>
+                                    </a:schemeClr>
+                                  </a:solidFill>
+                                  <a:latin typeface="Cambria Math" panose="02040503050406030204" pitchFamily="18" charset="0"/>
+                                </a:rPr>
+                                <m:t>.</m:t>
+                              </m:r>
+                              <m:r>
+                                <a:rPr lang="en-US" sz="1463" i="1">
+                                  <a:solidFill>
+                                    <a:schemeClr val="tx1">
+                                      <a:lumMod val="95000"/>
+                                      <a:lumOff val="5000"/>
+                                    </a:schemeClr>
+                                  </a:solidFill>
+                                  <a:latin typeface="Cambria Math" panose="02040503050406030204" pitchFamily="18" charset="0"/>
+                                </a:rPr>
+                                <m:t>25</m:t>
+                              </m:r>
+                            </m:sup>
+                          </m:sSup>
+                          <m:r>
+                            <a:rPr lang="en-US" sz="1463" i="1">
+                              <a:solidFill>
+                                <a:schemeClr val="tx1">
+                                  <a:lumMod val="95000"/>
+                                  <a:lumOff val="5000"/>
+                                </a:schemeClr>
+                              </a:solidFill>
+                              <a:latin typeface="Cambria Math" panose="02040503050406030204" pitchFamily="18" charset="0"/>
+                            </a:rPr>
+                            <m:t>(</m:t>
+                          </m:r>
+                          <m:r>
+                            <m:rPr>
+                              <m:sty m:val="p"/>
+                            </m:rPr>
+                            <a:rPr lang="en-US" sz="1463">
+                              <a:solidFill>
+                                <a:schemeClr val="tx1">
+                                  <a:lumMod val="95000"/>
+                                  <a:lumOff val="5000"/>
+                                </a:schemeClr>
+                              </a:solidFill>
+                              <a:latin typeface="Cambria Math" panose="02040503050406030204" pitchFamily="18" charset="0"/>
+                            </a:rPr>
+                            <m:t>sin</m:t>
+                          </m:r>
+                          <m:r>
+                            <a:rPr lang="en-US" sz="1463" i="1">
+                              <a:solidFill>
+                                <a:schemeClr val="tx1">
+                                  <a:lumMod val="95000"/>
+                                  <a:lumOff val="5000"/>
+                                </a:schemeClr>
+                              </a:solidFill>
+                              <a:latin typeface="Cambria Math" panose="02040503050406030204" pitchFamily="18" charset="0"/>
+                            </a:rPr>
+                            <m:t>⁡(</m:t>
+                          </m:r>
+                          <m:r>
+                            <a:rPr lang="en-US" sz="1463" i="1">
+                              <a:solidFill>
+                                <a:schemeClr val="tx1">
+                                  <a:lumMod val="95000"/>
+                                  <a:lumOff val="5000"/>
+                                </a:schemeClr>
+                              </a:solidFill>
+                              <a:latin typeface="Cambria Math" panose="02040503050406030204" pitchFamily="18" charset="0"/>
+                            </a:rPr>
+                            <m:t>50</m:t>
+                          </m:r>
+                          <m:sSup>
+                            <m:sSupPr>
+                              <m:ctrlPr>
+                                <a:rPr lang="en-US" sz="1463" i="1">
+                                  <a:solidFill>
+                                    <a:schemeClr val="tx1">
+                                      <a:lumMod val="95000"/>
+                                      <a:lumOff val="5000"/>
+                                    </a:schemeClr>
+                                  </a:solidFill>
+                                  <a:latin typeface="Cambria Math" panose="02040503050406030204" pitchFamily="18" charset="0"/>
+                                </a:rPr>
+                              </m:ctrlPr>
+                            </m:sSupPr>
+                            <m:e>
+                              <m:r>
+                                <a:rPr lang="en-US" sz="1463" i="1">
+                                  <a:solidFill>
+                                    <a:schemeClr val="tx1">
+                                      <a:lumMod val="95000"/>
+                                      <a:lumOff val="5000"/>
+                                    </a:schemeClr>
+                                  </a:solidFill>
+                                  <a:latin typeface="Cambria Math" panose="02040503050406030204" pitchFamily="18" charset="0"/>
+                                </a:rPr>
+                                <m:t>(</m:t>
+                              </m:r>
+                              <m:sSubSup>
+                                <m:sSubSupPr>
+                                  <m:ctrlPr>
+                                    <a:rPr lang="en-US" sz="1463" i="1">
+                                      <a:solidFill>
+                                        <a:schemeClr val="tx1">
+                                          <a:lumMod val="95000"/>
+                                          <a:lumOff val="5000"/>
+                                        </a:schemeClr>
+                                      </a:solidFill>
+                                      <a:latin typeface="Cambria Math" panose="02040503050406030204" pitchFamily="18" charset="0"/>
+                                    </a:rPr>
+                                  </m:ctrlPr>
+                                </m:sSubSupPr>
+                                <m:e>
+                                  <m:r>
+                                    <a:rPr lang="en-US" sz="1463" i="1">
+                                      <a:solidFill>
+                                        <a:schemeClr val="tx1">
+                                          <a:lumMod val="95000"/>
+                                          <a:lumOff val="5000"/>
+                                        </a:schemeClr>
+                                      </a:solidFill>
+                                      <a:latin typeface="Cambria Math" panose="02040503050406030204" pitchFamily="18" charset="0"/>
+                                    </a:rPr>
+                                    <m:t>𝑥</m:t>
+                                  </m:r>
+                                </m:e>
+                                <m:sub>
+                                  <m:r>
+                                    <a:rPr lang="en-US" sz="1463" i="1">
+                                      <a:solidFill>
+                                        <a:schemeClr val="tx1">
+                                          <a:lumMod val="95000"/>
+                                          <a:lumOff val="5000"/>
+                                        </a:schemeClr>
+                                      </a:solidFill>
+                                      <a:latin typeface="Cambria Math" panose="02040503050406030204" pitchFamily="18" charset="0"/>
+                                    </a:rPr>
+                                    <m:t>𝑖</m:t>
+                                  </m:r>
+                                </m:sub>
+                                <m:sup>
+                                  <m:r>
+                                    <a:rPr lang="en-US" sz="1463" i="1">
+                                      <a:solidFill>
+                                        <a:schemeClr val="tx1">
+                                          <a:lumMod val="95000"/>
+                                          <a:lumOff val="5000"/>
+                                        </a:schemeClr>
+                                      </a:solidFill>
+                                      <a:latin typeface="Cambria Math" panose="02040503050406030204" pitchFamily="18" charset="0"/>
+                                    </a:rPr>
+                                    <m:t>2</m:t>
+                                  </m:r>
+                                </m:sup>
+                              </m:sSubSup>
+                              <m:r>
+                                <a:rPr lang="en-US" sz="1463" i="1">
+                                  <a:solidFill>
+                                    <a:schemeClr val="tx1">
+                                      <a:lumMod val="95000"/>
+                                      <a:lumOff val="5000"/>
+                                    </a:schemeClr>
+                                  </a:solidFill>
+                                  <a:latin typeface="Cambria Math" panose="02040503050406030204" pitchFamily="18" charset="0"/>
+                                </a:rPr>
+                                <m:t>+</m:t>
+                              </m:r>
+                              <m:sSubSup>
+                                <m:sSubSupPr>
+                                  <m:ctrlPr>
+                                    <a:rPr lang="en-US" sz="1463" i="1">
+                                      <a:solidFill>
+                                        <a:schemeClr val="tx1">
+                                          <a:lumMod val="95000"/>
+                                          <a:lumOff val="5000"/>
+                                        </a:schemeClr>
+                                      </a:solidFill>
+                                      <a:latin typeface="Cambria Math" panose="02040503050406030204" pitchFamily="18" charset="0"/>
+                                    </a:rPr>
+                                  </m:ctrlPr>
+                                </m:sSubSupPr>
+                                <m:e>
+                                  <m:r>
+                                    <a:rPr lang="en-US" sz="1463" i="1">
+                                      <a:solidFill>
+                                        <a:schemeClr val="tx1">
+                                          <a:lumMod val="95000"/>
+                                          <a:lumOff val="5000"/>
+                                        </a:schemeClr>
+                                      </a:solidFill>
+                                      <a:latin typeface="Cambria Math" panose="02040503050406030204" pitchFamily="18" charset="0"/>
+                                    </a:rPr>
+                                    <m:t>𝑥</m:t>
+                                  </m:r>
+                                </m:e>
+                                <m:sub>
+                                  <m:r>
+                                    <a:rPr lang="en-US" sz="1463" i="1">
+                                      <a:solidFill>
+                                        <a:schemeClr val="tx1">
+                                          <a:lumMod val="95000"/>
+                                          <a:lumOff val="5000"/>
+                                        </a:schemeClr>
+                                      </a:solidFill>
+                                      <a:latin typeface="Cambria Math" panose="02040503050406030204" pitchFamily="18" charset="0"/>
+                                    </a:rPr>
+                                    <m:t>𝑖</m:t>
+                                  </m:r>
+                                  <m:r>
+                                    <a:rPr lang="en-US" sz="1463" i="1">
+                                      <a:solidFill>
+                                        <a:schemeClr val="tx1">
+                                          <a:lumMod val="95000"/>
+                                          <a:lumOff val="5000"/>
+                                        </a:schemeClr>
+                                      </a:solidFill>
+                                      <a:latin typeface="Cambria Math" panose="02040503050406030204" pitchFamily="18" charset="0"/>
+                                    </a:rPr>
+                                    <m:t>+</m:t>
+                                  </m:r>
+                                  <m:r>
+                                    <a:rPr lang="en-US" sz="1463" i="1">
+                                      <a:solidFill>
+                                        <a:schemeClr val="tx1">
+                                          <a:lumMod val="95000"/>
+                                          <a:lumOff val="5000"/>
+                                        </a:schemeClr>
+                                      </a:solidFill>
+                                      <a:latin typeface="Cambria Math" panose="02040503050406030204" pitchFamily="18" charset="0"/>
+                                    </a:rPr>
+                                    <m:t>1</m:t>
+                                  </m:r>
+                                </m:sub>
+                                <m:sup>
+                                  <m:r>
+                                    <a:rPr lang="en-US" sz="1463" i="1">
+                                      <a:solidFill>
+                                        <a:schemeClr val="tx1">
+                                          <a:lumMod val="95000"/>
+                                          <a:lumOff val="5000"/>
+                                        </a:schemeClr>
+                                      </a:solidFill>
+                                      <a:latin typeface="Cambria Math" panose="02040503050406030204" pitchFamily="18" charset="0"/>
+                                    </a:rPr>
+                                    <m:t>2</m:t>
+                                  </m:r>
+                                </m:sup>
+                              </m:sSubSup>
+                              <m:r>
+                                <a:rPr lang="en-US" sz="1463" i="1">
+                                  <a:solidFill>
+                                    <a:schemeClr val="tx1">
+                                      <a:lumMod val="95000"/>
+                                      <a:lumOff val="5000"/>
+                                    </a:schemeClr>
+                                  </a:solidFill>
+                                  <a:latin typeface="Cambria Math" panose="02040503050406030204" pitchFamily="18" charset="0"/>
+                                </a:rPr>
+                                <m:t>)</m:t>
+                              </m:r>
+                            </m:e>
+                            <m:sup>
+                              <m:r>
+                                <a:rPr lang="en-US" sz="1463" i="1">
+                                  <a:solidFill>
+                                    <a:schemeClr val="tx1">
+                                      <a:lumMod val="95000"/>
+                                      <a:lumOff val="5000"/>
+                                    </a:schemeClr>
+                                  </a:solidFill>
+                                  <a:latin typeface="Cambria Math" panose="02040503050406030204" pitchFamily="18" charset="0"/>
+                                </a:rPr>
+                                <m:t>0</m:t>
+                              </m:r>
+                              <m:r>
+                                <a:rPr lang="en-US" sz="1463" i="1">
+                                  <a:solidFill>
+                                    <a:schemeClr val="tx1">
+                                      <a:lumMod val="95000"/>
+                                      <a:lumOff val="5000"/>
+                                    </a:schemeClr>
+                                  </a:solidFill>
+                                  <a:latin typeface="Cambria Math" panose="02040503050406030204" pitchFamily="18" charset="0"/>
+                                </a:rPr>
+                                <m:t>.</m:t>
+                              </m:r>
+                              <m:r>
+                                <a:rPr lang="en-US" sz="1463" i="1">
+                                  <a:solidFill>
+                                    <a:schemeClr val="tx1">
+                                      <a:lumMod val="95000"/>
+                                      <a:lumOff val="5000"/>
+                                    </a:schemeClr>
+                                  </a:solidFill>
+                                  <a:latin typeface="Cambria Math" panose="02040503050406030204" pitchFamily="18" charset="0"/>
+                                </a:rPr>
+                                <m:t>1</m:t>
+                              </m:r>
+                            </m:sup>
+                          </m:sSup>
+                          <m:r>
+                            <a:rPr lang="en-US" sz="1463" i="1">
+                              <a:solidFill>
+                                <a:schemeClr val="tx1">
+                                  <a:lumMod val="95000"/>
+                                  <a:lumOff val="5000"/>
+                                </a:schemeClr>
+                              </a:solidFill>
+                              <a:latin typeface="Cambria Math" panose="02040503050406030204" pitchFamily="18" charset="0"/>
+                            </a:rPr>
+                            <m:t>)+</m:t>
+                          </m:r>
+                          <m:r>
+                            <a:rPr lang="en-US" sz="1463" i="1">
+                              <a:solidFill>
+                                <a:schemeClr val="tx1">
+                                  <a:lumMod val="95000"/>
+                                  <a:lumOff val="5000"/>
+                                </a:schemeClr>
+                              </a:solidFill>
+                              <a:latin typeface="Cambria Math" panose="02040503050406030204" pitchFamily="18" charset="0"/>
+                            </a:rPr>
+                            <m:t>1</m:t>
+                          </m:r>
+                          <m:r>
+                            <a:rPr lang="en-US" sz="1463" i="1">
+                              <a:solidFill>
+                                <a:schemeClr val="tx1">
+                                  <a:lumMod val="95000"/>
+                                  <a:lumOff val="5000"/>
+                                </a:schemeClr>
+                              </a:solidFill>
+                              <a:latin typeface="Cambria Math" panose="02040503050406030204" pitchFamily="18" charset="0"/>
+                            </a:rPr>
+                            <m:t>)</m:t>
+                          </m:r>
+                        </m:e>
+                      </m:nary>
+                    </m:oMath>
+                  </m:oMathPara>
+                </a14:m>
+                <a:endParaRPr lang="en-US" sz="1463" dirty="0">
+                  <a:solidFill>
+                    <a:schemeClr val="bg1">
+                      <a:lumMod val="95000"/>
+                      <a:lumOff val="5000"/>
+                    </a:schemeClr>
+                  </a:solidFill>
+                </a:endParaRPr>
+              </a:p>
+            </p:txBody>
+          </p:sp>
+        </mc:Choice>
+        <mc:Fallback>
+          <p:sp>
+            <p:nvSpPr>
+              <p:cNvPr id="6" name="สี่เหลี่ยมผืนผ้า: มุมมน 13">
+                <a:extLst>
+                  <a:ext uri="{FF2B5EF4-FFF2-40B4-BE49-F238E27FC236}">
+                    <a16:creationId xmlns:a16="http://schemas.microsoft.com/office/drawing/2014/main" id="{E795996F-3824-686B-7D84-C00EDADC5F8B}"/>
+                  </a:ext>
+                </a:extLst>
+              </p:cNvPr>
+              <p:cNvSpPr>
+                <a:spLocks noRot="1" noChangeAspect="1" noMove="1" noResize="1" noEditPoints="1" noAdjustHandles="1" noChangeArrowheads="1" noChangeShapeType="1" noTextEdit="1"/>
+              </p:cNvSpPr>
+              <p:nvPr/>
+            </p:nvSpPr>
+            <p:spPr>
+              <a:xfrm>
+                <a:off x="6602963" y="1429537"/>
+                <a:ext cx="4341827" cy="935660"/>
+              </a:xfrm>
+              <a:prstGeom prst="roundRect">
+                <a:avLst>
+                  <a:gd name="adj" fmla="val 50000"/>
+                </a:avLst>
+              </a:prstGeom>
+              <a:blipFill>
+                <a:blip r:embed="rId4"/>
+                <a:stretch>
+                  <a:fillRect l="-10504" t="-58065" b="-100000"/>
+                </a:stretch>
+              </a:blipFill>
+            </p:spPr>
+            <p:txBody>
+              <a:bodyPr/>
+              <a:lstStyle/>
+              <a:p>
+                <a:r>
+                  <a:rPr lang="en-US">
+                    <a:noFill/>
+                  </a:rPr>
+                  <a:t> </a:t>
+                </a:r>
+              </a:p>
+            </p:txBody>
+          </p:sp>
+        </mc:Fallback>
+      </mc:AlternateContent>
+      <p:sp>
+        <p:nvSpPr>
+          <p:cNvPr id="7" name="สี่เหลี่ยมผืนผ้า: มุมมน 14">
+            <a:extLst>
+              <a:ext uri="{FF2B5EF4-FFF2-40B4-BE49-F238E27FC236}">
+                <a16:creationId xmlns:a16="http://schemas.microsoft.com/office/drawing/2014/main" id="{0BC361EA-D2B1-B7AE-6DE1-3B6CFB72B408}"/>
+              </a:ext>
+            </a:extLst>
+          </p:cNvPr>
+          <p:cNvSpPr/>
+          <p:nvPr/>
+        </p:nvSpPr>
+        <p:spPr>
+          <a:xfrm>
+            <a:off x="6602963" y="794019"/>
+            <a:ext cx="2092529" cy="408963"/>
+          </a:xfrm>
+          <a:prstGeom prst="roundRect">
+            <a:avLst>
+              <a:gd name="adj" fmla="val 50000"/>
+            </a:avLst>
+          </a:prstGeom>
+        </p:spPr>
+        <p:style>
+          <a:lnRef idx="1">
+            <a:schemeClr val="accent5"/>
+          </a:lnRef>
+          <a:fillRef idx="2">
+            <a:schemeClr val="accent5"/>
+          </a:fillRef>
+          <a:effectRef idx="1">
+            <a:schemeClr val="accent5"/>
+          </a:effectRef>
+          <a:fontRef idx="minor">
+            <a:schemeClr val="dk1"/>
+          </a:fontRef>
+        </p:style>
+        <p:txBody>
+          <a:bodyPr rtlCol="0" anchor="ctr"/>
+          <a:lstStyle/>
+          <a:p>
+            <a:pPr algn="ctr"/>
+            <a:r>
+              <a:rPr lang="en-US" sz="1788" dirty="0">
+                <a:solidFill>
+                  <a:schemeClr val="tx1">
+                    <a:lumMod val="95000"/>
+                    <a:lumOff val="5000"/>
+                  </a:schemeClr>
+                </a:solidFill>
+                <a:latin typeface="DB Ozone X" panose="02000506090000020004" pitchFamily="2" charset="-34"/>
+                <a:cs typeface="DB Ozone X" panose="02000506090000020004" pitchFamily="2" charset="-34"/>
+              </a:rPr>
+              <a:t>Scaffer2</a:t>
+            </a:r>
+          </a:p>
+        </p:txBody>
+      </p:sp>
+      <p:sp>
+        <p:nvSpPr>
+          <p:cNvPr id="8" name="สี่เหลี่ยมผืนผ้า: มุมมน 11">
+            <a:extLst>
+              <a:ext uri="{FF2B5EF4-FFF2-40B4-BE49-F238E27FC236}">
+                <a16:creationId xmlns:a16="http://schemas.microsoft.com/office/drawing/2014/main" id="{3E613D82-7505-E7F3-6584-597CCBAE6E4D}"/>
+              </a:ext>
+            </a:extLst>
+          </p:cNvPr>
+          <p:cNvSpPr/>
+          <p:nvPr/>
+        </p:nvSpPr>
+        <p:spPr>
+          <a:xfrm>
+            <a:off x="6602963" y="2866424"/>
+            <a:ext cx="2092529" cy="408963"/>
+          </a:xfrm>
+          <a:prstGeom prst="roundRect">
+            <a:avLst>
+              <a:gd name="adj" fmla="val 50000"/>
+            </a:avLst>
+          </a:prstGeom>
+        </p:spPr>
+        <p:style>
+          <a:lnRef idx="1">
+            <a:schemeClr val="accent5"/>
+          </a:lnRef>
+          <a:fillRef idx="2">
+            <a:schemeClr val="accent5"/>
+          </a:fillRef>
+          <a:effectRef idx="1">
+            <a:schemeClr val="accent5"/>
+          </a:effectRef>
+          <a:fontRef idx="minor">
+            <a:schemeClr val="dk1"/>
+          </a:fontRef>
+        </p:style>
+        <p:txBody>
+          <a:bodyPr rtlCol="0" anchor="ctr"/>
+          <a:lstStyle/>
+          <a:p>
+            <a:pPr algn="ctr"/>
+            <a:r>
+              <a:rPr lang="en-US" sz="1788" dirty="0" err="1">
+                <a:solidFill>
+                  <a:schemeClr val="tx1">
+                    <a:lumMod val="95000"/>
+                    <a:lumOff val="5000"/>
+                  </a:schemeClr>
+                </a:solidFill>
+                <a:latin typeface="DB Ozone X" panose="02000506090000020004" pitchFamily="2" charset="-34"/>
+                <a:cs typeface="DB Ozone X" panose="02000506090000020004" pitchFamily="2" charset="-34"/>
+              </a:rPr>
+              <a:t>Scaffer</a:t>
+            </a:r>
+            <a:r>
+              <a:rPr lang="en-US" sz="1788" dirty="0">
+                <a:solidFill>
+                  <a:schemeClr val="tx1">
+                    <a:lumMod val="95000"/>
+                    <a:lumOff val="5000"/>
+                  </a:schemeClr>
+                </a:solidFill>
+                <a:latin typeface="DB Ozone X" panose="02000506090000020004" pitchFamily="2" charset="-34"/>
+                <a:cs typeface="DB Ozone X" panose="02000506090000020004" pitchFamily="2" charset="-34"/>
+              </a:rPr>
+              <a:t> F6</a:t>
+            </a:r>
+          </a:p>
+        </p:txBody>
+      </p:sp>
+      <mc:AlternateContent xmlns:mc="http://schemas.openxmlformats.org/markup-compatibility/2006">
+        <mc:Choice xmlns:a14="http://schemas.microsoft.com/office/drawing/2010/main" Requires="a14">
+          <p:sp>
+            <p:nvSpPr>
+              <p:cNvPr id="9" name="สี่เหลี่ยมผืนผ้า: มุมมน 13">
+                <a:extLst>
+                  <a:ext uri="{FF2B5EF4-FFF2-40B4-BE49-F238E27FC236}">
+                    <a16:creationId xmlns:a16="http://schemas.microsoft.com/office/drawing/2014/main" id="{CE5EB154-0533-AC2D-C7DE-13E34D7193A1}"/>
+                  </a:ext>
+                </a:extLst>
+              </p:cNvPr>
+              <p:cNvSpPr/>
+              <p:nvPr/>
+            </p:nvSpPr>
+            <p:spPr>
+              <a:xfrm>
+                <a:off x="6602963" y="3628144"/>
+                <a:ext cx="5514392" cy="935660"/>
+              </a:xfrm>
+              <a:prstGeom prst="roundRect">
+                <a:avLst>
+                  <a:gd name="adj" fmla="val 50000"/>
+                </a:avLst>
+              </a:prstGeom>
+            </p:spPr>
+            <p:style>
+              <a:lnRef idx="1">
+                <a:schemeClr val="accent5"/>
+              </a:lnRef>
+              <a:fillRef idx="2">
+                <a:schemeClr val="accent5"/>
+              </a:fillRef>
+              <a:effectRef idx="1">
+                <a:schemeClr val="accent5"/>
+              </a:effectRef>
+              <a:fontRef idx="minor">
+                <a:schemeClr val="dk1"/>
+              </a:fontRef>
+            </p:style>
+            <p:txBody>
+              <a:bodyPr rtlCol="0" anchor="ctr"/>
+              <a:lstStyle/>
+              <a:p>
+                <a:pPr algn="ctr"/>
+                <a14:m>
+                  <m:oMathPara xmlns:m="http://schemas.openxmlformats.org/officeDocument/2006/math">
+                    <m:oMathParaPr>
+                      <m:jc m:val="centerGroup"/>
+                    </m:oMathParaPr>
+                    <m:oMath xmlns:m="http://schemas.openxmlformats.org/officeDocument/2006/math">
+                      <m:nary>
+                        <m:naryPr>
+                          <m:chr m:val="∑"/>
+                          <m:limLoc m:val="subSup"/>
+                          <m:ctrlPr>
+                            <a:rPr lang="en-US" sz="1463" i="1" smtClean="0">
+                              <a:solidFill>
+                                <a:schemeClr val="tx1">
+                                  <a:lumMod val="95000"/>
+                                  <a:lumOff val="5000"/>
+                                </a:schemeClr>
+                              </a:solidFill>
+                              <a:latin typeface="Cambria Math" panose="02040503050406030204" pitchFamily="18" charset="0"/>
+                            </a:rPr>
+                          </m:ctrlPr>
+                        </m:naryPr>
+                        <m:sub>
+                          <m:r>
+                            <m:rPr>
+                              <m:brk m:alnAt="25"/>
+                            </m:rPr>
+                            <a:rPr lang="en-US" sz="1463" i="1">
+                              <a:solidFill>
+                                <a:schemeClr val="tx1">
+                                  <a:lumMod val="95000"/>
+                                  <a:lumOff val="5000"/>
+                                </a:schemeClr>
+                              </a:solidFill>
+                              <a:latin typeface="Cambria Math" panose="02040503050406030204" pitchFamily="18" charset="0"/>
+                            </a:rPr>
+                            <m:t>𝑖</m:t>
+                          </m:r>
+                          <m:r>
+                            <a:rPr lang="en-US" sz="1463" i="1">
+                              <a:solidFill>
+                                <a:schemeClr val="tx1">
+                                  <a:lumMod val="95000"/>
+                                  <a:lumOff val="5000"/>
+                                </a:schemeClr>
+                              </a:solidFill>
+                              <a:latin typeface="Cambria Math" panose="02040503050406030204" pitchFamily="18" charset="0"/>
+                            </a:rPr>
+                            <m:t>=</m:t>
+                          </m:r>
+                          <m:r>
+                            <m:rPr>
+                              <m:brk m:alnAt="25"/>
+                            </m:rPr>
+                            <a:rPr lang="en-US" sz="1463" i="1">
+                              <a:solidFill>
+                                <a:schemeClr val="tx1">
+                                  <a:lumMod val="95000"/>
+                                  <a:lumOff val="5000"/>
+                                </a:schemeClr>
+                              </a:solidFill>
+                              <a:latin typeface="Cambria Math" panose="02040503050406030204" pitchFamily="18" charset="0"/>
+                            </a:rPr>
+                            <m:t>1</m:t>
+                          </m:r>
+                        </m:sub>
+                        <m:sup>
+                          <m:r>
+                            <a:rPr lang="en-US" sz="1463" i="1">
+                              <a:solidFill>
+                                <a:schemeClr val="tx1">
+                                  <a:lumMod val="95000"/>
+                                  <a:lumOff val="5000"/>
+                                </a:schemeClr>
+                              </a:solidFill>
+                              <a:latin typeface="Cambria Math" panose="02040503050406030204" pitchFamily="18" charset="0"/>
+                            </a:rPr>
+                            <m:t>𝐷</m:t>
+                          </m:r>
+                        </m:sup>
+                        <m:e>
+                          <m:r>
+                            <a:rPr lang="en-US" sz="1463" b="0" i="1" smtClean="0">
+                              <a:solidFill>
+                                <a:schemeClr val="tx1">
+                                  <a:lumMod val="95000"/>
+                                  <a:lumOff val="5000"/>
+                                </a:schemeClr>
+                              </a:solidFill>
+                              <a:latin typeface="Cambria Math" panose="02040503050406030204" pitchFamily="18" charset="0"/>
+                            </a:rPr>
+                            <m:t>(</m:t>
+                          </m:r>
+                          <m:sSup>
+                            <m:sSupPr>
+                              <m:ctrlPr>
+                                <a:rPr lang="en-US" sz="1463" b="0" i="1" smtClean="0">
+                                  <a:solidFill>
+                                    <a:schemeClr val="tx1">
+                                      <a:lumMod val="95000"/>
+                                      <a:lumOff val="5000"/>
+                                    </a:schemeClr>
+                                  </a:solidFill>
+                                  <a:latin typeface="Cambria Math" panose="02040503050406030204" pitchFamily="18" charset="0"/>
+                                </a:rPr>
+                              </m:ctrlPr>
+                            </m:sSupPr>
+                            <m:e>
+                              <m:d>
+                                <m:dPr>
+                                  <m:ctrlPr>
+                                    <a:rPr lang="en-US" sz="1463" b="0" i="1" smtClean="0">
+                                      <a:solidFill>
+                                        <a:schemeClr val="tx1">
+                                          <a:lumMod val="95000"/>
+                                          <a:lumOff val="5000"/>
+                                        </a:schemeClr>
+                                      </a:solidFill>
+                                      <a:latin typeface="Cambria Math" panose="02040503050406030204" pitchFamily="18" charset="0"/>
+                                    </a:rPr>
+                                  </m:ctrlPr>
+                                </m:dPr>
+                                <m:e>
+                                  <m:r>
+                                    <a:rPr lang="en-US" sz="1463" b="0" i="1" smtClean="0">
+                                      <a:solidFill>
+                                        <a:schemeClr val="tx1">
+                                          <a:lumMod val="95000"/>
+                                          <a:lumOff val="5000"/>
+                                        </a:schemeClr>
+                                      </a:solidFill>
+                                      <a:latin typeface="Cambria Math" panose="02040503050406030204" pitchFamily="18" charset="0"/>
+                                    </a:rPr>
+                                    <m:t>0</m:t>
+                                  </m:r>
+                                  <m:r>
+                                    <a:rPr lang="en-US" sz="1463" b="0" i="1" smtClean="0">
+                                      <a:solidFill>
+                                        <a:schemeClr val="tx1">
+                                          <a:lumMod val="95000"/>
+                                          <a:lumOff val="5000"/>
+                                        </a:schemeClr>
+                                      </a:solidFill>
+                                      <a:latin typeface="Cambria Math" panose="02040503050406030204" pitchFamily="18" charset="0"/>
+                                    </a:rPr>
+                                    <m:t>.</m:t>
+                                  </m:r>
+                                  <m:r>
+                                    <a:rPr lang="en-US" sz="1463" b="0" i="1" smtClean="0">
+                                      <a:solidFill>
+                                        <a:schemeClr val="tx1">
+                                          <a:lumMod val="95000"/>
+                                          <a:lumOff val="5000"/>
+                                        </a:schemeClr>
+                                      </a:solidFill>
+                                      <a:latin typeface="Cambria Math" panose="02040503050406030204" pitchFamily="18" charset="0"/>
+                                    </a:rPr>
+                                    <m:t>5</m:t>
+                                  </m:r>
+                                  <m:r>
+                                    <a:rPr lang="en-US" sz="1463" b="0" i="1" smtClean="0">
+                                      <a:solidFill>
+                                        <a:schemeClr val="tx1">
+                                          <a:lumMod val="95000"/>
+                                          <a:lumOff val="5000"/>
+                                        </a:schemeClr>
+                                      </a:solidFill>
+                                      <a:latin typeface="Cambria Math" panose="02040503050406030204" pitchFamily="18" charset="0"/>
+                                    </a:rPr>
+                                    <m:t>+</m:t>
+                                  </m:r>
+                                  <m:rad>
+                                    <m:radPr>
+                                      <m:degHide m:val="on"/>
+                                      <m:ctrlPr>
+                                        <a:rPr lang="en-US" sz="1463" b="0" i="1" smtClean="0">
+                                          <a:solidFill>
+                                            <a:schemeClr val="tx1">
+                                              <a:lumMod val="95000"/>
+                                              <a:lumOff val="5000"/>
+                                            </a:schemeClr>
+                                          </a:solidFill>
+                                          <a:latin typeface="Cambria Math" panose="02040503050406030204" pitchFamily="18" charset="0"/>
+                                        </a:rPr>
+                                      </m:ctrlPr>
+                                    </m:radPr>
+                                    <m:deg/>
+                                    <m:e>
+                                      <m:sSubSup>
+                                        <m:sSubSupPr>
+                                          <m:ctrlPr>
+                                            <a:rPr lang="en-US" sz="1463" i="1">
+                                              <a:solidFill>
+                                                <a:schemeClr val="tx1">
+                                                  <a:lumMod val="95000"/>
+                                                  <a:lumOff val="5000"/>
+                                                </a:schemeClr>
+                                              </a:solidFill>
+                                              <a:latin typeface="Cambria Math" panose="02040503050406030204" pitchFamily="18" charset="0"/>
+                                            </a:rPr>
+                                          </m:ctrlPr>
+                                        </m:sSubSupPr>
+                                        <m:e>
+                                          <m:r>
+                                            <a:rPr lang="en-US" sz="1463" i="1">
+                                              <a:solidFill>
+                                                <a:schemeClr val="tx1">
+                                                  <a:lumMod val="95000"/>
+                                                  <a:lumOff val="5000"/>
+                                                </a:schemeClr>
+                                              </a:solidFill>
+                                              <a:latin typeface="Cambria Math" panose="02040503050406030204" pitchFamily="18" charset="0"/>
+                                            </a:rPr>
+                                            <m:t>𝑥</m:t>
+                                          </m:r>
+                                        </m:e>
+                                        <m:sub>
+                                          <m:r>
+                                            <a:rPr lang="en-US" sz="1463" i="1">
+                                              <a:solidFill>
+                                                <a:schemeClr val="tx1">
+                                                  <a:lumMod val="95000"/>
+                                                  <a:lumOff val="5000"/>
+                                                </a:schemeClr>
+                                              </a:solidFill>
+                                              <a:latin typeface="Cambria Math" panose="02040503050406030204" pitchFamily="18" charset="0"/>
+                                            </a:rPr>
+                                            <m:t>𝑖</m:t>
+                                          </m:r>
+                                        </m:sub>
+                                        <m:sup>
+                                          <m:r>
+                                            <a:rPr lang="en-US" sz="1463" i="1">
+                                              <a:solidFill>
+                                                <a:schemeClr val="tx1">
+                                                  <a:lumMod val="95000"/>
+                                                  <a:lumOff val="5000"/>
+                                                </a:schemeClr>
+                                              </a:solidFill>
+                                              <a:latin typeface="Cambria Math" panose="02040503050406030204" pitchFamily="18" charset="0"/>
+                                            </a:rPr>
+                                            <m:t>2</m:t>
+                                          </m:r>
+                                        </m:sup>
+                                      </m:sSubSup>
+                                      <m:r>
+                                        <a:rPr lang="en-US" sz="1463" i="1">
+                                          <a:solidFill>
+                                            <a:schemeClr val="tx1">
+                                              <a:lumMod val="95000"/>
+                                              <a:lumOff val="5000"/>
+                                            </a:schemeClr>
+                                          </a:solidFill>
+                                          <a:latin typeface="Cambria Math" panose="02040503050406030204" pitchFamily="18" charset="0"/>
+                                        </a:rPr>
+                                        <m:t>+</m:t>
+                                      </m:r>
+                                      <m:sSubSup>
+                                        <m:sSubSupPr>
+                                          <m:ctrlPr>
+                                            <a:rPr lang="en-US" sz="1463" i="1">
+                                              <a:solidFill>
+                                                <a:schemeClr val="tx1">
+                                                  <a:lumMod val="95000"/>
+                                                  <a:lumOff val="5000"/>
+                                                </a:schemeClr>
+                                              </a:solidFill>
+                                              <a:latin typeface="Cambria Math" panose="02040503050406030204" pitchFamily="18" charset="0"/>
+                                            </a:rPr>
+                                          </m:ctrlPr>
+                                        </m:sSubSupPr>
+                                        <m:e>
+                                          <m:r>
+                                            <a:rPr lang="en-US" sz="1463" i="1">
+                                              <a:solidFill>
+                                                <a:schemeClr val="tx1">
+                                                  <a:lumMod val="95000"/>
+                                                  <a:lumOff val="5000"/>
+                                                </a:schemeClr>
+                                              </a:solidFill>
+                                              <a:latin typeface="Cambria Math" panose="02040503050406030204" pitchFamily="18" charset="0"/>
+                                            </a:rPr>
+                                            <m:t>𝑥</m:t>
+                                          </m:r>
+                                        </m:e>
+                                        <m:sub>
+                                          <m:r>
+                                            <a:rPr lang="en-US" sz="1463" i="1">
+                                              <a:solidFill>
+                                                <a:schemeClr val="tx1">
+                                                  <a:lumMod val="95000"/>
+                                                  <a:lumOff val="5000"/>
+                                                </a:schemeClr>
+                                              </a:solidFill>
+                                              <a:latin typeface="Cambria Math" panose="02040503050406030204" pitchFamily="18" charset="0"/>
+                                            </a:rPr>
+                                            <m:t>𝑖</m:t>
+                                          </m:r>
+                                          <m:r>
+                                            <a:rPr lang="en-US" sz="1463" i="1">
+                                              <a:solidFill>
+                                                <a:schemeClr val="tx1">
+                                                  <a:lumMod val="95000"/>
+                                                  <a:lumOff val="5000"/>
+                                                </a:schemeClr>
+                                              </a:solidFill>
+                                              <a:latin typeface="Cambria Math" panose="02040503050406030204" pitchFamily="18" charset="0"/>
+                                            </a:rPr>
+                                            <m:t>+</m:t>
+                                          </m:r>
+                                          <m:r>
+                                            <a:rPr lang="en-US" sz="1463" i="1">
+                                              <a:solidFill>
+                                                <a:schemeClr val="tx1">
+                                                  <a:lumMod val="95000"/>
+                                                  <a:lumOff val="5000"/>
+                                                </a:schemeClr>
+                                              </a:solidFill>
+                                              <a:latin typeface="Cambria Math" panose="02040503050406030204" pitchFamily="18" charset="0"/>
+                                            </a:rPr>
+                                            <m:t>1</m:t>
+                                          </m:r>
+                                        </m:sub>
+                                        <m:sup>
+                                          <m:r>
+                                            <a:rPr lang="en-US" sz="1463" i="1">
+                                              <a:solidFill>
+                                                <a:schemeClr val="tx1">
+                                                  <a:lumMod val="95000"/>
+                                                  <a:lumOff val="5000"/>
+                                                </a:schemeClr>
+                                              </a:solidFill>
+                                              <a:latin typeface="Cambria Math" panose="02040503050406030204" pitchFamily="18" charset="0"/>
+                                            </a:rPr>
+                                            <m:t>2</m:t>
+                                          </m:r>
+                                        </m:sup>
+                                      </m:sSubSup>
+                                    </m:e>
+                                  </m:rad>
+                                </m:e>
+                              </m:d>
+                            </m:e>
+                            <m:sup>
+                              <m:r>
+                                <a:rPr lang="en-US" sz="1463" b="0" i="1" smtClean="0">
+                                  <a:solidFill>
+                                    <a:schemeClr val="tx1">
+                                      <a:lumMod val="95000"/>
+                                      <a:lumOff val="5000"/>
+                                    </a:schemeClr>
+                                  </a:solidFill>
+                                  <a:latin typeface="Cambria Math" panose="02040503050406030204" pitchFamily="18" charset="0"/>
+                                </a:rPr>
+                                <m:t>2</m:t>
+                              </m:r>
+                            </m:sup>
+                          </m:sSup>
+                          <m:r>
+                            <a:rPr lang="en-US" sz="1463" b="0" i="1" smtClean="0">
+                              <a:solidFill>
+                                <a:schemeClr val="tx1">
+                                  <a:lumMod val="95000"/>
+                                  <a:lumOff val="5000"/>
+                                </a:schemeClr>
+                              </a:solidFill>
+                              <a:latin typeface="Cambria Math" panose="02040503050406030204" pitchFamily="18" charset="0"/>
+                            </a:rPr>
+                            <m:t>−</m:t>
+                          </m:r>
+                          <m:r>
+                            <a:rPr lang="en-US" sz="1463" b="0" i="1" smtClean="0">
+                              <a:solidFill>
+                                <a:schemeClr val="tx1">
+                                  <a:lumMod val="95000"/>
+                                  <a:lumOff val="5000"/>
+                                </a:schemeClr>
+                              </a:solidFill>
+                              <a:latin typeface="Cambria Math" panose="02040503050406030204" pitchFamily="18" charset="0"/>
+                            </a:rPr>
+                            <m:t>0</m:t>
+                          </m:r>
+                          <m:r>
+                            <a:rPr lang="en-US" sz="1463" b="0" i="1" smtClean="0">
+                              <a:solidFill>
+                                <a:schemeClr val="tx1">
+                                  <a:lumMod val="95000"/>
+                                  <a:lumOff val="5000"/>
+                                </a:schemeClr>
+                              </a:solidFill>
+                              <a:latin typeface="Cambria Math" panose="02040503050406030204" pitchFamily="18" charset="0"/>
+                            </a:rPr>
+                            <m:t>.</m:t>
+                          </m:r>
+                          <m:r>
+                            <a:rPr lang="en-US" sz="1463" b="0" i="1" smtClean="0">
+                              <a:solidFill>
+                                <a:schemeClr val="tx1">
+                                  <a:lumMod val="95000"/>
+                                  <a:lumOff val="5000"/>
+                                </a:schemeClr>
+                              </a:solidFill>
+                              <a:latin typeface="Cambria Math" panose="02040503050406030204" pitchFamily="18" charset="0"/>
+                            </a:rPr>
+                            <m:t>5</m:t>
+                          </m:r>
+                          <m:r>
+                            <a:rPr lang="en-US" sz="1463" b="0" i="1" smtClean="0">
+                              <a:solidFill>
+                                <a:schemeClr val="tx1">
+                                  <a:lumMod val="95000"/>
+                                  <a:lumOff val="5000"/>
+                                </a:schemeClr>
+                              </a:solidFill>
+                              <a:latin typeface="Cambria Math" panose="02040503050406030204" pitchFamily="18" charset="0"/>
+                            </a:rPr>
+                            <m:t>)/</m:t>
+                          </m:r>
+                          <m:sSup>
+                            <m:sSupPr>
+                              <m:ctrlPr>
+                                <a:rPr lang="en-US" sz="1463" b="0" i="1" smtClean="0">
+                                  <a:solidFill>
+                                    <a:schemeClr val="tx1">
+                                      <a:lumMod val="95000"/>
+                                      <a:lumOff val="5000"/>
+                                    </a:schemeClr>
+                                  </a:solidFill>
+                                  <a:latin typeface="Cambria Math" panose="02040503050406030204" pitchFamily="18" charset="0"/>
+                                </a:rPr>
+                              </m:ctrlPr>
+                            </m:sSupPr>
+                            <m:e>
+                              <m:r>
+                                <a:rPr lang="en-US" sz="1463" b="0" i="1" smtClean="0">
+                                  <a:solidFill>
+                                    <a:schemeClr val="tx1">
+                                      <a:lumMod val="95000"/>
+                                      <a:lumOff val="5000"/>
+                                    </a:schemeClr>
+                                  </a:solidFill>
+                                  <a:latin typeface="Cambria Math" panose="02040503050406030204" pitchFamily="18" charset="0"/>
+                                </a:rPr>
+                                <m:t>(</m:t>
+                              </m:r>
+                              <m:r>
+                                <a:rPr lang="en-US" sz="1463" b="0" i="1" smtClean="0">
+                                  <a:solidFill>
+                                    <a:schemeClr val="tx1">
+                                      <a:lumMod val="95000"/>
+                                      <a:lumOff val="5000"/>
+                                    </a:schemeClr>
+                                  </a:solidFill>
+                                  <a:latin typeface="Cambria Math" panose="02040503050406030204" pitchFamily="18" charset="0"/>
+                                </a:rPr>
+                                <m:t>1</m:t>
+                              </m:r>
+                              <m:r>
+                                <a:rPr lang="en-US" sz="1463" b="0" i="1" smtClean="0">
+                                  <a:solidFill>
+                                    <a:schemeClr val="tx1">
+                                      <a:lumMod val="95000"/>
+                                      <a:lumOff val="5000"/>
+                                    </a:schemeClr>
+                                  </a:solidFill>
+                                  <a:latin typeface="Cambria Math" panose="02040503050406030204" pitchFamily="18" charset="0"/>
+                                </a:rPr>
+                                <m:t>+</m:t>
+                              </m:r>
+                              <m:r>
+                                <a:rPr lang="en-US" sz="1463" b="0" i="1" smtClean="0">
+                                  <a:solidFill>
+                                    <a:schemeClr val="tx1">
+                                      <a:lumMod val="95000"/>
+                                      <a:lumOff val="5000"/>
+                                    </a:schemeClr>
+                                  </a:solidFill>
+                                  <a:latin typeface="Cambria Math" panose="02040503050406030204" pitchFamily="18" charset="0"/>
+                                </a:rPr>
+                                <m:t>0</m:t>
+                              </m:r>
+                              <m:r>
+                                <a:rPr lang="en-US" sz="1463" b="0" i="1" smtClean="0">
+                                  <a:solidFill>
+                                    <a:schemeClr val="tx1">
+                                      <a:lumMod val="95000"/>
+                                      <a:lumOff val="5000"/>
+                                    </a:schemeClr>
+                                  </a:solidFill>
+                                  <a:latin typeface="Cambria Math" panose="02040503050406030204" pitchFamily="18" charset="0"/>
+                                </a:rPr>
+                                <m:t>.</m:t>
+                              </m:r>
+                              <m:r>
+                                <a:rPr lang="en-US" sz="1463" b="0" i="1" smtClean="0">
+                                  <a:solidFill>
+                                    <a:schemeClr val="tx1">
+                                      <a:lumMod val="95000"/>
+                                      <a:lumOff val="5000"/>
+                                    </a:schemeClr>
+                                  </a:solidFill>
+                                  <a:latin typeface="Cambria Math" panose="02040503050406030204" pitchFamily="18" charset="0"/>
+                                </a:rPr>
+                                <m:t>001</m:t>
+                              </m:r>
+                              <m:r>
+                                <a:rPr lang="en-US" sz="1463" b="0" i="1" smtClean="0">
+                                  <a:solidFill>
+                                    <a:schemeClr val="tx1">
+                                      <a:lumMod val="95000"/>
+                                      <a:lumOff val="5000"/>
+                                    </a:schemeClr>
+                                  </a:solidFill>
+                                  <a:latin typeface="Cambria Math" panose="02040503050406030204" pitchFamily="18" charset="0"/>
+                                </a:rPr>
+                                <m:t>(</m:t>
+                              </m:r>
+                              <m:sSubSup>
+                                <m:sSubSupPr>
+                                  <m:ctrlPr>
+                                    <a:rPr lang="en-US" sz="1463" i="1">
+                                      <a:solidFill>
+                                        <a:schemeClr val="tx1">
+                                          <a:lumMod val="95000"/>
+                                          <a:lumOff val="5000"/>
+                                        </a:schemeClr>
+                                      </a:solidFill>
+                                      <a:latin typeface="Cambria Math" panose="02040503050406030204" pitchFamily="18" charset="0"/>
+                                    </a:rPr>
+                                  </m:ctrlPr>
+                                </m:sSubSupPr>
+                                <m:e>
+                                  <m:r>
+                                    <a:rPr lang="en-US" sz="1463" i="1">
+                                      <a:solidFill>
+                                        <a:schemeClr val="tx1">
+                                          <a:lumMod val="95000"/>
+                                          <a:lumOff val="5000"/>
+                                        </a:schemeClr>
+                                      </a:solidFill>
+                                      <a:latin typeface="Cambria Math" panose="02040503050406030204" pitchFamily="18" charset="0"/>
+                                    </a:rPr>
+                                    <m:t>𝑥</m:t>
+                                  </m:r>
+                                </m:e>
+                                <m:sub>
+                                  <m:r>
+                                    <a:rPr lang="en-US" sz="1463" i="1">
+                                      <a:solidFill>
+                                        <a:schemeClr val="tx1">
+                                          <a:lumMod val="95000"/>
+                                          <a:lumOff val="5000"/>
+                                        </a:schemeClr>
+                                      </a:solidFill>
+                                      <a:latin typeface="Cambria Math" panose="02040503050406030204" pitchFamily="18" charset="0"/>
+                                    </a:rPr>
+                                    <m:t>𝑖</m:t>
+                                  </m:r>
+                                </m:sub>
+                                <m:sup>
+                                  <m:r>
+                                    <a:rPr lang="en-US" sz="1463" i="1">
+                                      <a:solidFill>
+                                        <a:schemeClr val="tx1">
+                                          <a:lumMod val="95000"/>
+                                          <a:lumOff val="5000"/>
+                                        </a:schemeClr>
+                                      </a:solidFill>
+                                      <a:latin typeface="Cambria Math" panose="02040503050406030204" pitchFamily="18" charset="0"/>
+                                    </a:rPr>
+                                    <m:t>2</m:t>
+                                  </m:r>
+                                </m:sup>
+                              </m:sSubSup>
+                              <m:r>
+                                <a:rPr lang="en-US" sz="1463" i="1">
+                                  <a:solidFill>
+                                    <a:schemeClr val="tx1">
+                                      <a:lumMod val="95000"/>
+                                      <a:lumOff val="5000"/>
+                                    </a:schemeClr>
+                                  </a:solidFill>
+                                  <a:latin typeface="Cambria Math" panose="02040503050406030204" pitchFamily="18" charset="0"/>
+                                </a:rPr>
+                                <m:t>+</m:t>
+                              </m:r>
+                              <m:sSubSup>
+                                <m:sSubSupPr>
+                                  <m:ctrlPr>
+                                    <a:rPr lang="en-US" sz="1463" i="1">
+                                      <a:solidFill>
+                                        <a:schemeClr val="tx1">
+                                          <a:lumMod val="95000"/>
+                                          <a:lumOff val="5000"/>
+                                        </a:schemeClr>
+                                      </a:solidFill>
+                                      <a:latin typeface="Cambria Math" panose="02040503050406030204" pitchFamily="18" charset="0"/>
+                                    </a:rPr>
+                                  </m:ctrlPr>
+                                </m:sSubSupPr>
+                                <m:e>
+                                  <m:r>
+                                    <a:rPr lang="en-US" sz="1463" i="1">
+                                      <a:solidFill>
+                                        <a:schemeClr val="tx1">
+                                          <a:lumMod val="95000"/>
+                                          <a:lumOff val="5000"/>
+                                        </a:schemeClr>
+                                      </a:solidFill>
+                                      <a:latin typeface="Cambria Math" panose="02040503050406030204" pitchFamily="18" charset="0"/>
+                                    </a:rPr>
+                                    <m:t>𝑥</m:t>
+                                  </m:r>
+                                </m:e>
+                                <m:sub>
+                                  <m:r>
+                                    <a:rPr lang="en-US" sz="1463" i="1">
+                                      <a:solidFill>
+                                        <a:schemeClr val="tx1">
+                                          <a:lumMod val="95000"/>
+                                          <a:lumOff val="5000"/>
+                                        </a:schemeClr>
+                                      </a:solidFill>
+                                      <a:latin typeface="Cambria Math" panose="02040503050406030204" pitchFamily="18" charset="0"/>
+                                    </a:rPr>
+                                    <m:t>𝑖</m:t>
+                                  </m:r>
+                                  <m:r>
+                                    <a:rPr lang="en-US" sz="1463" i="1">
+                                      <a:solidFill>
+                                        <a:schemeClr val="tx1">
+                                          <a:lumMod val="95000"/>
+                                          <a:lumOff val="5000"/>
+                                        </a:schemeClr>
+                                      </a:solidFill>
+                                      <a:latin typeface="Cambria Math" panose="02040503050406030204" pitchFamily="18" charset="0"/>
+                                    </a:rPr>
+                                    <m:t>+</m:t>
+                                  </m:r>
+                                  <m:r>
+                                    <a:rPr lang="en-US" sz="1463" i="1">
+                                      <a:solidFill>
+                                        <a:schemeClr val="tx1">
+                                          <a:lumMod val="95000"/>
+                                          <a:lumOff val="5000"/>
+                                        </a:schemeClr>
+                                      </a:solidFill>
+                                      <a:latin typeface="Cambria Math" panose="02040503050406030204" pitchFamily="18" charset="0"/>
+                                    </a:rPr>
+                                    <m:t>1</m:t>
+                                  </m:r>
+                                </m:sub>
+                                <m:sup>
+                                  <m:r>
+                                    <a:rPr lang="en-US" sz="1463" i="1">
+                                      <a:solidFill>
+                                        <a:schemeClr val="tx1">
+                                          <a:lumMod val="95000"/>
+                                          <a:lumOff val="5000"/>
+                                        </a:schemeClr>
+                                      </a:solidFill>
+                                      <a:latin typeface="Cambria Math" panose="02040503050406030204" pitchFamily="18" charset="0"/>
+                                    </a:rPr>
+                                    <m:t>2</m:t>
+                                  </m:r>
+                                </m:sup>
+                              </m:sSubSup>
+                              <m:r>
+                                <a:rPr lang="en-US" sz="1463" b="0" i="1" smtClean="0">
+                                  <a:solidFill>
+                                    <a:schemeClr val="tx1">
+                                      <a:lumMod val="95000"/>
+                                      <a:lumOff val="5000"/>
+                                    </a:schemeClr>
+                                  </a:solidFill>
+                                  <a:latin typeface="Cambria Math" panose="02040503050406030204" pitchFamily="18" charset="0"/>
+                                </a:rPr>
+                                <m:t>))</m:t>
+                              </m:r>
+                            </m:e>
+                            <m:sup>
+                              <m:r>
+                                <a:rPr lang="en-US" sz="1463" b="0" i="1" smtClean="0">
+                                  <a:solidFill>
+                                    <a:schemeClr val="tx1">
+                                      <a:lumMod val="95000"/>
+                                      <a:lumOff val="5000"/>
+                                    </a:schemeClr>
+                                  </a:solidFill>
+                                  <a:latin typeface="Cambria Math" panose="02040503050406030204" pitchFamily="18" charset="0"/>
+                                </a:rPr>
+                                <m:t>2</m:t>
+                              </m:r>
+                            </m:sup>
+                          </m:sSup>
+                        </m:e>
+                      </m:nary>
+                    </m:oMath>
+                  </m:oMathPara>
+                </a14:m>
+                <a:endParaRPr lang="en-US" sz="1463" dirty="0">
+                  <a:solidFill>
+                    <a:schemeClr val="bg1">
+                      <a:lumMod val="95000"/>
+                      <a:lumOff val="5000"/>
+                    </a:schemeClr>
+                  </a:solidFill>
+                </a:endParaRPr>
+              </a:p>
+            </p:txBody>
+          </p:sp>
+        </mc:Choice>
+        <mc:Fallback>
+          <p:sp>
+            <p:nvSpPr>
+              <p:cNvPr id="9" name="สี่เหลี่ยมผืนผ้า: มุมมน 13">
+                <a:extLst>
+                  <a:ext uri="{FF2B5EF4-FFF2-40B4-BE49-F238E27FC236}">
+                    <a16:creationId xmlns:a16="http://schemas.microsoft.com/office/drawing/2014/main" id="{CE5EB154-0533-AC2D-C7DE-13E34D7193A1}"/>
+                  </a:ext>
+                </a:extLst>
+              </p:cNvPr>
+              <p:cNvSpPr>
+                <a:spLocks noRot="1" noChangeAspect="1" noMove="1" noResize="1" noEditPoints="1" noAdjustHandles="1" noChangeArrowheads="1" noChangeShapeType="1" noTextEdit="1"/>
+              </p:cNvSpPr>
+              <p:nvPr/>
+            </p:nvSpPr>
+            <p:spPr>
+              <a:xfrm>
+                <a:off x="6602963" y="3628144"/>
+                <a:ext cx="5514392" cy="935660"/>
+              </a:xfrm>
+              <a:prstGeom prst="roundRect">
+                <a:avLst>
+                  <a:gd name="adj" fmla="val 50000"/>
+                </a:avLst>
+              </a:prstGeom>
+              <a:blipFill>
+                <a:blip r:embed="rId5"/>
+                <a:stretch>
+                  <a:fillRect/>
+                </a:stretch>
+              </a:blipFill>
+            </p:spPr>
+            <p:txBody>
+              <a:bodyPr/>
+              <a:lstStyle/>
+              <a:p>
+                <a:r>
+                  <a:rPr lang="en-US">
+                    <a:noFill/>
+                  </a:rPr>
+                  <a:t> </a:t>
+                </a:r>
+              </a:p>
+            </p:txBody>
+          </p:sp>
+        </mc:Fallback>
+      </mc:AlternateContent>
+    </p:spTree>
+    <p:extLst>
+      <p:ext uri="{BB962C8B-B14F-4D97-AF65-F5344CB8AC3E}">
+        <p14:creationId xmlns:p14="http://schemas.microsoft.com/office/powerpoint/2010/main" val="2483074067"/>
+      </p:ext>
+    </p:extLst>
+  </p:cSld>
+  <p:clrMapOvr>
+    <a:masterClrMapping/>
+  </p:clrMapOvr>
+</p:sld>
+</file>
+
+<file path=ppt/slides/slide9.xml><?xml version="1.0" encoding="utf-8"?>
+<p:sld xmlns:a="http://schemas.openxmlformats.org/drawingml/2006/main" xmlns:r="http://schemas.openxmlformats.org/officeDocument/2006/relationships" xmlns:p="http://schemas.openxmlformats.org/presentationml/2006/main">
+  <p:cSld>
+    <p:spTree>
+      <p:nvGrpSpPr>
+        <p:cNvPr id="1" name=""/>
+        <p:cNvGrpSpPr/>
+        <p:nvPr/>
+      </p:nvGrpSpPr>
+      <p:grpSpPr>
+        <a:xfrm>
+          <a:off x="0" y="0"/>
+          <a:ext cx="0" cy="0"/>
+          <a:chOff x="0" y="0"/>
+          <a:chExt cx="0" cy="0"/>
+        </a:xfrm>
+      </p:grpSpPr>
       <p:graphicFrame>
         <p:nvGraphicFramePr>
           <p:cNvPr id="2" name="Table 2">
@@ -30549,14 +34942,14 @@
           <p:nvPr>
             <p:extLst>
               <p:ext uri="{D42A27DB-BD31-4B8C-83A1-F6EECF244321}">
-                <p14:modId xmlns:p14="http://schemas.microsoft.com/office/powerpoint/2010/main" val="1749630220"/>
+                <p14:modId xmlns:p14="http://schemas.microsoft.com/office/powerpoint/2010/main" val="130990248"/>
               </p:ext>
             </p:extLst>
           </p:nvPr>
         </p:nvGraphicFramePr>
         <p:xfrm>
           <a:off x="625150" y="728995"/>
-          <a:ext cx="11234056" cy="4990671"/>
+          <a:ext cx="11234058" cy="4990671"/>
         </p:xfrm>
         <a:graphic>
           <a:graphicData uri="http://schemas.openxmlformats.org/drawingml/2006/table">
@@ -30565,38 +34958,45 @@
                 <a:tableStyleId>{5940675A-B579-460E-94D1-54222C63F5DA}</a:tableStyleId>
               </a:tblPr>
               <a:tblGrid>
-                <a:gridCol w="2534318">
+                <a:gridCol w="2392370">
                   <a:extLst>
                     <a:ext uri="{9D8B030D-6E8A-4147-A177-3AD203B41FA5}">
                       <a16:colId xmlns:a16="http://schemas.microsoft.com/office/drawing/2014/main" val="2510687946"/>
                     </a:ext>
                   </a:extLst>
                 </a:gridCol>
-                <a:gridCol w="1959305">
+                <a:gridCol w="1352316">
                   <a:extLst>
                     <a:ext uri="{9D8B030D-6E8A-4147-A177-3AD203B41FA5}">
                       <a16:colId xmlns:a16="http://schemas.microsoft.com/office/drawing/2014/main" val="1303176987"/>
                     </a:ext>
                   </a:extLst>
                 </a:gridCol>
-                <a:gridCol w="2246811">
+                <a:gridCol w="1872343">
                   <a:extLst>
                     <a:ext uri="{9D8B030D-6E8A-4147-A177-3AD203B41FA5}">
                       <a16:colId xmlns:a16="http://schemas.microsoft.com/office/drawing/2014/main" val="2314755053"/>
                     </a:ext>
                   </a:extLst>
                 </a:gridCol>
-                <a:gridCol w="2246811">
+                <a:gridCol w="1872343">
                   <a:extLst>
                     <a:ext uri="{9D8B030D-6E8A-4147-A177-3AD203B41FA5}">
                       <a16:colId xmlns:a16="http://schemas.microsoft.com/office/drawing/2014/main" val="4076557027"/>
                     </a:ext>
                   </a:extLst>
                 </a:gridCol>
-                <a:gridCol w="2246811">
+                <a:gridCol w="1872343">
                   <a:extLst>
                     <a:ext uri="{9D8B030D-6E8A-4147-A177-3AD203B41FA5}">
                       <a16:colId xmlns:a16="http://schemas.microsoft.com/office/drawing/2014/main" val="770771967"/>
+                    </a:ext>
+                  </a:extLst>
+                </a:gridCol>
+                <a:gridCol w="1872343">
+                  <a:extLst>
+                    <a:ext uri="{9D8B030D-6E8A-4147-A177-3AD203B41FA5}">
+                      <a16:colId xmlns:a16="http://schemas.microsoft.com/office/drawing/2014/main" val="3680005451"/>
                     </a:ext>
                   </a:extLst>
                 </a:gridCol>
@@ -30827,6 +35227,56 @@
                       <a:noFill/>
                       <a:prstDash val="solid"/>
                     </a:lnBlToTr>
+                  </a:tcPr>
+                </a:tc>
+                <a:tc>
+                  <a:txBody>
+                    <a:bodyPr/>
+                    <a:lstStyle/>
+                    <a:p>
+                      <a:pPr algn="ctr"/>
+                      <a:r>
+                        <a:rPr lang="en-US" dirty="0">
+                          <a:solidFill>
+                            <a:sysClr val="windowText" lastClr="000000"/>
+                          </a:solidFill>
+                        </a:rPr>
+                        <a:t>Win/Lose/equal</a:t>
+                      </a:r>
+                    </a:p>
+                  </a:txBody>
+                  <a:tcPr anchor="ctr">
+                    <a:lnL w="12700" cmpd="sng">
+                      <a:noFill/>
+                    </a:lnL>
+                    <a:lnR w="12700" cap="flat" cmpd="sng" algn="ctr">
+                      <a:noFill/>
+                      <a:prstDash val="solid"/>
+                      <a:round/>
+                      <a:headEnd type="none" w="med" len="med"/>
+                      <a:tailEnd type="none" w="med" len="med"/>
+                    </a:lnR>
+                    <a:lnT w="12700" cmpd="sng">
+                      <a:noFill/>
+                    </a:lnT>
+                    <a:lnB w="12700" cap="flat" cmpd="sng" algn="ctr">
+                      <a:solidFill>
+                        <a:schemeClr val="tx1"/>
+                      </a:solidFill>
+                      <a:prstDash val="solid"/>
+                      <a:round/>
+                      <a:headEnd type="none" w="med" len="med"/>
+                      <a:tailEnd type="none" w="med" len="med"/>
+                    </a:lnB>
+                    <a:lnTlToBr w="12700" cmpd="sng">
+                      <a:noFill/>
+                      <a:prstDash val="solid"/>
+                    </a:lnTlToBr>
+                    <a:lnBlToTr w="12700" cmpd="sng">
+                      <a:noFill/>
+                      <a:prstDash val="solid"/>
+                    </a:lnBlToTr>
+                    <a:noFill/>
                   </a:tcPr>
                 </a:tc>
                 <a:extLst>
@@ -31084,6 +35534,53 @@
                     </a:lnBlToTr>
                   </a:tcPr>
                 </a:tc>
+                <a:tc>
+                  <a:txBody>
+                    <a:bodyPr/>
+                    <a:lstStyle/>
+                    <a:p>
+                      <a:pPr algn="ctr"/>
+                      <a:endParaRPr lang="en-US" dirty="0"/>
+                    </a:p>
+                  </a:txBody>
+                  <a:tcPr anchor="ctr">
+                    <a:lnL w="12700" cmpd="sng">
+                      <a:noFill/>
+                    </a:lnL>
+                    <a:lnR w="12700" cmpd="sng">
+                      <a:noFill/>
+                    </a:lnR>
+                    <a:lnT w="12700" cap="flat" cmpd="sng" algn="ctr">
+                      <a:solidFill>
+                        <a:schemeClr val="tx1"/>
+                      </a:solidFill>
+                      <a:prstDash val="solid"/>
+                      <a:round/>
+                      <a:headEnd type="none" w="med" len="med"/>
+                      <a:tailEnd type="none" w="med" len="med"/>
+                    </a:lnT>
+                    <a:lnB w="12700" cap="flat" cmpd="sng" algn="ctr">
+                      <a:solidFill>
+                        <a:schemeClr val="tx1"/>
+                      </a:solidFill>
+                      <a:prstDash val="solid"/>
+                      <a:round/>
+                      <a:headEnd type="none" w="med" len="med"/>
+                      <a:tailEnd type="none" w="med" len="med"/>
+                    </a:lnB>
+                    <a:lnTlToBr w="12700" cmpd="sng">
+                      <a:noFill/>
+                      <a:prstDash val="solid"/>
+                    </a:lnTlToBr>
+                    <a:lnBlToTr w="12700" cmpd="sng">
+                      <a:noFill/>
+                      <a:prstDash val="solid"/>
+                    </a:lnBlToTr>
+                    <a:solidFill>
+                      <a:schemeClr val="tx1"/>
+                    </a:solidFill>
+                  </a:tcPr>
+                </a:tc>
                 <a:extLst>
                   <a:ext uri="{0D108BD9-81ED-4DB2-BD59-A6C34878D82A}">
                     <a16:rowId xmlns:a16="http://schemas.microsoft.com/office/drawing/2014/main" val="3934318408"/>
@@ -31301,6 +35798,53 @@
                       <a:r>
                         <a:rPr lang="en-US" dirty="0"/>
                         <a:t>5.74</a:t>
+                      </a:r>
+                    </a:p>
+                  </a:txBody>
+                  <a:tcPr anchor="ctr">
+                    <a:lnL w="12700" cmpd="sng">
+                      <a:noFill/>
+                    </a:lnL>
+                    <a:lnR w="12700" cmpd="sng">
+                      <a:noFill/>
+                    </a:lnR>
+                    <a:lnT w="12700" cap="flat" cmpd="sng" algn="ctr">
+                      <a:solidFill>
+                        <a:schemeClr val="tx1"/>
+                      </a:solidFill>
+                      <a:prstDash val="solid"/>
+                      <a:round/>
+                      <a:headEnd type="none" w="med" len="med"/>
+                      <a:tailEnd type="none" w="med" len="med"/>
+                    </a:lnT>
+                    <a:lnB w="12700" cap="flat" cmpd="sng" algn="ctr">
+                      <a:solidFill>
+                        <a:schemeClr val="tx1"/>
+                      </a:solidFill>
+                      <a:prstDash val="solid"/>
+                      <a:round/>
+                      <a:headEnd type="none" w="med" len="med"/>
+                      <a:tailEnd type="none" w="med" len="med"/>
+                    </a:lnB>
+                    <a:lnTlToBr w="12700" cmpd="sng">
+                      <a:noFill/>
+                      <a:prstDash val="solid"/>
+                    </a:lnTlToBr>
+                    <a:lnBlToTr w="12700" cmpd="sng">
+                      <a:noFill/>
+                      <a:prstDash val="solid"/>
+                    </a:lnBlToTr>
+                  </a:tcPr>
+                </a:tc>
+                <a:tc>
+                  <a:txBody>
+                    <a:bodyPr/>
+                    <a:lstStyle/>
+                    <a:p>
+                      <a:pPr algn="ctr"/>
+                      <a:r>
+                        <a:rPr lang="en-US" dirty="0"/>
+                        <a:t>1/2/1</a:t>
                       </a:r>
                     </a:p>
                   </a:txBody>
@@ -31594,6 +36138,53 @@
                     </a:lnBlToTr>
                   </a:tcPr>
                 </a:tc>
+                <a:tc>
+                  <a:txBody>
+                    <a:bodyPr/>
+                    <a:lstStyle/>
+                    <a:p>
+                      <a:pPr algn="ctr"/>
+                      <a:r>
+                        <a:rPr lang="en-US" dirty="0"/>
+                        <a:t>1/2/1</a:t>
+                      </a:r>
+                    </a:p>
+                  </a:txBody>
+                  <a:tcPr anchor="ctr">
+                    <a:lnL w="12700" cmpd="sng">
+                      <a:noFill/>
+                    </a:lnL>
+                    <a:lnR w="12700" cmpd="sng">
+                      <a:noFill/>
+                    </a:lnR>
+                    <a:lnT w="12700" cap="flat" cmpd="sng" algn="ctr">
+                      <a:solidFill>
+                        <a:schemeClr val="tx1"/>
+                      </a:solidFill>
+                      <a:prstDash val="solid"/>
+                      <a:round/>
+                      <a:headEnd type="none" w="med" len="med"/>
+                      <a:tailEnd type="none" w="med" len="med"/>
+                    </a:lnT>
+                    <a:lnB w="12700" cap="flat" cmpd="sng" algn="ctr">
+                      <a:solidFill>
+                        <a:schemeClr val="tx1"/>
+                      </a:solidFill>
+                      <a:prstDash val="solid"/>
+                      <a:round/>
+                      <a:headEnd type="none" w="med" len="med"/>
+                      <a:tailEnd type="none" w="med" len="med"/>
+                    </a:lnB>
+                    <a:lnTlToBr w="12700" cmpd="sng">
+                      <a:noFill/>
+                      <a:prstDash val="solid"/>
+                    </a:lnTlToBr>
+                    <a:lnBlToTr w="12700" cmpd="sng">
+                      <a:noFill/>
+                      <a:prstDash val="solid"/>
+                    </a:lnBlToTr>
+                  </a:tcPr>
+                </a:tc>
                 <a:extLst>
                   <a:ext uri="{0D108BD9-81ED-4DB2-BD59-A6C34878D82A}">
                     <a16:rowId xmlns:a16="http://schemas.microsoft.com/office/drawing/2014/main" val="2353746185"/>
@@ -31825,8 +36416,63 @@
                     <a:p>
                       <a:pPr algn="ctr"/>
                       <a:r>
-                        <a:rPr lang="en-US" dirty="0"/>
+                        <a:rPr lang="en-US" b="1" dirty="0">
+                          <a:solidFill>
+                            <a:srgbClr val="FF0000"/>
+                          </a:solidFill>
+                        </a:rPr>
                         <a:t>5.42</a:t>
+                      </a:r>
+                    </a:p>
+                  </a:txBody>
+                  <a:tcPr anchor="ctr">
+                    <a:lnL w="12700" cmpd="sng">
+                      <a:noFill/>
+                    </a:lnL>
+                    <a:lnR w="12700" cmpd="sng">
+                      <a:noFill/>
+                    </a:lnR>
+                    <a:lnT w="12700" cap="flat" cmpd="sng" algn="ctr">
+                      <a:solidFill>
+                        <a:schemeClr val="tx1"/>
+                      </a:solidFill>
+                      <a:prstDash val="solid"/>
+                      <a:round/>
+                      <a:headEnd type="none" w="med" len="med"/>
+                      <a:tailEnd type="none" w="med" len="med"/>
+                    </a:lnT>
+                    <a:lnB w="12700" cap="flat" cmpd="sng" algn="ctr">
+                      <a:solidFill>
+                        <a:schemeClr val="tx1"/>
+                      </a:solidFill>
+                      <a:prstDash val="solid"/>
+                      <a:round/>
+                      <a:headEnd type="none" w="med" len="med"/>
+                      <a:tailEnd type="none" w="med" len="med"/>
+                    </a:lnB>
+                    <a:lnTlToBr w="12700" cmpd="sng">
+                      <a:noFill/>
+                      <a:prstDash val="solid"/>
+                    </a:lnTlToBr>
+                    <a:lnBlToTr w="12700" cmpd="sng">
+                      <a:noFill/>
+                      <a:prstDash val="solid"/>
+                    </a:lnBlToTr>
+                  </a:tcPr>
+                </a:tc>
+                <a:tc>
+                  <a:txBody>
+                    <a:bodyPr/>
+                    <a:lstStyle/>
+                    <a:p>
+                      <a:pPr algn="ctr"/>
+                      <a:r>
+                        <a:rPr lang="en-US" b="0" dirty="0">
+                          <a:solidFill>
+                            <a:schemeClr val="tx1"/>
+                          </a:solidFill>
+                        </a:rPr>
+                        <a:t>3/0/1</a:t>
                       </a:r>
                     </a:p>
                   </a:txBody>
@@ -31948,7 +36594,14 @@
                     <a:lstStyle/>
                     <a:p>
                       <a:pPr algn="ctr"/>
-                      <a:endParaRPr lang="en-US" dirty="0"/>
+                      <a:r>
+                        <a:rPr lang="en-US" b="1" dirty="0">
+                          <a:solidFill>
+                            <a:srgbClr val="FF0000"/>
+                          </a:solidFill>
+                        </a:rPr>
+                        <a:t>0.32</a:t>
+                      </a:r>
                     </a:p>
                   </a:txBody>
                   <a:tcPr anchor="ctr">
@@ -31998,7 +36651,10 @@
                     <a:lstStyle/>
                     <a:p>
                       <a:pPr algn="ctr"/>
-                      <a:endParaRPr lang="en-US" dirty="0"/>
+                      <a:r>
+                        <a:rPr lang="en-US" dirty="0"/>
+                        <a:t>0</a:t>
+                      </a:r>
                     </a:p>
                   </a:txBody>
                   <a:tcPr anchor="ctr">
@@ -32042,7 +36698,10 @@
                     <a:lstStyle/>
                     <a:p>
                       <a:pPr algn="ctr"/>
-                      <a:endParaRPr lang="en-US" dirty="0"/>
+                      <a:r>
+                        <a:rPr lang="en-US" dirty="0"/>
+                        <a:t>0.22</a:t>
+                      </a:r>
                     </a:p>
                   </a:txBody>
                   <a:tcPr anchor="ctr">
@@ -32086,7 +36745,61 @@
                     <a:lstStyle/>
                     <a:p>
                       <a:pPr algn="ctr"/>
-                      <a:endParaRPr lang="en-US" dirty="0"/>
+                      <a:r>
+                        <a:rPr lang="en-US" dirty="0"/>
+                        <a:t>5.63</a:t>
+                      </a:r>
+                    </a:p>
+                  </a:txBody>
+                  <a:tcPr anchor="ctr">
+                    <a:lnL w="12700" cmpd="sng">
+                      <a:noFill/>
+                    </a:lnL>
+                    <a:lnR w="12700" cmpd="sng">
+                      <a:noFill/>
+                    </a:lnR>
+                    <a:lnT w="12700" cap="flat" cmpd="sng" algn="ctr">
+                      <a:solidFill>
+                        <a:schemeClr val="tx1"/>
+                      </a:solidFill>
+                      <a:prstDash val="solid"/>
+                      <a:round/>
+                      <a:headEnd type="none" w="med" len="med"/>
+                      <a:tailEnd type="none" w="med" len="med"/>
+                    </a:lnT>
+                    <a:lnB w="12700" cap="flat" cmpd="sng" algn="ctr">
+                      <a:solidFill>
+                        <a:schemeClr val="tx1"/>
+                      </a:solidFill>
+                      <a:prstDash val="solid"/>
+                      <a:round/>
+                      <a:headEnd type="none" w="med" len="med"/>
+                      <a:tailEnd type="none" w="med" len="med"/>
+                    </a:lnB>
+                    <a:lnTlToBr w="12700" cmpd="sng">
+                      <a:noFill/>
+                      <a:prstDash val="solid"/>
+                    </a:lnTlToBr>
+                    <a:lnBlToTr w="12700" cmpd="sng">
+                      <a:noFill/>
+                      <a:prstDash val="solid"/>
+                    </a:lnBlToTr>
+                  </a:tcPr>
+                </a:tc>
+                <a:tc>
+                  <a:txBody>
+                    <a:bodyPr/>
+                    <a:lstStyle/>
+                    <a:p>
+                      <a:pPr algn="ctr"/>
+                      <a:r>
+                        <a:rPr lang="en-US" b="0" dirty="0">
+                          <a:solidFill>
+                            <a:schemeClr val="tx1"/>
+                          </a:solidFill>
+                        </a:rPr>
+                        <a:t>3/0/1</a:t>
+                      </a:r>
                     </a:p>
                   </a:txBody>
                   <a:tcPr anchor="ctr">
@@ -32191,7 +36904,10 @@
                     <a:lstStyle/>
                     <a:p>
                       <a:pPr algn="ctr"/>
-                      <a:endParaRPr lang="en-US" dirty="0"/>
+                      <a:r>
+                        <a:rPr lang="en-US" dirty="0"/>
+                        <a:t>0.47</a:t>
+                      </a:r>
                     </a:p>
                   </a:txBody>
                   <a:tcPr anchor="ctr">
@@ -32241,7 +36957,10 @@
                     <a:lstStyle/>
                     <a:p>
                       <a:pPr algn="ctr"/>
-                      <a:endParaRPr lang="en-US" dirty="0"/>
+                      <a:r>
+                        <a:rPr lang="en-US" dirty="0"/>
+                        <a:t>0</a:t>
+                      </a:r>
                     </a:p>
                   </a:txBody>
                   <a:tcPr anchor="ctr">
@@ -32285,7 +37004,14 @@
                     <a:lstStyle/>
                     <a:p>
                       <a:pPr algn="ctr"/>
-                      <a:endParaRPr lang="en-US" dirty="0"/>
+                      <a:r>
+                        <a:rPr lang="en-US" b="1" dirty="0">
+                          <a:solidFill>
+                            <a:srgbClr val="FF0000"/>
+                          </a:solidFill>
+                        </a:rPr>
+                        <a:t>0.072</a:t>
+                      </a:r>
                     </a:p>
                   </a:txBody>
                   <a:tcPr anchor="ctr">
@@ -32329,7 +37055,65 @@
                     <a:lstStyle/>
                     <a:p>
                       <a:pPr algn="ctr"/>
-                      <a:endParaRPr lang="en-US" dirty="0"/>
+                      <a:r>
+                        <a:rPr lang="en-US" b="1" dirty="0">
+                          <a:solidFill>
+                            <a:srgbClr val="FF0000"/>
+                          </a:solidFill>
+                        </a:rPr>
+                        <a:t>5.42</a:t>
+                      </a:r>
+                    </a:p>
+                  </a:txBody>
+                  <a:tcPr anchor="ctr">
+                    <a:lnL w="12700" cmpd="sng">
+                      <a:noFill/>
+                    </a:lnL>
+                    <a:lnR w="12700" cmpd="sng">
+                      <a:noFill/>
+                    </a:lnR>
+                    <a:lnT w="12700" cap="flat" cmpd="sng" algn="ctr">
+                      <a:solidFill>
+                        <a:schemeClr val="tx1"/>
+                      </a:solidFill>
+                      <a:prstDash val="solid"/>
+                      <a:round/>
+                      <a:headEnd type="none" w="med" len="med"/>
+                      <a:tailEnd type="none" w="med" len="med"/>
+                    </a:lnT>
+                    <a:lnB w="12700" cap="flat" cmpd="sng" algn="ctr">
+                      <a:solidFill>
+                        <a:schemeClr val="tx1"/>
+                      </a:solidFill>
+                      <a:prstDash val="solid"/>
+                      <a:round/>
+                      <a:headEnd type="none" w="med" len="med"/>
+                      <a:tailEnd type="none" w="med" len="med"/>
+                    </a:lnB>
+                    <a:lnTlToBr w="12700" cmpd="sng">
+                      <a:noFill/>
+                      <a:prstDash val="solid"/>
+                    </a:lnTlToBr>
+                    <a:lnBlToTr w="12700" cmpd="sng">
+                      <a:noFill/>
+                      <a:prstDash val="solid"/>
+                    </a:lnBlToTr>
+                  </a:tcPr>
+                </a:tc>
+                <a:tc>
+                  <a:txBody>
+                    <a:bodyPr/>
+                    <a:lstStyle/>
+                    <a:p>
+                      <a:pPr algn="ctr"/>
+                      <a:r>
+                        <a:rPr lang="en-US" b="0" dirty="0">
+                          <a:solidFill>
+                            <a:schemeClr val="tx1"/>
+                          </a:solidFill>
+                        </a:rPr>
+                        <a:t>2/1/1</a:t>
+                      </a:r>
                     </a:p>
                   </a:txBody>
                   <a:tcPr anchor="ctr">
@@ -32623,15 +37407,6 @@
 </file>
 
 <file path=customXml/item2.xml><?xml version="1.0" encoding="utf-8"?>
-<?mso-contentType ?>
-<FormTemplates xmlns="http://schemas.microsoft.com/sharepoint/v3/contenttype/forms">
-  <Display>DocumentLibraryForm</Display>
-  <Edit>DocumentLibraryForm</Edit>
-  <New>DocumentLibraryForm</New>
-</FormTemplates>
-</file>
-
-<file path=customXml/item3.xml><?xml version="1.0" encoding="utf-8"?>
 <ct:contentTypeSchema xmlns:ct="http://schemas.microsoft.com/office/2006/metadata/contentType" xmlns:ma="http://schemas.microsoft.com/office/2006/metadata/properties/metaAttributes" ct:_="" ma:_="" ma:contentTypeName="Document" ma:contentTypeID="0x01010079F111ED35F8CC479449609E8A0923A6" ma:contentTypeVersion="12" ma:contentTypeDescription="Create a new document." ma:contentTypeScope="" ma:versionID="a410dd7f93c95333ffa1b60ed6adedd1">
   <xsd:schema xmlns:xsd="http://www.w3.org/2001/XMLSchema" xmlns:xs="http://www.w3.org/2001/XMLSchema" xmlns:p="http://schemas.microsoft.com/office/2006/metadata/properties" xmlns:ns2="71af3243-3dd4-4a8d-8c0d-dd76da1f02a5" xmlns:ns3="16c05727-aa75-4e4a-9b5f-8a80a1165891" targetNamespace="http://schemas.microsoft.com/office/2006/metadata/properties" ma:root="true" ma:fieldsID="a936d9baba76aa3866493feff160faab" ns2:_="" ns3:_="">
     <xsd:import namespace="71af3243-3dd4-4a8d-8c0d-dd76da1f02a5"/>
@@ -32852,6 +37627,15 @@
 </ct:contentTypeSchema>
 </file>
 
+<file path=customXml/item3.xml><?xml version="1.0" encoding="utf-8"?>
+<?mso-contentType ?>
+<FormTemplates xmlns="http://schemas.microsoft.com/sharepoint/v3/contenttype/forms">
+  <Display>DocumentLibraryForm</Display>
+  <Edit>DocumentLibraryForm</Edit>
+  <New>DocumentLibraryForm</New>
+</FormTemplates>
+</file>
+
 <file path=customXml/itemProps1.xml><?xml version="1.0" encoding="utf-8"?>
 <ds:datastoreItem xmlns:ds="http://schemas.openxmlformats.org/officeDocument/2006/customXml" ds:itemID="{A03EEFF0-FB57-4CB4-8BFC-DF397689E2ED}">
   <ds:schemaRefs>
@@ -32863,14 +37647,6 @@
 </file>
 
 <file path=customXml/itemProps2.xml><?xml version="1.0" encoding="utf-8"?>
-<ds:datastoreItem xmlns:ds="http://schemas.openxmlformats.org/officeDocument/2006/customXml" ds:itemID="{AA3F7EDC-E5B4-4BBC-9D2A-CBE6D46C37AD}">
-  <ds:schemaRefs>
-    <ds:schemaRef ds:uri="http://schemas.microsoft.com/sharepoint/v3/contenttype/forms"/>
-  </ds:schemaRefs>
-</ds:datastoreItem>
-</file>
-
-<file path=customXml/itemProps3.xml><?xml version="1.0" encoding="utf-8"?>
 <ds:datastoreItem xmlns:ds="http://schemas.openxmlformats.org/officeDocument/2006/customXml" ds:itemID="{93932EF5-314F-409E-8020-FEE5FA0795B9}">
   <ds:schemaRefs>
     <ds:schemaRef ds:uri="http://schemas.microsoft.com/office/2006/metadata/contentType"/>
@@ -32887,4 +37663,12 @@
     <ds:schemaRef ds:uri="http://schemas.microsoft.com/internal/obd"/>
   </ds:schemaRefs>
 </ds:datastoreItem>
+</file>
+
+<file path=customXml/itemProps3.xml><?xml version="1.0" encoding="utf-8"?>
+<ds:datastoreItem xmlns:ds="http://schemas.openxmlformats.org/officeDocument/2006/customXml" ds:itemID="{AA3F7EDC-E5B4-4BBC-9D2A-CBE6D46C37AD}">
+  <ds:schemaRefs>
+    <ds:schemaRef ds:uri="http://schemas.microsoft.com/sharepoint/v3/contenttype/forms"/>
+  </ds:schemaRefs>
+</ds:datastoreItem>
 </file>